--- a/图.pptx
+++ b/图.pptx
@@ -7,6 +7,7 @@
   <p:sldIdLst>
     <p:sldId id="256" r:id="rId2"/>
     <p:sldId id="257" r:id="rId3"/>
+    <p:sldId id="258" r:id="rId4"/>
   </p:sldIdLst>
   <p:sldSz cx="12192000" cy="6858000"/>
   <p:notesSz cx="6858000" cy="9144000"/>
@@ -260,7 +261,7 @@
           <a:p>
             <a:fld id="{AD6044C5-84D1-4A21-B234-807FD534B005}" type="datetimeFigureOut">
               <a:rPr lang="zh-CN" altLang="en-US" smtClean="0"/>
-              <a:t>2025/9/7</a:t>
+              <a:t>2025/9/8</a:t>
             </a:fld>
             <a:endParaRPr lang="zh-CN" altLang="en-US"/>
           </a:p>
@@ -458,7 +459,7 @@
           <a:p>
             <a:fld id="{AD6044C5-84D1-4A21-B234-807FD534B005}" type="datetimeFigureOut">
               <a:rPr lang="zh-CN" altLang="en-US" smtClean="0"/>
-              <a:t>2025/9/7</a:t>
+              <a:t>2025/9/8</a:t>
             </a:fld>
             <a:endParaRPr lang="zh-CN" altLang="en-US"/>
           </a:p>
@@ -666,7 +667,7 @@
           <a:p>
             <a:fld id="{AD6044C5-84D1-4A21-B234-807FD534B005}" type="datetimeFigureOut">
               <a:rPr lang="zh-CN" altLang="en-US" smtClean="0"/>
-              <a:t>2025/9/7</a:t>
+              <a:t>2025/9/8</a:t>
             </a:fld>
             <a:endParaRPr lang="zh-CN" altLang="en-US"/>
           </a:p>
@@ -864,7 +865,7 @@
           <a:p>
             <a:fld id="{AD6044C5-84D1-4A21-B234-807FD534B005}" type="datetimeFigureOut">
               <a:rPr lang="zh-CN" altLang="en-US" smtClean="0"/>
-              <a:t>2025/9/7</a:t>
+              <a:t>2025/9/8</a:t>
             </a:fld>
             <a:endParaRPr lang="zh-CN" altLang="en-US"/>
           </a:p>
@@ -1139,7 +1140,7 @@
           <a:p>
             <a:fld id="{AD6044C5-84D1-4A21-B234-807FD534B005}" type="datetimeFigureOut">
               <a:rPr lang="zh-CN" altLang="en-US" smtClean="0"/>
-              <a:t>2025/9/7</a:t>
+              <a:t>2025/9/8</a:t>
             </a:fld>
             <a:endParaRPr lang="zh-CN" altLang="en-US"/>
           </a:p>
@@ -1404,7 +1405,7 @@
           <a:p>
             <a:fld id="{AD6044C5-84D1-4A21-B234-807FD534B005}" type="datetimeFigureOut">
               <a:rPr lang="zh-CN" altLang="en-US" smtClean="0"/>
-              <a:t>2025/9/7</a:t>
+              <a:t>2025/9/8</a:t>
             </a:fld>
             <a:endParaRPr lang="zh-CN" altLang="en-US"/>
           </a:p>
@@ -1816,7 +1817,7 @@
           <a:p>
             <a:fld id="{AD6044C5-84D1-4A21-B234-807FD534B005}" type="datetimeFigureOut">
               <a:rPr lang="zh-CN" altLang="en-US" smtClean="0"/>
-              <a:t>2025/9/7</a:t>
+              <a:t>2025/9/8</a:t>
             </a:fld>
             <a:endParaRPr lang="zh-CN" altLang="en-US"/>
           </a:p>
@@ -1957,7 +1958,7 @@
           <a:p>
             <a:fld id="{AD6044C5-84D1-4A21-B234-807FD534B005}" type="datetimeFigureOut">
               <a:rPr lang="zh-CN" altLang="en-US" smtClean="0"/>
-              <a:t>2025/9/7</a:t>
+              <a:t>2025/9/8</a:t>
             </a:fld>
             <a:endParaRPr lang="zh-CN" altLang="en-US"/>
           </a:p>
@@ -2070,7 +2071,7 @@
           <a:p>
             <a:fld id="{AD6044C5-84D1-4A21-B234-807FD534B005}" type="datetimeFigureOut">
               <a:rPr lang="zh-CN" altLang="en-US" smtClean="0"/>
-              <a:t>2025/9/7</a:t>
+              <a:t>2025/9/8</a:t>
             </a:fld>
             <a:endParaRPr lang="zh-CN" altLang="en-US"/>
           </a:p>
@@ -2381,7 +2382,7 @@
           <a:p>
             <a:fld id="{AD6044C5-84D1-4A21-B234-807FD534B005}" type="datetimeFigureOut">
               <a:rPr lang="zh-CN" altLang="en-US" smtClean="0"/>
-              <a:t>2025/9/7</a:t>
+              <a:t>2025/9/8</a:t>
             </a:fld>
             <a:endParaRPr lang="zh-CN" altLang="en-US"/>
           </a:p>
@@ -2669,7 +2670,7 @@
           <a:p>
             <a:fld id="{AD6044C5-84D1-4A21-B234-807FD534B005}" type="datetimeFigureOut">
               <a:rPr lang="zh-CN" altLang="en-US" smtClean="0"/>
-              <a:t>2025/9/7</a:t>
+              <a:t>2025/9/8</a:t>
             </a:fld>
             <a:endParaRPr lang="zh-CN" altLang="en-US"/>
           </a:p>
@@ -2910,7 +2911,7 @@
           <a:p>
             <a:fld id="{AD6044C5-84D1-4A21-B234-807FD534B005}" type="datetimeFigureOut">
               <a:rPr lang="zh-CN" altLang="en-US" smtClean="0"/>
-              <a:t>2025/9/7</a:t>
+              <a:t>2025/9/8</a:t>
             </a:fld>
             <a:endParaRPr lang="zh-CN" altLang="en-US"/>
           </a:p>
@@ -4640,6 +4641,131 @@
     <p:extLst>
       <p:ext uri="{BB962C8B-B14F-4D97-AF65-F5344CB8AC3E}">
         <p14:creationId xmlns:p14="http://schemas.microsoft.com/office/powerpoint/2010/main" val="1353871788"/>
+      </p:ext>
+    </p:extLst>
+  </p:cSld>
+  <p:clrMapOvr>
+    <a:masterClrMapping/>
+  </p:clrMapOvr>
+</p:sld>
+</file>
+
+<file path=ppt/slides/slide3.xml><?xml version="1.0" encoding="utf-8"?>
+<p:sld xmlns:a="http://schemas.openxmlformats.org/drawingml/2006/main" xmlns:r="http://schemas.openxmlformats.org/officeDocument/2006/relationships" xmlns:p="http://schemas.openxmlformats.org/presentationml/2006/main">
+  <p:cSld>
+    <p:spTree>
+      <p:nvGrpSpPr>
+        <p:cNvPr id="1" name=""/>
+        <p:cNvGrpSpPr/>
+        <p:nvPr/>
+      </p:nvGrpSpPr>
+      <p:grpSpPr>
+        <a:xfrm>
+          <a:off x="0" y="0"/>
+          <a:ext cx="0" cy="0"/>
+          <a:chOff x="0" y="0"/>
+          <a:chExt cx="0" cy="0"/>
+        </a:xfrm>
+      </p:grpSpPr>
+      <p:pic>
+        <p:nvPicPr>
+          <p:cNvPr id="5" name="图片 4">
+            <a:extLst>
+              <a:ext uri="{FF2B5EF4-FFF2-40B4-BE49-F238E27FC236}">
+                <a16:creationId xmlns:a16="http://schemas.microsoft.com/office/drawing/2014/main" id="{7394E953-9E6B-5BC3-DC99-9238416D2D8F}"/>
+              </a:ext>
+            </a:extLst>
+          </p:cNvPr>
+          <p:cNvPicPr>
+            <a:picLocks noChangeAspect="1"/>
+          </p:cNvPicPr>
+          <p:nvPr/>
+        </p:nvPicPr>
+        <p:blipFill>
+          <a:blip r:embed="rId2"/>
+          <a:stretch>
+            <a:fillRect/>
+          </a:stretch>
+        </p:blipFill>
+        <p:spPr>
+          <a:xfrm>
+            <a:off x="1524000" y="1465598"/>
+            <a:ext cx="10464800" cy="5392402"/>
+          </a:xfrm>
+          <a:prstGeom prst="rect">
+            <a:avLst/>
+          </a:prstGeom>
+        </p:spPr>
+      </p:pic>
+      <p:sp>
+        <p:nvSpPr>
+          <p:cNvPr id="6" name="文本框 5">
+            <a:extLst>
+              <a:ext uri="{FF2B5EF4-FFF2-40B4-BE49-F238E27FC236}">
+                <a16:creationId xmlns:a16="http://schemas.microsoft.com/office/drawing/2014/main" id="{EC5AD42B-51BF-BBC5-9995-B364AA769949}"/>
+              </a:ext>
+            </a:extLst>
+          </p:cNvPr>
+          <p:cNvSpPr txBox="1"/>
+          <p:nvPr/>
+        </p:nvSpPr>
+        <p:spPr>
+          <a:xfrm>
+            <a:off x="1016000" y="350982"/>
+            <a:ext cx="8948283" cy="369332"/>
+          </a:xfrm>
+          <a:prstGeom prst="rect">
+            <a:avLst/>
+          </a:prstGeom>
+          <a:noFill/>
+        </p:spPr>
+        <p:txBody>
+          <a:bodyPr wrap="none" rtlCol="0">
+            <a:spAutoFit/>
+          </a:bodyPr>
+          <a:lstStyle/>
+          <a:p>
+            <a:r>
+              <a:rPr lang="zh-CN" altLang="en-US" dirty="0"/>
+              <a:t>凯瑞甘吸收光环通过施加一个行为，当具有该行为的单位死亡，通过触发器生成资源</a:t>
+            </a:r>
+          </a:p>
+        </p:txBody>
+      </p:sp>
+      <p:pic>
+        <p:nvPicPr>
+          <p:cNvPr id="8" name="图片 7">
+            <a:extLst>
+              <a:ext uri="{FF2B5EF4-FFF2-40B4-BE49-F238E27FC236}">
+                <a16:creationId xmlns:a16="http://schemas.microsoft.com/office/drawing/2014/main" id="{EA75C466-4DF5-AB91-0C23-4398D67C998F}"/>
+              </a:ext>
+            </a:extLst>
+          </p:cNvPr>
+          <p:cNvPicPr>
+            <a:picLocks noChangeAspect="1"/>
+          </p:cNvPicPr>
+          <p:nvPr/>
+        </p:nvPicPr>
+        <p:blipFill>
+          <a:blip r:embed="rId3"/>
+          <a:stretch>
+            <a:fillRect/>
+          </a:stretch>
+        </p:blipFill>
+        <p:spPr>
+          <a:xfrm>
+            <a:off x="203200" y="857296"/>
+            <a:ext cx="9144000" cy="4251473"/>
+          </a:xfrm>
+          <a:prstGeom prst="rect">
+            <a:avLst/>
+          </a:prstGeom>
+        </p:spPr>
+      </p:pic>
+    </p:spTree>
+    <p:extLst>
+      <p:ext uri="{BB962C8B-B14F-4D97-AF65-F5344CB8AC3E}">
+        <p14:creationId xmlns:p14="http://schemas.microsoft.com/office/powerpoint/2010/main" val="901939390"/>
       </p:ext>
     </p:extLst>
   </p:cSld>

--- a/图.pptx
+++ b/图.pptx
@@ -8,6 +8,7 @@
     <p:sldId id="256" r:id="rId2"/>
     <p:sldId id="257" r:id="rId3"/>
     <p:sldId id="258" r:id="rId4"/>
+    <p:sldId id="259" r:id="rId5"/>
   </p:sldIdLst>
   <p:sldSz cx="12192000" cy="6858000"/>
   <p:notesSz cx="6858000" cy="9144000"/>
@@ -261,7 +262,7 @@
           <a:p>
             <a:fld id="{AD6044C5-84D1-4A21-B234-807FD534B005}" type="datetimeFigureOut">
               <a:rPr lang="zh-CN" altLang="en-US" smtClean="0"/>
-              <a:t>2025/9/8</a:t>
+              <a:t>2025/9/9</a:t>
             </a:fld>
             <a:endParaRPr lang="zh-CN" altLang="en-US"/>
           </a:p>
@@ -459,7 +460,7 @@
           <a:p>
             <a:fld id="{AD6044C5-84D1-4A21-B234-807FD534B005}" type="datetimeFigureOut">
               <a:rPr lang="zh-CN" altLang="en-US" smtClean="0"/>
-              <a:t>2025/9/8</a:t>
+              <a:t>2025/9/9</a:t>
             </a:fld>
             <a:endParaRPr lang="zh-CN" altLang="en-US"/>
           </a:p>
@@ -667,7 +668,7 @@
           <a:p>
             <a:fld id="{AD6044C5-84D1-4A21-B234-807FD534B005}" type="datetimeFigureOut">
               <a:rPr lang="zh-CN" altLang="en-US" smtClean="0"/>
-              <a:t>2025/9/8</a:t>
+              <a:t>2025/9/9</a:t>
             </a:fld>
             <a:endParaRPr lang="zh-CN" altLang="en-US"/>
           </a:p>
@@ -865,7 +866,7 @@
           <a:p>
             <a:fld id="{AD6044C5-84D1-4A21-B234-807FD534B005}" type="datetimeFigureOut">
               <a:rPr lang="zh-CN" altLang="en-US" smtClean="0"/>
-              <a:t>2025/9/8</a:t>
+              <a:t>2025/9/9</a:t>
             </a:fld>
             <a:endParaRPr lang="zh-CN" altLang="en-US"/>
           </a:p>
@@ -1140,7 +1141,7 @@
           <a:p>
             <a:fld id="{AD6044C5-84D1-4A21-B234-807FD534B005}" type="datetimeFigureOut">
               <a:rPr lang="zh-CN" altLang="en-US" smtClean="0"/>
-              <a:t>2025/9/8</a:t>
+              <a:t>2025/9/9</a:t>
             </a:fld>
             <a:endParaRPr lang="zh-CN" altLang="en-US"/>
           </a:p>
@@ -1405,7 +1406,7 @@
           <a:p>
             <a:fld id="{AD6044C5-84D1-4A21-B234-807FD534B005}" type="datetimeFigureOut">
               <a:rPr lang="zh-CN" altLang="en-US" smtClean="0"/>
-              <a:t>2025/9/8</a:t>
+              <a:t>2025/9/9</a:t>
             </a:fld>
             <a:endParaRPr lang="zh-CN" altLang="en-US"/>
           </a:p>
@@ -1817,7 +1818,7 @@
           <a:p>
             <a:fld id="{AD6044C5-84D1-4A21-B234-807FD534B005}" type="datetimeFigureOut">
               <a:rPr lang="zh-CN" altLang="en-US" smtClean="0"/>
-              <a:t>2025/9/8</a:t>
+              <a:t>2025/9/9</a:t>
             </a:fld>
             <a:endParaRPr lang="zh-CN" altLang="en-US"/>
           </a:p>
@@ -1958,7 +1959,7 @@
           <a:p>
             <a:fld id="{AD6044C5-84D1-4A21-B234-807FD534B005}" type="datetimeFigureOut">
               <a:rPr lang="zh-CN" altLang="en-US" smtClean="0"/>
-              <a:t>2025/9/8</a:t>
+              <a:t>2025/9/9</a:t>
             </a:fld>
             <a:endParaRPr lang="zh-CN" altLang="en-US"/>
           </a:p>
@@ -2071,7 +2072,7 @@
           <a:p>
             <a:fld id="{AD6044C5-84D1-4A21-B234-807FD534B005}" type="datetimeFigureOut">
               <a:rPr lang="zh-CN" altLang="en-US" smtClean="0"/>
-              <a:t>2025/9/8</a:t>
+              <a:t>2025/9/9</a:t>
             </a:fld>
             <a:endParaRPr lang="zh-CN" altLang="en-US"/>
           </a:p>
@@ -2382,7 +2383,7 @@
           <a:p>
             <a:fld id="{AD6044C5-84D1-4A21-B234-807FD534B005}" type="datetimeFigureOut">
               <a:rPr lang="zh-CN" altLang="en-US" smtClean="0"/>
-              <a:t>2025/9/8</a:t>
+              <a:t>2025/9/9</a:t>
             </a:fld>
             <a:endParaRPr lang="zh-CN" altLang="en-US"/>
           </a:p>
@@ -2670,7 +2671,7 @@
           <a:p>
             <a:fld id="{AD6044C5-84D1-4A21-B234-807FD534B005}" type="datetimeFigureOut">
               <a:rPr lang="zh-CN" altLang="en-US" smtClean="0"/>
-              <a:t>2025/9/8</a:t>
+              <a:t>2025/9/9</a:t>
             </a:fld>
             <a:endParaRPr lang="zh-CN" altLang="en-US"/>
           </a:p>
@@ -2911,7 +2912,7 @@
           <a:p>
             <a:fld id="{AD6044C5-84D1-4A21-B234-807FD534B005}" type="datetimeFigureOut">
               <a:rPr lang="zh-CN" altLang="en-US" smtClean="0"/>
-              <a:t>2025/9/8</a:t>
+              <a:t>2025/9/9</a:t>
             </a:fld>
             <a:endParaRPr lang="zh-CN" altLang="en-US"/>
           </a:p>
@@ -4766,6 +4767,1690 @@
     <p:extLst>
       <p:ext uri="{BB962C8B-B14F-4D97-AF65-F5344CB8AC3E}">
         <p14:creationId xmlns:p14="http://schemas.microsoft.com/office/powerpoint/2010/main" val="901939390"/>
+      </p:ext>
+    </p:extLst>
+  </p:cSld>
+  <p:clrMapOvr>
+    <a:masterClrMapping/>
+  </p:clrMapOvr>
+</p:sld>
+</file>
+
+<file path=ppt/slides/slide4.xml><?xml version="1.0" encoding="utf-8"?>
+<p:sld xmlns:a="http://schemas.openxmlformats.org/drawingml/2006/main" xmlns:r="http://schemas.openxmlformats.org/officeDocument/2006/relationships" xmlns:p="http://schemas.openxmlformats.org/presentationml/2006/main">
+  <p:cSld>
+    <p:spTree>
+      <p:nvGrpSpPr>
+        <p:cNvPr id="1" name=""/>
+        <p:cNvGrpSpPr/>
+        <p:nvPr/>
+      </p:nvGrpSpPr>
+      <p:grpSpPr>
+        <a:xfrm>
+          <a:off x="0" y="0"/>
+          <a:ext cx="0" cy="0"/>
+          <a:chOff x="0" y="0"/>
+          <a:chExt cx="0" cy="0"/>
+        </a:xfrm>
+      </p:grpSpPr>
+      <p:sp>
+        <p:nvSpPr>
+          <p:cNvPr id="4" name="矩形 3">
+            <a:extLst>
+              <a:ext uri="{FF2B5EF4-FFF2-40B4-BE49-F238E27FC236}">
+                <a16:creationId xmlns:a16="http://schemas.microsoft.com/office/drawing/2014/main" id="{A3A5A571-7C16-0B76-9F5A-7CD72ED72DE4}"/>
+              </a:ext>
+            </a:extLst>
+          </p:cNvPr>
+          <p:cNvSpPr/>
+          <p:nvPr/>
+        </p:nvSpPr>
+        <p:spPr>
+          <a:xfrm>
+            <a:off x="662709" y="182419"/>
+            <a:ext cx="1283854" cy="563418"/>
+          </a:xfrm>
+          <a:prstGeom prst="rect">
+            <a:avLst/>
+          </a:prstGeom>
+          <a:solidFill>
+            <a:schemeClr val="bg1">
+              <a:lumMod val="95000"/>
+            </a:schemeClr>
+          </a:solidFill>
+          <a:ln>
+            <a:solidFill>
+              <a:schemeClr val="tx1"/>
+            </a:solidFill>
+          </a:ln>
+        </p:spPr>
+        <p:style>
+          <a:lnRef idx="2">
+            <a:schemeClr val="accent1">
+              <a:shade val="15000"/>
+            </a:schemeClr>
+          </a:lnRef>
+          <a:fillRef idx="1">
+            <a:schemeClr val="accent1"/>
+          </a:fillRef>
+          <a:effectRef idx="0">
+            <a:schemeClr val="accent1"/>
+          </a:effectRef>
+          <a:fontRef idx="minor">
+            <a:schemeClr val="lt1"/>
+          </a:fontRef>
+        </p:style>
+        <p:txBody>
+          <a:bodyPr rtlCol="0" anchor="ctr"/>
+          <a:lstStyle/>
+          <a:p>
+            <a:pPr algn="ctr"/>
+            <a:r>
+              <a:rPr lang="zh-CN" altLang="en-US" dirty="0">
+                <a:solidFill>
+                  <a:schemeClr val="tx1"/>
+                </a:solidFill>
+              </a:rPr>
+              <a:t>一般单位</a:t>
+            </a:r>
+          </a:p>
+        </p:txBody>
+      </p:sp>
+      <p:sp>
+        <p:nvSpPr>
+          <p:cNvPr id="6" name="矩形: 圆角 5">
+            <a:extLst>
+              <a:ext uri="{FF2B5EF4-FFF2-40B4-BE49-F238E27FC236}">
+                <a16:creationId xmlns:a16="http://schemas.microsoft.com/office/drawing/2014/main" id="{FB613558-4145-6A77-2188-3D2190AB1A9D}"/>
+              </a:ext>
+            </a:extLst>
+          </p:cNvPr>
+          <p:cNvSpPr/>
+          <p:nvPr/>
+        </p:nvSpPr>
+        <p:spPr>
+          <a:xfrm>
+            <a:off x="461818" y="1321953"/>
+            <a:ext cx="1283854" cy="563418"/>
+          </a:xfrm>
+          <a:prstGeom prst="roundRect">
+            <a:avLst/>
+          </a:prstGeom>
+          <a:solidFill>
+            <a:schemeClr val="bg1">
+              <a:lumMod val="95000"/>
+            </a:schemeClr>
+          </a:solidFill>
+          <a:ln>
+            <a:solidFill>
+              <a:schemeClr val="tx1"/>
+            </a:solidFill>
+          </a:ln>
+        </p:spPr>
+        <p:style>
+          <a:lnRef idx="2">
+            <a:schemeClr val="accent1">
+              <a:shade val="15000"/>
+            </a:schemeClr>
+          </a:lnRef>
+          <a:fillRef idx="1">
+            <a:schemeClr val="accent1"/>
+          </a:fillRef>
+          <a:effectRef idx="0">
+            <a:schemeClr val="accent1"/>
+          </a:effectRef>
+          <a:fontRef idx="minor">
+            <a:schemeClr val="lt1"/>
+          </a:fontRef>
+        </p:style>
+        <p:txBody>
+          <a:bodyPr rtlCol="0" anchor="ctr"/>
+          <a:lstStyle/>
+          <a:p>
+            <a:pPr algn="ctr"/>
+            <a:r>
+              <a:rPr lang="zh-CN" altLang="en-US" dirty="0">
+                <a:solidFill>
+                  <a:schemeClr val="tx1"/>
+                </a:solidFill>
+              </a:rPr>
+              <a:t>施加组队</a:t>
+            </a:r>
+          </a:p>
+        </p:txBody>
+      </p:sp>
+      <p:sp>
+        <p:nvSpPr>
+          <p:cNvPr id="7" name="矩形 6">
+            <a:extLst>
+              <a:ext uri="{FF2B5EF4-FFF2-40B4-BE49-F238E27FC236}">
+                <a16:creationId xmlns:a16="http://schemas.microsoft.com/office/drawing/2014/main" id="{C16007C0-614F-61BC-B405-F1248B60EC7D}"/>
+              </a:ext>
+            </a:extLst>
+          </p:cNvPr>
+          <p:cNvSpPr/>
+          <p:nvPr/>
+        </p:nvSpPr>
+        <p:spPr>
+          <a:xfrm>
+            <a:off x="411016" y="3143249"/>
+            <a:ext cx="1283855" cy="571502"/>
+          </a:xfrm>
+          <a:prstGeom prst="rect">
+            <a:avLst/>
+          </a:prstGeom>
+          <a:solidFill>
+            <a:schemeClr val="bg1">
+              <a:lumMod val="95000"/>
+            </a:schemeClr>
+          </a:solidFill>
+          <a:ln>
+            <a:solidFill>
+              <a:schemeClr val="tx1"/>
+            </a:solidFill>
+          </a:ln>
+        </p:spPr>
+        <p:style>
+          <a:lnRef idx="2">
+            <a:schemeClr val="accent1">
+              <a:shade val="15000"/>
+            </a:schemeClr>
+          </a:lnRef>
+          <a:fillRef idx="1">
+            <a:schemeClr val="accent1"/>
+          </a:fillRef>
+          <a:effectRef idx="0">
+            <a:schemeClr val="accent1"/>
+          </a:effectRef>
+          <a:fontRef idx="minor">
+            <a:schemeClr val="lt1"/>
+          </a:fontRef>
+        </p:style>
+        <p:txBody>
+          <a:bodyPr rtlCol="0" anchor="ctr"/>
+          <a:lstStyle/>
+          <a:p>
+            <a:pPr algn="ctr"/>
+            <a:r>
+              <a:rPr lang="zh-CN" altLang="en-US" dirty="0">
+                <a:solidFill>
+                  <a:schemeClr val="tx1"/>
+                </a:solidFill>
+              </a:rPr>
+              <a:t>队长</a:t>
+            </a:r>
+          </a:p>
+        </p:txBody>
+      </p:sp>
+      <p:cxnSp>
+        <p:nvCxnSpPr>
+          <p:cNvPr id="13" name="连接符: 曲线 12">
+            <a:extLst>
+              <a:ext uri="{FF2B5EF4-FFF2-40B4-BE49-F238E27FC236}">
+                <a16:creationId xmlns:a16="http://schemas.microsoft.com/office/drawing/2014/main" id="{5E4A0F0C-71E5-F78D-7B5A-8E1D3A4B2BCD}"/>
+              </a:ext>
+            </a:extLst>
+          </p:cNvPr>
+          <p:cNvCxnSpPr>
+            <a:cxnSpLocks/>
+            <a:stCxn id="4" idx="2"/>
+            <a:endCxn id="6" idx="0"/>
+          </p:cNvCxnSpPr>
+          <p:nvPr/>
+        </p:nvCxnSpPr>
+        <p:spPr>
+          <a:xfrm rot="5400000">
+            <a:off x="916133" y="933450"/>
+            <a:ext cx="576116" cy="200891"/>
+          </a:xfrm>
+          <a:prstGeom prst="curvedConnector3">
+            <a:avLst/>
+          </a:prstGeom>
+          <a:ln>
+            <a:solidFill>
+              <a:schemeClr val="tx1"/>
+            </a:solidFill>
+            <a:tailEnd type="triangle"/>
+          </a:ln>
+        </p:spPr>
+        <p:style>
+          <a:lnRef idx="2">
+            <a:schemeClr val="accent1"/>
+          </a:lnRef>
+          <a:fillRef idx="0">
+            <a:schemeClr val="accent1"/>
+          </a:fillRef>
+          <a:effectRef idx="1">
+            <a:schemeClr val="accent1"/>
+          </a:effectRef>
+          <a:fontRef idx="minor">
+            <a:schemeClr val="tx1"/>
+          </a:fontRef>
+        </p:style>
+      </p:cxnSp>
+      <p:cxnSp>
+        <p:nvCxnSpPr>
+          <p:cNvPr id="14" name="连接符: 曲线 13">
+            <a:extLst>
+              <a:ext uri="{FF2B5EF4-FFF2-40B4-BE49-F238E27FC236}">
+                <a16:creationId xmlns:a16="http://schemas.microsoft.com/office/drawing/2014/main" id="{EA416FE0-29AE-B7E6-AD46-D860F36A81E8}"/>
+              </a:ext>
+            </a:extLst>
+          </p:cNvPr>
+          <p:cNvCxnSpPr>
+            <a:cxnSpLocks/>
+            <a:stCxn id="6" idx="2"/>
+            <a:endCxn id="7" idx="0"/>
+          </p:cNvCxnSpPr>
+          <p:nvPr/>
+        </p:nvCxnSpPr>
+        <p:spPr>
+          <a:xfrm rot="5400000">
+            <a:off x="449406" y="2488910"/>
+            <a:ext cx="1257878" cy="50801"/>
+          </a:xfrm>
+          <a:prstGeom prst="curvedConnector3">
+            <a:avLst>
+              <a:gd name="adj1" fmla="val 50000"/>
+            </a:avLst>
+          </a:prstGeom>
+          <a:ln>
+            <a:solidFill>
+              <a:schemeClr val="tx1"/>
+            </a:solidFill>
+            <a:tailEnd type="triangle"/>
+          </a:ln>
+        </p:spPr>
+        <p:style>
+          <a:lnRef idx="2">
+            <a:schemeClr val="accent1"/>
+          </a:lnRef>
+          <a:fillRef idx="0">
+            <a:schemeClr val="accent1"/>
+          </a:fillRef>
+          <a:effectRef idx="1">
+            <a:schemeClr val="accent1"/>
+          </a:effectRef>
+          <a:fontRef idx="minor">
+            <a:schemeClr val="tx1"/>
+          </a:fontRef>
+        </p:style>
+      </p:cxnSp>
+      <p:cxnSp>
+        <p:nvCxnSpPr>
+          <p:cNvPr id="15" name="连接符: 曲线 14">
+            <a:extLst>
+              <a:ext uri="{FF2B5EF4-FFF2-40B4-BE49-F238E27FC236}">
+                <a16:creationId xmlns:a16="http://schemas.microsoft.com/office/drawing/2014/main" id="{5D41CCE9-230B-F7C5-31A5-888870F0254E}"/>
+              </a:ext>
+            </a:extLst>
+          </p:cNvPr>
+          <p:cNvCxnSpPr>
+            <a:cxnSpLocks/>
+            <a:stCxn id="7" idx="2"/>
+            <a:endCxn id="55" idx="0"/>
+          </p:cNvCxnSpPr>
+          <p:nvPr/>
+        </p:nvCxnSpPr>
+        <p:spPr>
+          <a:xfrm rot="16200000" flipH="1">
+            <a:off x="618257" y="4149438"/>
+            <a:ext cx="1624448" cy="755074"/>
+          </a:xfrm>
+          <a:prstGeom prst="curvedConnector3">
+            <a:avLst>
+              <a:gd name="adj1" fmla="val 50000"/>
+            </a:avLst>
+          </a:prstGeom>
+          <a:ln>
+            <a:solidFill>
+              <a:schemeClr val="tx1"/>
+            </a:solidFill>
+            <a:tailEnd type="triangle"/>
+          </a:ln>
+        </p:spPr>
+        <p:style>
+          <a:lnRef idx="2">
+            <a:schemeClr val="accent1"/>
+          </a:lnRef>
+          <a:fillRef idx="0">
+            <a:schemeClr val="accent1"/>
+          </a:fillRef>
+          <a:effectRef idx="1">
+            <a:schemeClr val="accent1"/>
+          </a:effectRef>
+          <a:fontRef idx="minor">
+            <a:schemeClr val="tx1"/>
+          </a:fontRef>
+        </p:style>
+      </p:cxnSp>
+      <p:cxnSp>
+        <p:nvCxnSpPr>
+          <p:cNvPr id="16" name="连接符: 曲线 15">
+            <a:extLst>
+              <a:ext uri="{FF2B5EF4-FFF2-40B4-BE49-F238E27FC236}">
+                <a16:creationId xmlns:a16="http://schemas.microsoft.com/office/drawing/2014/main" id="{F4C9F714-251C-3309-EA2F-849BB93BEA18}"/>
+              </a:ext>
+            </a:extLst>
+          </p:cNvPr>
+          <p:cNvCxnSpPr>
+            <a:cxnSpLocks/>
+            <a:stCxn id="55" idx="3"/>
+            <a:endCxn id="62" idx="1"/>
+          </p:cNvCxnSpPr>
+          <p:nvPr/>
+        </p:nvCxnSpPr>
+        <p:spPr>
+          <a:xfrm>
+            <a:off x="2546926" y="5620908"/>
+            <a:ext cx="1159164" cy="269009"/>
+          </a:xfrm>
+          <a:prstGeom prst="curvedConnector3">
+            <a:avLst>
+              <a:gd name="adj1" fmla="val 50000"/>
+            </a:avLst>
+          </a:prstGeom>
+          <a:ln>
+            <a:solidFill>
+              <a:schemeClr val="tx1"/>
+            </a:solidFill>
+            <a:tailEnd type="triangle"/>
+          </a:ln>
+        </p:spPr>
+        <p:style>
+          <a:lnRef idx="2">
+            <a:schemeClr val="accent1"/>
+          </a:lnRef>
+          <a:fillRef idx="0">
+            <a:schemeClr val="accent1"/>
+          </a:fillRef>
+          <a:effectRef idx="1">
+            <a:schemeClr val="accent1"/>
+          </a:effectRef>
+          <a:fontRef idx="minor">
+            <a:schemeClr val="tx1"/>
+          </a:fontRef>
+        </p:style>
+      </p:cxnSp>
+      <p:sp>
+        <p:nvSpPr>
+          <p:cNvPr id="34" name="矩形: 圆角 33">
+            <a:extLst>
+              <a:ext uri="{FF2B5EF4-FFF2-40B4-BE49-F238E27FC236}">
+                <a16:creationId xmlns:a16="http://schemas.microsoft.com/office/drawing/2014/main" id="{2C9D0101-53E1-E640-4B77-B5F3C3CF5380}"/>
+              </a:ext>
+            </a:extLst>
+          </p:cNvPr>
+          <p:cNvSpPr/>
+          <p:nvPr/>
+        </p:nvSpPr>
+        <p:spPr>
+          <a:xfrm>
+            <a:off x="2687783" y="470477"/>
+            <a:ext cx="1477816" cy="563418"/>
+          </a:xfrm>
+          <a:prstGeom prst="roundRect">
+            <a:avLst/>
+          </a:prstGeom>
+          <a:solidFill>
+            <a:schemeClr val="bg1">
+              <a:lumMod val="95000"/>
+            </a:schemeClr>
+          </a:solidFill>
+          <a:ln>
+            <a:solidFill>
+              <a:schemeClr val="tx1"/>
+            </a:solidFill>
+          </a:ln>
+        </p:spPr>
+        <p:style>
+          <a:lnRef idx="2">
+            <a:schemeClr val="accent1">
+              <a:shade val="15000"/>
+            </a:schemeClr>
+          </a:lnRef>
+          <a:fillRef idx="1">
+            <a:schemeClr val="accent1"/>
+          </a:fillRef>
+          <a:effectRef idx="0">
+            <a:schemeClr val="accent1"/>
+          </a:effectRef>
+          <a:fontRef idx="minor">
+            <a:schemeClr val="lt1"/>
+          </a:fontRef>
+        </p:style>
+        <p:txBody>
+          <a:bodyPr rtlCol="0" anchor="ctr"/>
+          <a:lstStyle/>
+          <a:p>
+            <a:pPr algn="ctr"/>
+            <a:r>
+              <a:rPr lang="zh-CN" altLang="en-US" dirty="0">
+                <a:solidFill>
+                  <a:schemeClr val="tx1"/>
+                </a:solidFill>
+              </a:rPr>
+              <a:t>添加 灵魂链</a:t>
+            </a:r>
+            <a:r>
+              <a:rPr lang="en-US" altLang="zh-CN" dirty="0">
+                <a:solidFill>
+                  <a:schemeClr val="tx1"/>
+                </a:solidFill>
+              </a:rPr>
+              <a:t>Buff</a:t>
+            </a:r>
+            <a:endParaRPr lang="zh-CN" altLang="en-US" dirty="0">
+              <a:solidFill>
+                <a:schemeClr val="tx1"/>
+              </a:solidFill>
+            </a:endParaRPr>
+          </a:p>
+        </p:txBody>
+      </p:sp>
+      <p:cxnSp>
+        <p:nvCxnSpPr>
+          <p:cNvPr id="35" name="连接符: 曲线 34">
+            <a:extLst>
+              <a:ext uri="{FF2B5EF4-FFF2-40B4-BE49-F238E27FC236}">
+                <a16:creationId xmlns:a16="http://schemas.microsoft.com/office/drawing/2014/main" id="{9E6FC7F1-0ED3-1744-E27A-7E8BF0B24936}"/>
+              </a:ext>
+            </a:extLst>
+          </p:cNvPr>
+          <p:cNvCxnSpPr>
+            <a:cxnSpLocks/>
+            <a:stCxn id="6" idx="3"/>
+            <a:endCxn id="34" idx="1"/>
+          </p:cNvCxnSpPr>
+          <p:nvPr/>
+        </p:nvCxnSpPr>
+        <p:spPr>
+          <a:xfrm flipV="1">
+            <a:off x="1745672" y="752186"/>
+            <a:ext cx="942111" cy="851476"/>
+          </a:xfrm>
+          <a:prstGeom prst="curvedConnector3">
+            <a:avLst>
+              <a:gd name="adj1" fmla="val 50000"/>
+            </a:avLst>
+          </a:prstGeom>
+          <a:ln>
+            <a:solidFill>
+              <a:schemeClr val="tx1"/>
+            </a:solidFill>
+            <a:tailEnd type="triangle"/>
+          </a:ln>
+        </p:spPr>
+        <p:style>
+          <a:lnRef idx="2">
+            <a:schemeClr val="accent1"/>
+          </a:lnRef>
+          <a:fillRef idx="0">
+            <a:schemeClr val="accent1"/>
+          </a:fillRef>
+          <a:effectRef idx="1">
+            <a:schemeClr val="accent1"/>
+          </a:effectRef>
+          <a:fontRef idx="minor">
+            <a:schemeClr val="tx1"/>
+          </a:fontRef>
+        </p:style>
+      </p:cxnSp>
+      <p:sp>
+        <p:nvSpPr>
+          <p:cNvPr id="40" name="矩形: 圆角 39">
+            <a:extLst>
+              <a:ext uri="{FF2B5EF4-FFF2-40B4-BE49-F238E27FC236}">
+                <a16:creationId xmlns:a16="http://schemas.microsoft.com/office/drawing/2014/main" id="{9AB3FE2E-2A44-E54E-2D9E-0B76F3020C7E}"/>
+              </a:ext>
+            </a:extLst>
+          </p:cNvPr>
+          <p:cNvSpPr/>
+          <p:nvPr/>
+        </p:nvSpPr>
+        <p:spPr>
+          <a:xfrm>
+            <a:off x="4546600" y="470477"/>
+            <a:ext cx="1283854" cy="563418"/>
+          </a:xfrm>
+          <a:prstGeom prst="roundRect">
+            <a:avLst/>
+          </a:prstGeom>
+          <a:solidFill>
+            <a:schemeClr val="bg1">
+              <a:lumMod val="95000"/>
+            </a:schemeClr>
+          </a:solidFill>
+          <a:ln>
+            <a:solidFill>
+              <a:schemeClr val="tx1"/>
+            </a:solidFill>
+          </a:ln>
+        </p:spPr>
+        <p:style>
+          <a:lnRef idx="2">
+            <a:schemeClr val="accent1">
+              <a:shade val="15000"/>
+            </a:schemeClr>
+          </a:lnRef>
+          <a:fillRef idx="1">
+            <a:schemeClr val="accent1"/>
+          </a:fillRef>
+          <a:effectRef idx="0">
+            <a:schemeClr val="accent1"/>
+          </a:effectRef>
+          <a:fontRef idx="minor">
+            <a:schemeClr val="lt1"/>
+          </a:fontRef>
+        </p:style>
+        <p:txBody>
+          <a:bodyPr rtlCol="0" anchor="ctr"/>
+          <a:lstStyle/>
+          <a:p>
+            <a:pPr algn="ctr"/>
+            <a:r>
+              <a:rPr lang="zh-CN" altLang="en-US" dirty="0">
+                <a:solidFill>
+                  <a:schemeClr val="tx1"/>
+                </a:solidFill>
+              </a:rPr>
+              <a:t>周期性遍历弹仓</a:t>
+            </a:r>
+          </a:p>
+        </p:txBody>
+      </p:sp>
+      <p:cxnSp>
+        <p:nvCxnSpPr>
+          <p:cNvPr id="41" name="连接符: 曲线 40">
+            <a:extLst>
+              <a:ext uri="{FF2B5EF4-FFF2-40B4-BE49-F238E27FC236}">
+                <a16:creationId xmlns:a16="http://schemas.microsoft.com/office/drawing/2014/main" id="{07F1AAAE-AAD1-2620-7520-B80EDD29E734}"/>
+              </a:ext>
+            </a:extLst>
+          </p:cNvPr>
+          <p:cNvCxnSpPr>
+            <a:cxnSpLocks/>
+            <a:stCxn id="34" idx="3"/>
+            <a:endCxn id="40" idx="1"/>
+          </p:cNvCxnSpPr>
+          <p:nvPr/>
+        </p:nvCxnSpPr>
+        <p:spPr>
+          <a:xfrm>
+            <a:off x="4165599" y="752186"/>
+            <a:ext cx="381001" cy="12700"/>
+          </a:xfrm>
+          <a:prstGeom prst="curvedConnector3">
+            <a:avLst>
+              <a:gd name="adj1" fmla="val 50000"/>
+            </a:avLst>
+          </a:prstGeom>
+          <a:ln>
+            <a:solidFill>
+              <a:schemeClr val="tx1"/>
+            </a:solidFill>
+            <a:tailEnd type="triangle"/>
+          </a:ln>
+        </p:spPr>
+        <p:style>
+          <a:lnRef idx="2">
+            <a:schemeClr val="accent1"/>
+          </a:lnRef>
+          <a:fillRef idx="0">
+            <a:schemeClr val="accent1"/>
+          </a:fillRef>
+          <a:effectRef idx="1">
+            <a:schemeClr val="accent1"/>
+          </a:effectRef>
+          <a:fontRef idx="minor">
+            <a:schemeClr val="tx1"/>
+          </a:fontRef>
+        </p:style>
+      </p:cxnSp>
+      <p:sp>
+        <p:nvSpPr>
+          <p:cNvPr id="44" name="矩形: 圆角 43">
+            <a:extLst>
+              <a:ext uri="{FF2B5EF4-FFF2-40B4-BE49-F238E27FC236}">
+                <a16:creationId xmlns:a16="http://schemas.microsoft.com/office/drawing/2014/main" id="{B16002E2-2A81-E104-40BE-357CF4F1049C}"/>
+              </a:ext>
+            </a:extLst>
+          </p:cNvPr>
+          <p:cNvSpPr/>
+          <p:nvPr/>
+        </p:nvSpPr>
+        <p:spPr>
+          <a:xfrm>
+            <a:off x="6480031" y="445943"/>
+            <a:ext cx="1283854" cy="563418"/>
+          </a:xfrm>
+          <a:prstGeom prst="roundRect">
+            <a:avLst/>
+          </a:prstGeom>
+          <a:solidFill>
+            <a:schemeClr val="bg1">
+              <a:lumMod val="95000"/>
+            </a:schemeClr>
+          </a:solidFill>
+          <a:ln>
+            <a:solidFill>
+              <a:schemeClr val="tx1"/>
+            </a:solidFill>
+          </a:ln>
+        </p:spPr>
+        <p:style>
+          <a:lnRef idx="2">
+            <a:schemeClr val="accent1">
+              <a:shade val="15000"/>
+            </a:schemeClr>
+          </a:lnRef>
+          <a:fillRef idx="1">
+            <a:schemeClr val="accent1"/>
+          </a:fillRef>
+          <a:effectRef idx="0">
+            <a:schemeClr val="accent1"/>
+          </a:effectRef>
+          <a:fontRef idx="minor">
+            <a:schemeClr val="lt1"/>
+          </a:fontRef>
+        </p:style>
+        <p:txBody>
+          <a:bodyPr rtlCol="0" anchor="ctr"/>
+          <a:lstStyle/>
+          <a:p>
+            <a:pPr algn="ctr"/>
+            <a:r>
+              <a:rPr lang="zh-CN" altLang="en-US" dirty="0">
+                <a:solidFill>
+                  <a:schemeClr val="tx1"/>
+                </a:solidFill>
+              </a:rPr>
+              <a:t>追踪弹仓单位</a:t>
+            </a:r>
+          </a:p>
+        </p:txBody>
+      </p:sp>
+      <p:cxnSp>
+        <p:nvCxnSpPr>
+          <p:cNvPr id="45" name="连接符: 曲线 44">
+            <a:extLst>
+              <a:ext uri="{FF2B5EF4-FFF2-40B4-BE49-F238E27FC236}">
+                <a16:creationId xmlns:a16="http://schemas.microsoft.com/office/drawing/2014/main" id="{23C24E95-24A4-F84C-FE78-1099F7F2B6BA}"/>
+              </a:ext>
+            </a:extLst>
+          </p:cNvPr>
+          <p:cNvCxnSpPr>
+            <a:cxnSpLocks/>
+            <a:stCxn id="40" idx="3"/>
+            <a:endCxn id="44" idx="1"/>
+          </p:cNvCxnSpPr>
+          <p:nvPr/>
+        </p:nvCxnSpPr>
+        <p:spPr>
+          <a:xfrm flipV="1">
+            <a:off x="5830454" y="727652"/>
+            <a:ext cx="649577" cy="24534"/>
+          </a:xfrm>
+          <a:prstGeom prst="curvedConnector3">
+            <a:avLst>
+              <a:gd name="adj1" fmla="val 50000"/>
+            </a:avLst>
+          </a:prstGeom>
+          <a:ln>
+            <a:solidFill>
+              <a:schemeClr val="tx1"/>
+            </a:solidFill>
+            <a:tailEnd type="triangle"/>
+          </a:ln>
+        </p:spPr>
+        <p:style>
+          <a:lnRef idx="2">
+            <a:schemeClr val="accent1"/>
+          </a:lnRef>
+          <a:fillRef idx="0">
+            <a:schemeClr val="accent1"/>
+          </a:fillRef>
+          <a:effectRef idx="1">
+            <a:schemeClr val="accent1"/>
+          </a:effectRef>
+          <a:fontRef idx="minor">
+            <a:schemeClr val="tx1"/>
+          </a:fontRef>
+        </p:style>
+      </p:cxnSp>
+      <p:sp>
+        <p:nvSpPr>
+          <p:cNvPr id="48" name="矩形: 圆角 47">
+            <a:extLst>
+              <a:ext uri="{FF2B5EF4-FFF2-40B4-BE49-F238E27FC236}">
+                <a16:creationId xmlns:a16="http://schemas.microsoft.com/office/drawing/2014/main" id="{8D3FD2EF-7058-70A4-B804-8BAEF311CCB2}"/>
+              </a:ext>
+            </a:extLst>
+          </p:cNvPr>
+          <p:cNvSpPr/>
+          <p:nvPr/>
+        </p:nvSpPr>
+        <p:spPr>
+          <a:xfrm>
+            <a:off x="2687782" y="1249792"/>
+            <a:ext cx="1477817" cy="563418"/>
+          </a:xfrm>
+          <a:prstGeom prst="roundRect">
+            <a:avLst/>
+          </a:prstGeom>
+          <a:solidFill>
+            <a:schemeClr val="bg1">
+              <a:lumMod val="95000"/>
+            </a:schemeClr>
+          </a:solidFill>
+          <a:ln>
+            <a:solidFill>
+              <a:schemeClr val="tx1"/>
+            </a:solidFill>
+          </a:ln>
+        </p:spPr>
+        <p:style>
+          <a:lnRef idx="2">
+            <a:schemeClr val="accent1">
+              <a:shade val="15000"/>
+            </a:schemeClr>
+          </a:lnRef>
+          <a:fillRef idx="1">
+            <a:schemeClr val="accent1"/>
+          </a:fillRef>
+          <a:effectRef idx="0">
+            <a:schemeClr val="accent1"/>
+          </a:effectRef>
+          <a:fontRef idx="minor">
+            <a:schemeClr val="lt1"/>
+          </a:fontRef>
+        </p:style>
+        <p:txBody>
+          <a:bodyPr rtlCol="0" anchor="ctr"/>
+          <a:lstStyle/>
+          <a:p>
+            <a:pPr algn="ctr"/>
+            <a:r>
+              <a:rPr lang="zh-CN" altLang="en-US" dirty="0">
+                <a:solidFill>
+                  <a:schemeClr val="tx1"/>
+                </a:solidFill>
+              </a:rPr>
+              <a:t>添加 单位追踪器</a:t>
+            </a:r>
+          </a:p>
+        </p:txBody>
+      </p:sp>
+      <p:cxnSp>
+        <p:nvCxnSpPr>
+          <p:cNvPr id="49" name="连接符: 曲线 48">
+            <a:extLst>
+              <a:ext uri="{FF2B5EF4-FFF2-40B4-BE49-F238E27FC236}">
+                <a16:creationId xmlns:a16="http://schemas.microsoft.com/office/drawing/2014/main" id="{550AF8A7-8005-D7BA-E07F-69E7CEEFC39A}"/>
+              </a:ext>
+            </a:extLst>
+          </p:cNvPr>
+          <p:cNvCxnSpPr>
+            <a:cxnSpLocks/>
+            <a:stCxn id="6" idx="3"/>
+            <a:endCxn id="48" idx="1"/>
+          </p:cNvCxnSpPr>
+          <p:nvPr/>
+        </p:nvCxnSpPr>
+        <p:spPr>
+          <a:xfrm flipV="1">
+            <a:off x="1745672" y="1531501"/>
+            <a:ext cx="942110" cy="72161"/>
+          </a:xfrm>
+          <a:prstGeom prst="curvedConnector3">
+            <a:avLst>
+              <a:gd name="adj1" fmla="val 50000"/>
+            </a:avLst>
+          </a:prstGeom>
+          <a:ln>
+            <a:solidFill>
+              <a:schemeClr val="tx1"/>
+            </a:solidFill>
+            <a:tailEnd type="triangle"/>
+          </a:ln>
+        </p:spPr>
+        <p:style>
+          <a:lnRef idx="2">
+            <a:schemeClr val="accent1"/>
+          </a:lnRef>
+          <a:fillRef idx="0">
+            <a:schemeClr val="accent1"/>
+          </a:fillRef>
+          <a:effectRef idx="1">
+            <a:schemeClr val="accent1"/>
+          </a:effectRef>
+          <a:fontRef idx="minor">
+            <a:schemeClr val="tx1"/>
+          </a:fontRef>
+        </p:style>
+      </p:cxnSp>
+      <p:sp>
+        <p:nvSpPr>
+          <p:cNvPr id="55" name="矩形: 圆角 54">
+            <a:extLst>
+              <a:ext uri="{FF2B5EF4-FFF2-40B4-BE49-F238E27FC236}">
+                <a16:creationId xmlns:a16="http://schemas.microsoft.com/office/drawing/2014/main" id="{9E722700-BC99-2386-89E9-B8629617A4F5}"/>
+              </a:ext>
+            </a:extLst>
+          </p:cNvPr>
+          <p:cNvSpPr/>
+          <p:nvPr/>
+        </p:nvSpPr>
+        <p:spPr>
+          <a:xfrm>
+            <a:off x="1069109" y="5339199"/>
+            <a:ext cx="1477817" cy="563418"/>
+          </a:xfrm>
+          <a:prstGeom prst="roundRect">
+            <a:avLst/>
+          </a:prstGeom>
+          <a:solidFill>
+            <a:schemeClr val="bg1">
+              <a:lumMod val="95000"/>
+            </a:schemeClr>
+          </a:solidFill>
+          <a:ln>
+            <a:solidFill>
+              <a:schemeClr val="tx1"/>
+            </a:solidFill>
+          </a:ln>
+        </p:spPr>
+        <p:style>
+          <a:lnRef idx="2">
+            <a:schemeClr val="accent1">
+              <a:shade val="15000"/>
+            </a:schemeClr>
+          </a:lnRef>
+          <a:fillRef idx="1">
+            <a:schemeClr val="accent1"/>
+          </a:fillRef>
+          <a:effectRef idx="0">
+            <a:schemeClr val="accent1"/>
+          </a:effectRef>
+          <a:fontRef idx="minor">
+            <a:schemeClr val="lt1"/>
+          </a:fontRef>
+        </p:style>
+        <p:txBody>
+          <a:bodyPr rtlCol="0" anchor="ctr"/>
+          <a:lstStyle/>
+          <a:p>
+            <a:pPr algn="ctr"/>
+            <a:r>
+              <a:rPr lang="zh-CN" altLang="en-US" dirty="0">
+                <a:solidFill>
+                  <a:schemeClr val="tx1"/>
+                </a:solidFill>
+              </a:rPr>
+              <a:t>灵魂链</a:t>
+            </a:r>
+            <a:r>
+              <a:rPr lang="en-US" altLang="zh-CN" dirty="0">
+                <a:solidFill>
+                  <a:schemeClr val="tx1"/>
+                </a:solidFill>
+              </a:rPr>
+              <a:t>Buff</a:t>
+            </a:r>
+            <a:endParaRPr lang="zh-CN" altLang="en-US" dirty="0">
+              <a:solidFill>
+                <a:schemeClr val="tx1"/>
+              </a:solidFill>
+            </a:endParaRPr>
+          </a:p>
+        </p:txBody>
+      </p:sp>
+      <p:sp>
+        <p:nvSpPr>
+          <p:cNvPr id="62" name="矩形: 圆角 61">
+            <a:extLst>
+              <a:ext uri="{FF2B5EF4-FFF2-40B4-BE49-F238E27FC236}">
+                <a16:creationId xmlns:a16="http://schemas.microsoft.com/office/drawing/2014/main" id="{8CCA48C6-A3D3-999A-172A-B3F186C9F220}"/>
+              </a:ext>
+            </a:extLst>
+          </p:cNvPr>
+          <p:cNvSpPr/>
+          <p:nvPr/>
+        </p:nvSpPr>
+        <p:spPr>
+          <a:xfrm>
+            <a:off x="3706090" y="5608208"/>
+            <a:ext cx="1681020" cy="563418"/>
+          </a:xfrm>
+          <a:prstGeom prst="roundRect">
+            <a:avLst/>
+          </a:prstGeom>
+          <a:solidFill>
+            <a:schemeClr val="bg1">
+              <a:lumMod val="95000"/>
+            </a:schemeClr>
+          </a:solidFill>
+          <a:ln>
+            <a:solidFill>
+              <a:schemeClr val="tx1"/>
+            </a:solidFill>
+          </a:ln>
+        </p:spPr>
+        <p:style>
+          <a:lnRef idx="2">
+            <a:schemeClr val="accent1">
+              <a:shade val="15000"/>
+            </a:schemeClr>
+          </a:lnRef>
+          <a:fillRef idx="1">
+            <a:schemeClr val="accent1"/>
+          </a:fillRef>
+          <a:effectRef idx="0">
+            <a:schemeClr val="accent1"/>
+          </a:effectRef>
+          <a:fontRef idx="minor">
+            <a:schemeClr val="lt1"/>
+          </a:fontRef>
+        </p:style>
+        <p:txBody>
+          <a:bodyPr rtlCol="0" anchor="ctr"/>
+          <a:lstStyle/>
+          <a:p>
+            <a:pPr algn="ctr"/>
+            <a:r>
+              <a:rPr lang="zh-CN" altLang="en-US" dirty="0">
+                <a:solidFill>
+                  <a:schemeClr val="tx1"/>
+                </a:solidFill>
+              </a:rPr>
+              <a:t>伤害响应移交</a:t>
+            </a:r>
+          </a:p>
+        </p:txBody>
+      </p:sp>
+      <p:sp>
+        <p:nvSpPr>
+          <p:cNvPr id="69" name="矩形: 圆角 68">
+            <a:extLst>
+              <a:ext uri="{FF2B5EF4-FFF2-40B4-BE49-F238E27FC236}">
+                <a16:creationId xmlns:a16="http://schemas.microsoft.com/office/drawing/2014/main" id="{5420CF3A-0EC7-3DF3-A86D-90631F7D680D}"/>
+              </a:ext>
+            </a:extLst>
+          </p:cNvPr>
+          <p:cNvSpPr/>
+          <p:nvPr/>
+        </p:nvSpPr>
+        <p:spPr>
+          <a:xfrm>
+            <a:off x="5989782" y="5608208"/>
+            <a:ext cx="1681020" cy="563418"/>
+          </a:xfrm>
+          <a:prstGeom prst="roundRect">
+            <a:avLst/>
+          </a:prstGeom>
+          <a:solidFill>
+            <a:schemeClr val="bg1">
+              <a:lumMod val="95000"/>
+            </a:schemeClr>
+          </a:solidFill>
+          <a:ln>
+            <a:solidFill>
+              <a:schemeClr val="tx1"/>
+            </a:solidFill>
+          </a:ln>
+        </p:spPr>
+        <p:style>
+          <a:lnRef idx="2">
+            <a:schemeClr val="accent1">
+              <a:shade val="15000"/>
+            </a:schemeClr>
+          </a:lnRef>
+          <a:fillRef idx="1">
+            <a:schemeClr val="accent1"/>
+          </a:fillRef>
+          <a:effectRef idx="0">
+            <a:schemeClr val="accent1"/>
+          </a:effectRef>
+          <a:fontRef idx="minor">
+            <a:schemeClr val="lt1"/>
+          </a:fontRef>
+        </p:style>
+        <p:txBody>
+          <a:bodyPr rtlCol="0" anchor="ctr"/>
+          <a:lstStyle/>
+          <a:p>
+            <a:pPr algn="ctr"/>
+            <a:r>
+              <a:rPr lang="zh-CN" altLang="en-US" dirty="0">
+                <a:solidFill>
+                  <a:schemeClr val="tx1"/>
+                </a:solidFill>
+              </a:rPr>
+              <a:t>遍历追踪单位</a:t>
+            </a:r>
+          </a:p>
+        </p:txBody>
+      </p:sp>
+      <p:sp>
+        <p:nvSpPr>
+          <p:cNvPr id="70" name="矩形: 圆角 69">
+            <a:extLst>
+              <a:ext uri="{FF2B5EF4-FFF2-40B4-BE49-F238E27FC236}">
+                <a16:creationId xmlns:a16="http://schemas.microsoft.com/office/drawing/2014/main" id="{3BCEC699-116B-B600-3FAB-93F4E4E128CF}"/>
+              </a:ext>
+            </a:extLst>
+          </p:cNvPr>
+          <p:cNvSpPr/>
+          <p:nvPr/>
+        </p:nvSpPr>
+        <p:spPr>
+          <a:xfrm>
+            <a:off x="7989456" y="4421337"/>
+            <a:ext cx="1304348" cy="563418"/>
+          </a:xfrm>
+          <a:prstGeom prst="roundRect">
+            <a:avLst/>
+          </a:prstGeom>
+          <a:solidFill>
+            <a:schemeClr val="bg1">
+              <a:lumMod val="95000"/>
+            </a:schemeClr>
+          </a:solidFill>
+          <a:ln>
+            <a:solidFill>
+              <a:schemeClr val="tx1"/>
+            </a:solidFill>
+          </a:ln>
+        </p:spPr>
+        <p:style>
+          <a:lnRef idx="2">
+            <a:schemeClr val="accent1">
+              <a:shade val="15000"/>
+            </a:schemeClr>
+          </a:lnRef>
+          <a:fillRef idx="1">
+            <a:schemeClr val="accent1"/>
+          </a:fillRef>
+          <a:effectRef idx="0">
+            <a:schemeClr val="accent1"/>
+          </a:effectRef>
+          <a:fontRef idx="minor">
+            <a:schemeClr val="lt1"/>
+          </a:fontRef>
+        </p:style>
+        <p:txBody>
+          <a:bodyPr rtlCol="0" anchor="ctr"/>
+          <a:lstStyle/>
+          <a:p>
+            <a:pPr algn="ctr"/>
+            <a:r>
+              <a:rPr lang="zh-CN" altLang="en-US" dirty="0">
+                <a:solidFill>
+                  <a:schemeClr val="tx1"/>
+                </a:solidFill>
+              </a:rPr>
+              <a:t>施加伤害</a:t>
+            </a:r>
+          </a:p>
+        </p:txBody>
+      </p:sp>
+      <p:sp>
+        <p:nvSpPr>
+          <p:cNvPr id="72" name="椭圆 71">
+            <a:extLst>
+              <a:ext uri="{FF2B5EF4-FFF2-40B4-BE49-F238E27FC236}">
+                <a16:creationId xmlns:a16="http://schemas.microsoft.com/office/drawing/2014/main" id="{D639EC09-FC47-7284-1302-2906923C98BE}"/>
+              </a:ext>
+            </a:extLst>
+          </p:cNvPr>
+          <p:cNvSpPr/>
+          <p:nvPr/>
+        </p:nvSpPr>
+        <p:spPr>
+          <a:xfrm>
+            <a:off x="8913670" y="3248600"/>
+            <a:ext cx="1883639" cy="563418"/>
+          </a:xfrm>
+          <a:prstGeom prst="ellipse">
+            <a:avLst/>
+          </a:prstGeom>
+          <a:solidFill>
+            <a:schemeClr val="bg1">
+              <a:lumMod val="95000"/>
+            </a:schemeClr>
+          </a:solidFill>
+          <a:ln>
+            <a:solidFill>
+              <a:schemeClr val="tx1"/>
+            </a:solidFill>
+          </a:ln>
+        </p:spPr>
+        <p:style>
+          <a:lnRef idx="2">
+            <a:schemeClr val="accent1">
+              <a:shade val="15000"/>
+            </a:schemeClr>
+          </a:lnRef>
+          <a:fillRef idx="1">
+            <a:schemeClr val="accent1"/>
+          </a:fillRef>
+          <a:effectRef idx="0">
+            <a:schemeClr val="accent1"/>
+          </a:effectRef>
+          <a:fontRef idx="minor">
+            <a:schemeClr val="lt1"/>
+          </a:fontRef>
+        </p:style>
+        <p:txBody>
+          <a:bodyPr rtlCol="0" anchor="ctr"/>
+          <a:lstStyle/>
+          <a:p>
+            <a:pPr algn="ctr"/>
+            <a:r>
+              <a:rPr lang="zh-CN" altLang="en-US" dirty="0">
+                <a:solidFill>
+                  <a:schemeClr val="tx1"/>
+                </a:solidFill>
+              </a:rPr>
+              <a:t>伤害演算体</a:t>
+            </a:r>
+          </a:p>
+        </p:txBody>
+      </p:sp>
+      <p:cxnSp>
+        <p:nvCxnSpPr>
+          <p:cNvPr id="73" name="连接符: 曲线 72">
+            <a:extLst>
+              <a:ext uri="{FF2B5EF4-FFF2-40B4-BE49-F238E27FC236}">
+                <a16:creationId xmlns:a16="http://schemas.microsoft.com/office/drawing/2014/main" id="{2B3D13EC-224C-6CCB-20E4-D2082B518A7D}"/>
+              </a:ext>
+            </a:extLst>
+          </p:cNvPr>
+          <p:cNvCxnSpPr>
+            <a:cxnSpLocks/>
+            <a:stCxn id="62" idx="3"/>
+            <a:endCxn id="69" idx="1"/>
+          </p:cNvCxnSpPr>
+          <p:nvPr/>
+        </p:nvCxnSpPr>
+        <p:spPr>
+          <a:xfrm>
+            <a:off x="5387110" y="5889917"/>
+            <a:ext cx="602672" cy="12700"/>
+          </a:xfrm>
+          <a:prstGeom prst="curvedConnector3">
+            <a:avLst>
+              <a:gd name="adj1" fmla="val 50000"/>
+            </a:avLst>
+          </a:prstGeom>
+          <a:ln>
+            <a:solidFill>
+              <a:schemeClr val="tx1"/>
+            </a:solidFill>
+            <a:tailEnd type="triangle"/>
+          </a:ln>
+        </p:spPr>
+        <p:style>
+          <a:lnRef idx="2">
+            <a:schemeClr val="accent1"/>
+          </a:lnRef>
+          <a:fillRef idx="0">
+            <a:schemeClr val="accent1"/>
+          </a:fillRef>
+          <a:effectRef idx="1">
+            <a:schemeClr val="accent1"/>
+          </a:effectRef>
+          <a:fontRef idx="minor">
+            <a:schemeClr val="tx1"/>
+          </a:fontRef>
+        </p:style>
+      </p:cxnSp>
+      <p:cxnSp>
+        <p:nvCxnSpPr>
+          <p:cNvPr id="76" name="连接符: 曲线 75">
+            <a:extLst>
+              <a:ext uri="{FF2B5EF4-FFF2-40B4-BE49-F238E27FC236}">
+                <a16:creationId xmlns:a16="http://schemas.microsoft.com/office/drawing/2014/main" id="{1A455296-085E-1D5E-072F-1DFA25EAC22F}"/>
+              </a:ext>
+            </a:extLst>
+          </p:cNvPr>
+          <p:cNvCxnSpPr>
+            <a:cxnSpLocks/>
+            <a:stCxn id="69" idx="3"/>
+            <a:endCxn id="70" idx="3"/>
+          </p:cNvCxnSpPr>
+          <p:nvPr/>
+        </p:nvCxnSpPr>
+        <p:spPr>
+          <a:xfrm flipV="1">
+            <a:off x="7670802" y="4703046"/>
+            <a:ext cx="1623002" cy="1186871"/>
+          </a:xfrm>
+          <a:prstGeom prst="curvedConnector3">
+            <a:avLst>
+              <a:gd name="adj1" fmla="val 114085"/>
+            </a:avLst>
+          </a:prstGeom>
+          <a:ln>
+            <a:solidFill>
+              <a:schemeClr val="tx1"/>
+            </a:solidFill>
+            <a:tailEnd type="triangle"/>
+          </a:ln>
+        </p:spPr>
+        <p:style>
+          <a:lnRef idx="2">
+            <a:schemeClr val="accent1"/>
+          </a:lnRef>
+          <a:fillRef idx="0">
+            <a:schemeClr val="accent1"/>
+          </a:fillRef>
+          <a:effectRef idx="1">
+            <a:schemeClr val="accent1"/>
+          </a:effectRef>
+          <a:fontRef idx="minor">
+            <a:schemeClr val="tx1"/>
+          </a:fontRef>
+        </p:style>
+      </p:cxnSp>
+      <p:cxnSp>
+        <p:nvCxnSpPr>
+          <p:cNvPr id="79" name="连接符: 曲线 78">
+            <a:extLst>
+              <a:ext uri="{FF2B5EF4-FFF2-40B4-BE49-F238E27FC236}">
+                <a16:creationId xmlns:a16="http://schemas.microsoft.com/office/drawing/2014/main" id="{6F7AC529-7C67-1A98-C04B-3939478F9E71}"/>
+              </a:ext>
+            </a:extLst>
+          </p:cNvPr>
+          <p:cNvCxnSpPr>
+            <a:cxnSpLocks/>
+            <a:stCxn id="72" idx="4"/>
+            <a:endCxn id="70" idx="0"/>
+          </p:cNvCxnSpPr>
+          <p:nvPr/>
+        </p:nvCxnSpPr>
+        <p:spPr>
+          <a:xfrm rot="5400000">
+            <a:off x="8943901" y="3509747"/>
+            <a:ext cx="609319" cy="1213860"/>
+          </a:xfrm>
+          <a:prstGeom prst="curvedConnector3">
+            <a:avLst>
+              <a:gd name="adj1" fmla="val 50000"/>
+            </a:avLst>
+          </a:prstGeom>
+          <a:ln>
+            <a:solidFill>
+              <a:schemeClr val="tx1"/>
+            </a:solidFill>
+            <a:tailEnd type="triangle"/>
+          </a:ln>
+        </p:spPr>
+        <p:style>
+          <a:lnRef idx="2">
+            <a:schemeClr val="accent1"/>
+          </a:lnRef>
+          <a:fillRef idx="0">
+            <a:schemeClr val="accent1"/>
+          </a:fillRef>
+          <a:effectRef idx="1">
+            <a:schemeClr val="accent1"/>
+          </a:effectRef>
+          <a:fontRef idx="minor">
+            <a:schemeClr val="tx1"/>
+          </a:fontRef>
+        </p:style>
+      </p:cxnSp>
+      <p:sp>
+        <p:nvSpPr>
+          <p:cNvPr id="87" name="矩形: 圆角 86">
+            <a:extLst>
+              <a:ext uri="{FF2B5EF4-FFF2-40B4-BE49-F238E27FC236}">
+                <a16:creationId xmlns:a16="http://schemas.microsoft.com/office/drawing/2014/main" id="{33E34ADF-05EA-8D44-C3D3-553741BAAEEC}"/>
+              </a:ext>
+            </a:extLst>
+          </p:cNvPr>
+          <p:cNvSpPr/>
+          <p:nvPr/>
+        </p:nvSpPr>
+        <p:spPr>
+          <a:xfrm>
+            <a:off x="2687782" y="2055519"/>
+            <a:ext cx="2484582" cy="656508"/>
+          </a:xfrm>
+          <a:prstGeom prst="roundRect">
+            <a:avLst/>
+          </a:prstGeom>
+          <a:solidFill>
+            <a:schemeClr val="bg1">
+              <a:lumMod val="95000"/>
+            </a:schemeClr>
+          </a:solidFill>
+          <a:ln>
+            <a:solidFill>
+              <a:schemeClr val="tx1"/>
+            </a:solidFill>
+          </a:ln>
+        </p:spPr>
+        <p:style>
+          <a:lnRef idx="2">
+            <a:schemeClr val="accent1">
+              <a:shade val="15000"/>
+            </a:schemeClr>
+          </a:lnRef>
+          <a:fillRef idx="1">
+            <a:schemeClr val="accent1"/>
+          </a:fillRef>
+          <a:effectRef idx="0">
+            <a:schemeClr val="accent1"/>
+          </a:effectRef>
+          <a:fontRef idx="minor">
+            <a:schemeClr val="lt1"/>
+          </a:fontRef>
+        </p:style>
+        <p:txBody>
+          <a:bodyPr rtlCol="0" anchor="ctr"/>
+          <a:lstStyle/>
+          <a:p>
+            <a:pPr algn="ctr"/>
+            <a:r>
+              <a:rPr lang="zh-CN" altLang="en-US" dirty="0">
+                <a:solidFill>
+                  <a:schemeClr val="tx1"/>
+                </a:solidFill>
+              </a:rPr>
+              <a:t>添加 施法源单位</a:t>
+            </a:r>
+            <a:r>
+              <a:rPr lang="en-US" altLang="zh-CN" dirty="0">
+                <a:solidFill>
+                  <a:schemeClr val="tx1"/>
+                </a:solidFill>
+              </a:rPr>
+              <a:t>1</a:t>
+            </a:r>
+            <a:r>
+              <a:rPr lang="zh-CN" altLang="en-US" dirty="0">
+                <a:solidFill>
+                  <a:schemeClr val="tx1"/>
+                </a:solidFill>
+              </a:rPr>
+              <a:t>次弹药充能</a:t>
+            </a:r>
+          </a:p>
+        </p:txBody>
+      </p:sp>
+      <p:cxnSp>
+        <p:nvCxnSpPr>
+          <p:cNvPr id="88" name="连接符: 曲线 87">
+            <a:extLst>
+              <a:ext uri="{FF2B5EF4-FFF2-40B4-BE49-F238E27FC236}">
+                <a16:creationId xmlns:a16="http://schemas.microsoft.com/office/drawing/2014/main" id="{894A10F2-EEF8-7ADA-67D5-F3D299089D48}"/>
+              </a:ext>
+            </a:extLst>
+          </p:cNvPr>
+          <p:cNvCxnSpPr>
+            <a:cxnSpLocks/>
+            <a:stCxn id="6" idx="3"/>
+            <a:endCxn id="87" idx="1"/>
+          </p:cNvCxnSpPr>
+          <p:nvPr/>
+        </p:nvCxnSpPr>
+        <p:spPr>
+          <a:xfrm>
+            <a:off x="1745672" y="1603662"/>
+            <a:ext cx="942110" cy="780111"/>
+          </a:xfrm>
+          <a:prstGeom prst="curvedConnector3">
+            <a:avLst>
+              <a:gd name="adj1" fmla="val 50000"/>
+            </a:avLst>
+          </a:prstGeom>
+          <a:ln>
+            <a:solidFill>
+              <a:schemeClr val="tx1"/>
+            </a:solidFill>
+            <a:tailEnd type="triangle"/>
+          </a:ln>
+        </p:spPr>
+        <p:style>
+          <a:lnRef idx="2">
+            <a:schemeClr val="accent1"/>
+          </a:lnRef>
+          <a:fillRef idx="0">
+            <a:schemeClr val="accent1"/>
+          </a:fillRef>
+          <a:effectRef idx="1">
+            <a:schemeClr val="accent1"/>
+          </a:effectRef>
+          <a:fontRef idx="minor">
+            <a:schemeClr val="tx1"/>
+          </a:fontRef>
+        </p:style>
+      </p:cxnSp>
+      <p:sp>
+        <p:nvSpPr>
+          <p:cNvPr id="96" name="矩形: 圆角 95">
+            <a:extLst>
+              <a:ext uri="{FF2B5EF4-FFF2-40B4-BE49-F238E27FC236}">
+                <a16:creationId xmlns:a16="http://schemas.microsoft.com/office/drawing/2014/main" id="{8B101E40-7376-0643-EBCF-D1D6FE256C2A}"/>
+              </a:ext>
+            </a:extLst>
+          </p:cNvPr>
+          <p:cNvSpPr/>
+          <p:nvPr/>
+        </p:nvSpPr>
+        <p:spPr>
+          <a:xfrm>
+            <a:off x="4144819" y="3155510"/>
+            <a:ext cx="2484582" cy="656508"/>
+          </a:xfrm>
+          <a:prstGeom prst="roundRect">
+            <a:avLst/>
+          </a:prstGeom>
+          <a:solidFill>
+            <a:schemeClr val="bg1">
+              <a:lumMod val="95000"/>
+            </a:schemeClr>
+          </a:solidFill>
+          <a:ln>
+            <a:solidFill>
+              <a:schemeClr val="tx1"/>
+            </a:solidFill>
+          </a:ln>
+        </p:spPr>
+        <p:style>
+          <a:lnRef idx="2">
+            <a:schemeClr val="accent1">
+              <a:shade val="15000"/>
+            </a:schemeClr>
+          </a:lnRef>
+          <a:fillRef idx="1">
+            <a:schemeClr val="accent1"/>
+          </a:fillRef>
+          <a:effectRef idx="0">
+            <a:schemeClr val="accent1"/>
+          </a:effectRef>
+          <a:fontRef idx="minor">
+            <a:schemeClr val="lt1"/>
+          </a:fontRef>
+        </p:style>
+        <p:txBody>
+          <a:bodyPr rtlCol="0" anchor="ctr"/>
+          <a:lstStyle/>
+          <a:p>
+            <a:pPr algn="ctr"/>
+            <a:r>
+              <a:rPr lang="zh-CN" altLang="en-US" dirty="0">
+                <a:solidFill>
+                  <a:schemeClr val="tx1"/>
+                </a:solidFill>
+              </a:rPr>
+              <a:t>生产</a:t>
+            </a:r>
+            <a:r>
+              <a:rPr lang="en-US" altLang="zh-CN" dirty="0">
+                <a:solidFill>
+                  <a:schemeClr val="tx1"/>
+                </a:solidFill>
+              </a:rPr>
+              <a:t>1</a:t>
+            </a:r>
+            <a:r>
+              <a:rPr lang="zh-CN" altLang="en-US" dirty="0">
+                <a:solidFill>
+                  <a:schemeClr val="tx1"/>
+                </a:solidFill>
+              </a:rPr>
+              <a:t>个弹药单位</a:t>
+            </a:r>
+          </a:p>
+        </p:txBody>
+      </p:sp>
+      <p:cxnSp>
+        <p:nvCxnSpPr>
+          <p:cNvPr id="97" name="连接符: 曲线 96">
+            <a:extLst>
+              <a:ext uri="{FF2B5EF4-FFF2-40B4-BE49-F238E27FC236}">
+                <a16:creationId xmlns:a16="http://schemas.microsoft.com/office/drawing/2014/main" id="{5E84BF3F-D80C-9DA7-C1E8-955D840292BF}"/>
+              </a:ext>
+            </a:extLst>
+          </p:cNvPr>
+          <p:cNvCxnSpPr>
+            <a:cxnSpLocks/>
+            <a:stCxn id="7" idx="3"/>
+            <a:endCxn id="96" idx="1"/>
+          </p:cNvCxnSpPr>
+          <p:nvPr/>
+        </p:nvCxnSpPr>
+        <p:spPr>
+          <a:xfrm>
+            <a:off x="1694871" y="3429000"/>
+            <a:ext cx="2449948" cy="54764"/>
+          </a:xfrm>
+          <a:prstGeom prst="curvedConnector3">
+            <a:avLst>
+              <a:gd name="adj1" fmla="val 50000"/>
+            </a:avLst>
+          </a:prstGeom>
+          <a:ln>
+            <a:solidFill>
+              <a:schemeClr val="tx1"/>
+            </a:solidFill>
+            <a:tailEnd type="triangle"/>
+          </a:ln>
+        </p:spPr>
+        <p:style>
+          <a:lnRef idx="2">
+            <a:schemeClr val="accent1"/>
+          </a:lnRef>
+          <a:fillRef idx="0">
+            <a:schemeClr val="accent1"/>
+          </a:fillRef>
+          <a:effectRef idx="1">
+            <a:schemeClr val="accent1"/>
+          </a:effectRef>
+          <a:fontRef idx="minor">
+            <a:schemeClr val="tx1"/>
+          </a:fontRef>
+        </p:style>
+      </p:cxnSp>
+      <p:cxnSp>
+        <p:nvCxnSpPr>
+          <p:cNvPr id="104" name="连接符: 曲线 103">
+            <a:extLst>
+              <a:ext uri="{FF2B5EF4-FFF2-40B4-BE49-F238E27FC236}">
+                <a16:creationId xmlns:a16="http://schemas.microsoft.com/office/drawing/2014/main" id="{DFCB7001-5AC5-6E9A-DB52-50848168ABF2}"/>
+              </a:ext>
+            </a:extLst>
+          </p:cNvPr>
+          <p:cNvCxnSpPr>
+            <a:cxnSpLocks/>
+            <a:stCxn id="70" idx="1"/>
+            <a:endCxn id="96" idx="2"/>
+          </p:cNvCxnSpPr>
+          <p:nvPr/>
+        </p:nvCxnSpPr>
+        <p:spPr>
+          <a:xfrm rot="10800000">
+            <a:off x="5387110" y="3812018"/>
+            <a:ext cx="2602346" cy="891028"/>
+          </a:xfrm>
+          <a:prstGeom prst="curvedConnector2">
+            <a:avLst/>
+          </a:prstGeom>
+          <a:ln>
+            <a:solidFill>
+              <a:srgbClr val="FF0000"/>
+            </a:solidFill>
+            <a:tailEnd type="triangle"/>
+          </a:ln>
+        </p:spPr>
+        <p:style>
+          <a:lnRef idx="2">
+            <a:schemeClr val="accent1"/>
+          </a:lnRef>
+          <a:fillRef idx="0">
+            <a:schemeClr val="accent1"/>
+          </a:fillRef>
+          <a:effectRef idx="1">
+            <a:schemeClr val="accent1"/>
+          </a:effectRef>
+          <a:fontRef idx="minor">
+            <a:schemeClr val="tx1"/>
+          </a:fontRef>
+        </p:style>
+      </p:cxnSp>
+      <p:cxnSp>
+        <p:nvCxnSpPr>
+          <p:cNvPr id="107" name="连接符: 曲线 106">
+            <a:extLst>
+              <a:ext uri="{FF2B5EF4-FFF2-40B4-BE49-F238E27FC236}">
+                <a16:creationId xmlns:a16="http://schemas.microsoft.com/office/drawing/2014/main" id="{D3B63599-1F0E-6299-8F66-C2DA88FF30F1}"/>
+              </a:ext>
+            </a:extLst>
+          </p:cNvPr>
+          <p:cNvCxnSpPr>
+            <a:cxnSpLocks/>
+            <a:stCxn id="70" idx="1"/>
+            <a:endCxn id="7" idx="2"/>
+          </p:cNvCxnSpPr>
+          <p:nvPr/>
+        </p:nvCxnSpPr>
+        <p:spPr>
+          <a:xfrm rot="10800000">
+            <a:off x="1052944" y="3714752"/>
+            <a:ext cx="6936512" cy="988295"/>
+          </a:xfrm>
+          <a:prstGeom prst="curvedConnector2">
+            <a:avLst/>
+          </a:prstGeom>
+          <a:ln>
+            <a:solidFill>
+              <a:srgbClr val="FF0000"/>
+            </a:solidFill>
+            <a:tailEnd type="triangle"/>
+          </a:ln>
+        </p:spPr>
+        <p:style>
+          <a:lnRef idx="2">
+            <a:schemeClr val="accent1"/>
+          </a:lnRef>
+          <a:fillRef idx="0">
+            <a:schemeClr val="accent1"/>
+          </a:fillRef>
+          <a:effectRef idx="1">
+            <a:schemeClr val="accent1"/>
+          </a:effectRef>
+          <a:fontRef idx="minor">
+            <a:schemeClr val="tx1"/>
+          </a:fontRef>
+        </p:style>
+      </p:cxnSp>
+    </p:spTree>
+    <p:extLst>
+      <p:ext uri="{BB962C8B-B14F-4D97-AF65-F5344CB8AC3E}">
+        <p14:creationId xmlns:p14="http://schemas.microsoft.com/office/powerpoint/2010/main" val="3572499553"/>
       </p:ext>
     </p:extLst>
   </p:cSld>

--- a/图.pptx
+++ b/图.pptx
@@ -9,6 +9,7 @@
     <p:sldId id="257" r:id="rId3"/>
     <p:sldId id="258" r:id="rId4"/>
     <p:sldId id="259" r:id="rId5"/>
+    <p:sldId id="260" r:id="rId6"/>
   </p:sldIdLst>
   <p:sldSz cx="12192000" cy="6858000"/>
   <p:notesSz cx="6858000" cy="9144000"/>
@@ -262,7 +263,7 @@
           <a:p>
             <a:fld id="{AD6044C5-84D1-4A21-B234-807FD534B005}" type="datetimeFigureOut">
               <a:rPr lang="zh-CN" altLang="en-US" smtClean="0"/>
-              <a:t>2025/9/9</a:t>
+              <a:t>2025/9/12</a:t>
             </a:fld>
             <a:endParaRPr lang="zh-CN" altLang="en-US"/>
           </a:p>
@@ -460,7 +461,7 @@
           <a:p>
             <a:fld id="{AD6044C5-84D1-4A21-B234-807FD534B005}" type="datetimeFigureOut">
               <a:rPr lang="zh-CN" altLang="en-US" smtClean="0"/>
-              <a:t>2025/9/9</a:t>
+              <a:t>2025/9/12</a:t>
             </a:fld>
             <a:endParaRPr lang="zh-CN" altLang="en-US"/>
           </a:p>
@@ -668,7 +669,7 @@
           <a:p>
             <a:fld id="{AD6044C5-84D1-4A21-B234-807FD534B005}" type="datetimeFigureOut">
               <a:rPr lang="zh-CN" altLang="en-US" smtClean="0"/>
-              <a:t>2025/9/9</a:t>
+              <a:t>2025/9/12</a:t>
             </a:fld>
             <a:endParaRPr lang="zh-CN" altLang="en-US"/>
           </a:p>
@@ -866,7 +867,7 @@
           <a:p>
             <a:fld id="{AD6044C5-84D1-4A21-B234-807FD534B005}" type="datetimeFigureOut">
               <a:rPr lang="zh-CN" altLang="en-US" smtClean="0"/>
-              <a:t>2025/9/9</a:t>
+              <a:t>2025/9/12</a:t>
             </a:fld>
             <a:endParaRPr lang="zh-CN" altLang="en-US"/>
           </a:p>
@@ -1141,7 +1142,7 @@
           <a:p>
             <a:fld id="{AD6044C5-84D1-4A21-B234-807FD534B005}" type="datetimeFigureOut">
               <a:rPr lang="zh-CN" altLang="en-US" smtClean="0"/>
-              <a:t>2025/9/9</a:t>
+              <a:t>2025/9/12</a:t>
             </a:fld>
             <a:endParaRPr lang="zh-CN" altLang="en-US"/>
           </a:p>
@@ -1406,7 +1407,7 @@
           <a:p>
             <a:fld id="{AD6044C5-84D1-4A21-B234-807FD534B005}" type="datetimeFigureOut">
               <a:rPr lang="zh-CN" altLang="en-US" smtClean="0"/>
-              <a:t>2025/9/9</a:t>
+              <a:t>2025/9/12</a:t>
             </a:fld>
             <a:endParaRPr lang="zh-CN" altLang="en-US"/>
           </a:p>
@@ -1818,7 +1819,7 @@
           <a:p>
             <a:fld id="{AD6044C5-84D1-4A21-B234-807FD534B005}" type="datetimeFigureOut">
               <a:rPr lang="zh-CN" altLang="en-US" smtClean="0"/>
-              <a:t>2025/9/9</a:t>
+              <a:t>2025/9/12</a:t>
             </a:fld>
             <a:endParaRPr lang="zh-CN" altLang="en-US"/>
           </a:p>
@@ -1959,7 +1960,7 @@
           <a:p>
             <a:fld id="{AD6044C5-84D1-4A21-B234-807FD534B005}" type="datetimeFigureOut">
               <a:rPr lang="zh-CN" altLang="en-US" smtClean="0"/>
-              <a:t>2025/9/9</a:t>
+              <a:t>2025/9/12</a:t>
             </a:fld>
             <a:endParaRPr lang="zh-CN" altLang="en-US"/>
           </a:p>
@@ -2072,7 +2073,7 @@
           <a:p>
             <a:fld id="{AD6044C5-84D1-4A21-B234-807FD534B005}" type="datetimeFigureOut">
               <a:rPr lang="zh-CN" altLang="en-US" smtClean="0"/>
-              <a:t>2025/9/9</a:t>
+              <a:t>2025/9/12</a:t>
             </a:fld>
             <a:endParaRPr lang="zh-CN" altLang="en-US"/>
           </a:p>
@@ -2383,7 +2384,7 @@
           <a:p>
             <a:fld id="{AD6044C5-84D1-4A21-B234-807FD534B005}" type="datetimeFigureOut">
               <a:rPr lang="zh-CN" altLang="en-US" smtClean="0"/>
-              <a:t>2025/9/9</a:t>
+              <a:t>2025/9/12</a:t>
             </a:fld>
             <a:endParaRPr lang="zh-CN" altLang="en-US"/>
           </a:p>
@@ -2671,7 +2672,7 @@
           <a:p>
             <a:fld id="{AD6044C5-84D1-4A21-B234-807FD534B005}" type="datetimeFigureOut">
               <a:rPr lang="zh-CN" altLang="en-US" smtClean="0"/>
-              <a:t>2025/9/9</a:t>
+              <a:t>2025/9/12</a:t>
             </a:fld>
             <a:endParaRPr lang="zh-CN" altLang="en-US"/>
           </a:p>
@@ -2912,7 +2913,7 @@
           <a:p>
             <a:fld id="{AD6044C5-84D1-4A21-B234-807FD534B005}" type="datetimeFigureOut">
               <a:rPr lang="zh-CN" altLang="en-US" smtClean="0"/>
-              <a:t>2025/9/9</a:t>
+              <a:t>2025/9/12</a:t>
             </a:fld>
             <a:endParaRPr lang="zh-CN" altLang="en-US"/>
           </a:p>
@@ -6451,6 +6452,1164 @@
     <p:extLst>
       <p:ext uri="{BB962C8B-B14F-4D97-AF65-F5344CB8AC3E}">
         <p14:creationId xmlns:p14="http://schemas.microsoft.com/office/powerpoint/2010/main" val="3572499553"/>
+      </p:ext>
+    </p:extLst>
+  </p:cSld>
+  <p:clrMapOvr>
+    <a:masterClrMapping/>
+  </p:clrMapOvr>
+</p:sld>
+</file>
+
+<file path=ppt/slides/slide5.xml><?xml version="1.0" encoding="utf-8"?>
+<p:sld xmlns:a="http://schemas.openxmlformats.org/drawingml/2006/main" xmlns:r="http://schemas.openxmlformats.org/officeDocument/2006/relationships" xmlns:p="http://schemas.openxmlformats.org/presentationml/2006/main">
+  <p:cSld>
+    <p:spTree>
+      <p:nvGrpSpPr>
+        <p:cNvPr id="1" name=""/>
+        <p:cNvGrpSpPr/>
+        <p:nvPr/>
+      </p:nvGrpSpPr>
+      <p:grpSpPr>
+        <a:xfrm>
+          <a:off x="0" y="0"/>
+          <a:ext cx="0" cy="0"/>
+          <a:chOff x="0" y="0"/>
+          <a:chExt cx="0" cy="0"/>
+        </a:xfrm>
+      </p:grpSpPr>
+      <p:sp>
+        <p:nvSpPr>
+          <p:cNvPr id="4" name="矩形 3">
+            <a:extLst>
+              <a:ext uri="{FF2B5EF4-FFF2-40B4-BE49-F238E27FC236}">
+                <a16:creationId xmlns:a16="http://schemas.microsoft.com/office/drawing/2014/main" id="{A3A5A571-7C16-0B76-9F5A-7CD72ED72DE4}"/>
+              </a:ext>
+            </a:extLst>
+          </p:cNvPr>
+          <p:cNvSpPr/>
+          <p:nvPr/>
+        </p:nvSpPr>
+        <p:spPr>
+          <a:xfrm>
+            <a:off x="1197160" y="187977"/>
+            <a:ext cx="1283854" cy="563418"/>
+          </a:xfrm>
+          <a:prstGeom prst="rect">
+            <a:avLst/>
+          </a:prstGeom>
+          <a:solidFill>
+            <a:schemeClr val="accent6">
+              <a:lumMod val="20000"/>
+              <a:lumOff val="80000"/>
+            </a:schemeClr>
+          </a:solidFill>
+          <a:ln>
+            <a:solidFill>
+              <a:schemeClr val="tx1"/>
+            </a:solidFill>
+          </a:ln>
+        </p:spPr>
+        <p:style>
+          <a:lnRef idx="2">
+            <a:schemeClr val="accent1">
+              <a:shade val="15000"/>
+            </a:schemeClr>
+          </a:lnRef>
+          <a:fillRef idx="1">
+            <a:schemeClr val="accent1"/>
+          </a:fillRef>
+          <a:effectRef idx="0">
+            <a:schemeClr val="accent1"/>
+          </a:effectRef>
+          <a:fontRef idx="minor">
+            <a:schemeClr val="lt1"/>
+          </a:fontRef>
+        </p:style>
+        <p:txBody>
+          <a:bodyPr rtlCol="0" anchor="ctr"/>
+          <a:lstStyle/>
+          <a:p>
+            <a:pPr algn="ctr"/>
+            <a:r>
+              <a:rPr lang="zh-CN" altLang="en-US" dirty="0">
+                <a:solidFill>
+                  <a:schemeClr val="tx1"/>
+                </a:solidFill>
+              </a:rPr>
+              <a:t>大力神</a:t>
+            </a:r>
+          </a:p>
+        </p:txBody>
+      </p:sp>
+      <p:sp>
+        <p:nvSpPr>
+          <p:cNvPr id="6" name="矩形: 圆角 5">
+            <a:extLst>
+              <a:ext uri="{FF2B5EF4-FFF2-40B4-BE49-F238E27FC236}">
+                <a16:creationId xmlns:a16="http://schemas.microsoft.com/office/drawing/2014/main" id="{FB613558-4145-6A77-2188-3D2190AB1A9D}"/>
+              </a:ext>
+            </a:extLst>
+          </p:cNvPr>
+          <p:cNvSpPr/>
+          <p:nvPr/>
+        </p:nvSpPr>
+        <p:spPr>
+          <a:xfrm>
+            <a:off x="796779" y="1770041"/>
+            <a:ext cx="1283854" cy="563418"/>
+          </a:xfrm>
+          <a:prstGeom prst="roundRect">
+            <a:avLst/>
+          </a:prstGeom>
+          <a:solidFill>
+            <a:schemeClr val="accent6">
+              <a:lumMod val="20000"/>
+              <a:lumOff val="80000"/>
+            </a:schemeClr>
+          </a:solidFill>
+          <a:ln>
+            <a:solidFill>
+              <a:schemeClr val="tx1"/>
+            </a:solidFill>
+          </a:ln>
+        </p:spPr>
+        <p:style>
+          <a:lnRef idx="2">
+            <a:schemeClr val="accent1">
+              <a:shade val="15000"/>
+            </a:schemeClr>
+          </a:lnRef>
+          <a:fillRef idx="1">
+            <a:schemeClr val="accent1"/>
+          </a:fillRef>
+          <a:effectRef idx="0">
+            <a:schemeClr val="accent1"/>
+          </a:effectRef>
+          <a:fontRef idx="minor">
+            <a:schemeClr val="lt1"/>
+          </a:fontRef>
+        </p:style>
+        <p:txBody>
+          <a:bodyPr rtlCol="0" anchor="ctr"/>
+          <a:lstStyle/>
+          <a:p>
+            <a:pPr algn="ctr"/>
+            <a:r>
+              <a:rPr lang="zh-CN" altLang="en-US" dirty="0">
+                <a:solidFill>
+                  <a:schemeClr val="tx1"/>
+                </a:solidFill>
+              </a:rPr>
+              <a:t>投送部队（技能）</a:t>
+            </a:r>
+          </a:p>
+        </p:txBody>
+      </p:sp>
+      <p:cxnSp>
+        <p:nvCxnSpPr>
+          <p:cNvPr id="13" name="连接符: 曲线 12">
+            <a:extLst>
+              <a:ext uri="{FF2B5EF4-FFF2-40B4-BE49-F238E27FC236}">
+                <a16:creationId xmlns:a16="http://schemas.microsoft.com/office/drawing/2014/main" id="{5E4A0F0C-71E5-F78D-7B5A-8E1D3A4B2BCD}"/>
+              </a:ext>
+            </a:extLst>
+          </p:cNvPr>
+          <p:cNvCxnSpPr>
+            <a:cxnSpLocks/>
+            <a:stCxn id="4" idx="2"/>
+            <a:endCxn id="6" idx="0"/>
+          </p:cNvCxnSpPr>
+          <p:nvPr/>
+        </p:nvCxnSpPr>
+        <p:spPr>
+          <a:xfrm rot="5400000">
+            <a:off x="1129574" y="1060528"/>
+            <a:ext cx="1018646" cy="400381"/>
+          </a:xfrm>
+          <a:prstGeom prst="curvedConnector3">
+            <a:avLst/>
+          </a:prstGeom>
+          <a:ln>
+            <a:solidFill>
+              <a:schemeClr val="tx1"/>
+            </a:solidFill>
+            <a:tailEnd type="triangle"/>
+          </a:ln>
+        </p:spPr>
+        <p:style>
+          <a:lnRef idx="2">
+            <a:schemeClr val="accent1"/>
+          </a:lnRef>
+          <a:fillRef idx="0">
+            <a:schemeClr val="accent1"/>
+          </a:fillRef>
+          <a:effectRef idx="1">
+            <a:schemeClr val="accent1"/>
+          </a:effectRef>
+          <a:fontRef idx="minor">
+            <a:schemeClr val="tx1"/>
+          </a:fontRef>
+        </p:style>
+      </p:cxnSp>
+      <p:cxnSp>
+        <p:nvCxnSpPr>
+          <p:cNvPr id="15" name="连接符: 曲线 14">
+            <a:extLst>
+              <a:ext uri="{FF2B5EF4-FFF2-40B4-BE49-F238E27FC236}">
+                <a16:creationId xmlns:a16="http://schemas.microsoft.com/office/drawing/2014/main" id="{5D41CCE9-230B-F7C5-31A5-888870F0254E}"/>
+              </a:ext>
+            </a:extLst>
+          </p:cNvPr>
+          <p:cNvCxnSpPr>
+            <a:cxnSpLocks/>
+            <a:stCxn id="39" idx="3"/>
+            <a:endCxn id="55" idx="2"/>
+          </p:cNvCxnSpPr>
+          <p:nvPr/>
+        </p:nvCxnSpPr>
+        <p:spPr>
+          <a:xfrm flipV="1">
+            <a:off x="9359185" y="1838686"/>
+            <a:ext cx="412313" cy="2148789"/>
+          </a:xfrm>
+          <a:prstGeom prst="curvedConnector2">
+            <a:avLst/>
+          </a:prstGeom>
+          <a:ln>
+            <a:solidFill>
+              <a:schemeClr val="tx1"/>
+            </a:solidFill>
+            <a:tailEnd type="triangle"/>
+          </a:ln>
+        </p:spPr>
+        <p:style>
+          <a:lnRef idx="2">
+            <a:schemeClr val="accent1"/>
+          </a:lnRef>
+          <a:fillRef idx="0">
+            <a:schemeClr val="accent1"/>
+          </a:fillRef>
+          <a:effectRef idx="1">
+            <a:schemeClr val="accent1"/>
+          </a:effectRef>
+          <a:fontRef idx="minor">
+            <a:schemeClr val="tx1"/>
+          </a:fontRef>
+        </p:style>
+      </p:cxnSp>
+      <p:cxnSp>
+        <p:nvCxnSpPr>
+          <p:cNvPr id="35" name="连接符: 曲线 34">
+            <a:extLst>
+              <a:ext uri="{FF2B5EF4-FFF2-40B4-BE49-F238E27FC236}">
+                <a16:creationId xmlns:a16="http://schemas.microsoft.com/office/drawing/2014/main" id="{9E6FC7F1-0ED3-1744-E27A-7E8BF0B24936}"/>
+              </a:ext>
+            </a:extLst>
+          </p:cNvPr>
+          <p:cNvCxnSpPr>
+            <a:cxnSpLocks/>
+            <a:stCxn id="6" idx="3"/>
+            <a:endCxn id="38" idx="0"/>
+          </p:cNvCxnSpPr>
+          <p:nvPr/>
+        </p:nvCxnSpPr>
+        <p:spPr>
+          <a:xfrm>
+            <a:off x="2080633" y="2051750"/>
+            <a:ext cx="1893958" cy="2144194"/>
+          </a:xfrm>
+          <a:prstGeom prst="curvedConnector2">
+            <a:avLst/>
+          </a:prstGeom>
+          <a:ln>
+            <a:solidFill>
+              <a:schemeClr val="tx1"/>
+            </a:solidFill>
+            <a:tailEnd type="triangle"/>
+          </a:ln>
+        </p:spPr>
+        <p:style>
+          <a:lnRef idx="2">
+            <a:schemeClr val="accent1"/>
+          </a:lnRef>
+          <a:fillRef idx="0">
+            <a:schemeClr val="accent1"/>
+          </a:fillRef>
+          <a:effectRef idx="1">
+            <a:schemeClr val="accent1"/>
+          </a:effectRef>
+          <a:fontRef idx="minor">
+            <a:schemeClr val="tx1"/>
+          </a:fontRef>
+        </p:style>
+      </p:cxnSp>
+      <p:cxnSp>
+        <p:nvCxnSpPr>
+          <p:cNvPr id="41" name="连接符: 曲线 40">
+            <a:extLst>
+              <a:ext uri="{FF2B5EF4-FFF2-40B4-BE49-F238E27FC236}">
+                <a16:creationId xmlns:a16="http://schemas.microsoft.com/office/drawing/2014/main" id="{07F1AAAE-AAD1-2620-7520-B80EDD29E734}"/>
+              </a:ext>
+            </a:extLst>
+          </p:cNvPr>
+          <p:cNvCxnSpPr>
+            <a:cxnSpLocks/>
+            <a:stCxn id="17" idx="3"/>
+            <a:endCxn id="55" idx="1"/>
+          </p:cNvCxnSpPr>
+          <p:nvPr/>
+        </p:nvCxnSpPr>
+        <p:spPr>
+          <a:xfrm>
+            <a:off x="7417094" y="470692"/>
+            <a:ext cx="1615495" cy="1086285"/>
+          </a:xfrm>
+          <a:prstGeom prst="curvedConnector3">
+            <a:avLst>
+              <a:gd name="adj1" fmla="val 50000"/>
+            </a:avLst>
+          </a:prstGeom>
+          <a:ln>
+            <a:solidFill>
+              <a:schemeClr val="tx1"/>
+            </a:solidFill>
+            <a:tailEnd type="triangle"/>
+          </a:ln>
+        </p:spPr>
+        <p:style>
+          <a:lnRef idx="2">
+            <a:schemeClr val="accent1"/>
+          </a:lnRef>
+          <a:fillRef idx="0">
+            <a:schemeClr val="accent1"/>
+          </a:fillRef>
+          <a:effectRef idx="1">
+            <a:schemeClr val="accent1"/>
+          </a:effectRef>
+          <a:fontRef idx="minor">
+            <a:schemeClr val="tx1"/>
+          </a:fontRef>
+        </p:style>
+      </p:cxnSp>
+      <p:sp>
+        <p:nvSpPr>
+          <p:cNvPr id="48" name="矩形: 圆角 47">
+            <a:extLst>
+              <a:ext uri="{FF2B5EF4-FFF2-40B4-BE49-F238E27FC236}">
+                <a16:creationId xmlns:a16="http://schemas.microsoft.com/office/drawing/2014/main" id="{8D3FD2EF-7058-70A4-B804-8BAEF311CCB2}"/>
+              </a:ext>
+            </a:extLst>
+          </p:cNvPr>
+          <p:cNvSpPr/>
+          <p:nvPr/>
+        </p:nvSpPr>
+        <p:spPr>
+          <a:xfrm>
+            <a:off x="3207833" y="167847"/>
+            <a:ext cx="1477817" cy="563418"/>
+          </a:xfrm>
+          <a:prstGeom prst="roundRect">
+            <a:avLst/>
+          </a:prstGeom>
+          <a:solidFill>
+            <a:schemeClr val="accent6">
+              <a:lumMod val="20000"/>
+              <a:lumOff val="80000"/>
+            </a:schemeClr>
+          </a:solidFill>
+          <a:ln>
+            <a:solidFill>
+              <a:schemeClr val="tx1"/>
+            </a:solidFill>
+          </a:ln>
+        </p:spPr>
+        <p:style>
+          <a:lnRef idx="2">
+            <a:schemeClr val="accent1">
+              <a:shade val="15000"/>
+            </a:schemeClr>
+          </a:lnRef>
+          <a:fillRef idx="1">
+            <a:schemeClr val="accent1"/>
+          </a:fillRef>
+          <a:effectRef idx="0">
+            <a:schemeClr val="accent1"/>
+          </a:effectRef>
+          <a:fontRef idx="minor">
+            <a:schemeClr val="lt1"/>
+          </a:fontRef>
+        </p:style>
+        <p:txBody>
+          <a:bodyPr rtlCol="0" anchor="ctr"/>
+          <a:lstStyle/>
+          <a:p>
+            <a:pPr algn="ctr"/>
+            <a:r>
+              <a:rPr lang="zh-CN" altLang="en-US" dirty="0">
+                <a:solidFill>
+                  <a:schemeClr val="tx1"/>
+                </a:solidFill>
+              </a:rPr>
+              <a:t>单位装载（技能）</a:t>
+            </a:r>
+          </a:p>
+        </p:txBody>
+      </p:sp>
+      <p:cxnSp>
+        <p:nvCxnSpPr>
+          <p:cNvPr id="49" name="连接符: 曲线 48">
+            <a:extLst>
+              <a:ext uri="{FF2B5EF4-FFF2-40B4-BE49-F238E27FC236}">
+                <a16:creationId xmlns:a16="http://schemas.microsoft.com/office/drawing/2014/main" id="{550AF8A7-8005-D7BA-E07F-69E7CEEFC39A}"/>
+              </a:ext>
+            </a:extLst>
+          </p:cNvPr>
+          <p:cNvCxnSpPr>
+            <a:cxnSpLocks/>
+            <a:stCxn id="4" idx="3"/>
+            <a:endCxn id="48" idx="1"/>
+          </p:cNvCxnSpPr>
+          <p:nvPr/>
+        </p:nvCxnSpPr>
+        <p:spPr>
+          <a:xfrm flipV="1">
+            <a:off x="2481014" y="449556"/>
+            <a:ext cx="726819" cy="20130"/>
+          </a:xfrm>
+          <a:prstGeom prst="curvedConnector3">
+            <a:avLst>
+              <a:gd name="adj1" fmla="val 50000"/>
+            </a:avLst>
+          </a:prstGeom>
+          <a:ln>
+            <a:solidFill>
+              <a:schemeClr val="tx1"/>
+            </a:solidFill>
+            <a:tailEnd type="triangle"/>
+          </a:ln>
+        </p:spPr>
+        <p:style>
+          <a:lnRef idx="2">
+            <a:schemeClr val="accent1"/>
+          </a:lnRef>
+          <a:fillRef idx="0">
+            <a:schemeClr val="accent1"/>
+          </a:fillRef>
+          <a:effectRef idx="1">
+            <a:schemeClr val="accent1"/>
+          </a:effectRef>
+          <a:fontRef idx="minor">
+            <a:schemeClr val="tx1"/>
+          </a:fontRef>
+        </p:style>
+      </p:cxnSp>
+      <p:sp>
+        <p:nvSpPr>
+          <p:cNvPr id="55" name="矩形: 圆角 54">
+            <a:extLst>
+              <a:ext uri="{FF2B5EF4-FFF2-40B4-BE49-F238E27FC236}">
+                <a16:creationId xmlns:a16="http://schemas.microsoft.com/office/drawing/2014/main" id="{9E722700-BC99-2386-89E9-B8629617A4F5}"/>
+              </a:ext>
+            </a:extLst>
+          </p:cNvPr>
+          <p:cNvSpPr/>
+          <p:nvPr/>
+        </p:nvSpPr>
+        <p:spPr>
+          <a:xfrm>
+            <a:off x="9032589" y="1275268"/>
+            <a:ext cx="1477817" cy="563418"/>
+          </a:xfrm>
+          <a:prstGeom prst="roundRect">
+            <a:avLst/>
+          </a:prstGeom>
+          <a:solidFill>
+            <a:schemeClr val="accent6">
+              <a:lumMod val="20000"/>
+              <a:lumOff val="80000"/>
+            </a:schemeClr>
+          </a:solidFill>
+          <a:ln>
+            <a:solidFill>
+              <a:schemeClr val="tx1"/>
+            </a:solidFill>
+          </a:ln>
+        </p:spPr>
+        <p:style>
+          <a:lnRef idx="2">
+            <a:schemeClr val="accent1">
+              <a:shade val="15000"/>
+            </a:schemeClr>
+          </a:lnRef>
+          <a:fillRef idx="1">
+            <a:schemeClr val="accent1"/>
+          </a:fillRef>
+          <a:effectRef idx="0">
+            <a:schemeClr val="accent1"/>
+          </a:effectRef>
+          <a:fontRef idx="minor">
+            <a:schemeClr val="lt1"/>
+          </a:fontRef>
+        </p:style>
+        <p:txBody>
+          <a:bodyPr rtlCol="0" anchor="ctr"/>
+          <a:lstStyle/>
+          <a:p>
+            <a:pPr algn="ctr"/>
+            <a:r>
+              <a:rPr lang="zh-CN" altLang="en-US" dirty="0">
+                <a:solidFill>
+                  <a:schemeClr val="tx1"/>
+                </a:solidFill>
+              </a:rPr>
+              <a:t>生产单位</a:t>
+            </a:r>
+          </a:p>
+        </p:txBody>
+      </p:sp>
+      <p:sp>
+        <p:nvSpPr>
+          <p:cNvPr id="96" name="矩形: 圆角 95">
+            <a:extLst>
+              <a:ext uri="{FF2B5EF4-FFF2-40B4-BE49-F238E27FC236}">
+                <a16:creationId xmlns:a16="http://schemas.microsoft.com/office/drawing/2014/main" id="{8B101E40-7376-0643-EBCF-D1D6FE256C2A}"/>
+              </a:ext>
+            </a:extLst>
+          </p:cNvPr>
+          <p:cNvSpPr/>
+          <p:nvPr/>
+        </p:nvSpPr>
+        <p:spPr>
+          <a:xfrm>
+            <a:off x="3019234" y="5393885"/>
+            <a:ext cx="2484582" cy="656508"/>
+          </a:xfrm>
+          <a:prstGeom prst="roundRect">
+            <a:avLst/>
+          </a:prstGeom>
+          <a:solidFill>
+            <a:schemeClr val="accent2">
+              <a:lumMod val="20000"/>
+              <a:lumOff val="80000"/>
+            </a:schemeClr>
+          </a:solidFill>
+          <a:ln>
+            <a:solidFill>
+              <a:schemeClr val="tx1"/>
+            </a:solidFill>
+          </a:ln>
+        </p:spPr>
+        <p:style>
+          <a:lnRef idx="2">
+            <a:schemeClr val="accent1">
+              <a:shade val="15000"/>
+            </a:schemeClr>
+          </a:lnRef>
+          <a:fillRef idx="1">
+            <a:schemeClr val="accent1"/>
+          </a:fillRef>
+          <a:effectRef idx="0">
+            <a:schemeClr val="accent1"/>
+          </a:effectRef>
+          <a:fontRef idx="minor">
+            <a:schemeClr val="lt1"/>
+          </a:fontRef>
+        </p:style>
+        <p:txBody>
+          <a:bodyPr rtlCol="0" anchor="ctr"/>
+          <a:lstStyle/>
+          <a:p>
+            <a:pPr algn="ctr"/>
+            <a:r>
+              <a:rPr lang="zh-CN" altLang="en-US" dirty="0">
+                <a:solidFill>
+                  <a:schemeClr val="tx1"/>
+                </a:solidFill>
+              </a:rPr>
+              <a:t>播放空投仓动画（演算体）</a:t>
+            </a:r>
+          </a:p>
+        </p:txBody>
+      </p:sp>
+      <p:cxnSp>
+        <p:nvCxnSpPr>
+          <p:cNvPr id="97" name="连接符: 曲线 96">
+            <a:extLst>
+              <a:ext uri="{FF2B5EF4-FFF2-40B4-BE49-F238E27FC236}">
+                <a16:creationId xmlns:a16="http://schemas.microsoft.com/office/drawing/2014/main" id="{5E84BF3F-D80C-9DA7-C1E8-955D840292BF}"/>
+              </a:ext>
+            </a:extLst>
+          </p:cNvPr>
+          <p:cNvCxnSpPr>
+            <a:cxnSpLocks/>
+            <a:stCxn id="38" idx="2"/>
+            <a:endCxn id="96" idx="0"/>
+          </p:cNvCxnSpPr>
+          <p:nvPr/>
+        </p:nvCxnSpPr>
+        <p:spPr>
+          <a:xfrm rot="16200000" flipH="1">
+            <a:off x="3912030" y="5044390"/>
+            <a:ext cx="412056" cy="286934"/>
+          </a:xfrm>
+          <a:prstGeom prst="curvedConnector3">
+            <a:avLst>
+              <a:gd name="adj1" fmla="val 50000"/>
+            </a:avLst>
+          </a:prstGeom>
+          <a:ln>
+            <a:solidFill>
+              <a:schemeClr val="tx1"/>
+            </a:solidFill>
+            <a:tailEnd type="triangle"/>
+          </a:ln>
+        </p:spPr>
+        <p:style>
+          <a:lnRef idx="2">
+            <a:schemeClr val="accent1"/>
+          </a:lnRef>
+          <a:fillRef idx="0">
+            <a:schemeClr val="accent1"/>
+          </a:fillRef>
+          <a:effectRef idx="1">
+            <a:schemeClr val="accent1"/>
+          </a:effectRef>
+          <a:fontRef idx="minor">
+            <a:schemeClr val="tx1"/>
+          </a:fontRef>
+        </p:style>
+      </p:cxnSp>
+      <p:sp>
+        <p:nvSpPr>
+          <p:cNvPr id="17" name="矩形: 圆角 16">
+            <a:extLst>
+              <a:ext uri="{FF2B5EF4-FFF2-40B4-BE49-F238E27FC236}">
+                <a16:creationId xmlns:a16="http://schemas.microsoft.com/office/drawing/2014/main" id="{4F5BB007-5E6C-FFEA-C7E3-1AF3679FD981}"/>
+              </a:ext>
+            </a:extLst>
+          </p:cNvPr>
+          <p:cNvSpPr/>
+          <p:nvPr/>
+        </p:nvSpPr>
+        <p:spPr>
+          <a:xfrm>
+            <a:off x="5939277" y="188983"/>
+            <a:ext cx="1477817" cy="563418"/>
+          </a:xfrm>
+          <a:prstGeom prst="roundRect">
+            <a:avLst/>
+          </a:prstGeom>
+          <a:solidFill>
+            <a:schemeClr val="accent6">
+              <a:lumMod val="20000"/>
+              <a:lumOff val="80000"/>
+            </a:schemeClr>
+          </a:solidFill>
+          <a:ln>
+            <a:solidFill>
+              <a:schemeClr val="tx1"/>
+            </a:solidFill>
+          </a:ln>
+        </p:spPr>
+        <p:style>
+          <a:lnRef idx="2">
+            <a:schemeClr val="accent1">
+              <a:shade val="15000"/>
+            </a:schemeClr>
+          </a:lnRef>
+          <a:fillRef idx="1">
+            <a:schemeClr val="accent1"/>
+          </a:fillRef>
+          <a:effectRef idx="0">
+            <a:schemeClr val="accent1"/>
+          </a:effectRef>
+          <a:fontRef idx="minor">
+            <a:schemeClr val="lt1"/>
+          </a:fontRef>
+        </p:style>
+        <p:txBody>
+          <a:bodyPr rtlCol="0" anchor="ctr"/>
+          <a:lstStyle/>
+          <a:p>
+            <a:pPr algn="ctr"/>
+            <a:r>
+              <a:rPr lang="zh-CN" altLang="en-US" dirty="0">
+                <a:solidFill>
+                  <a:schemeClr val="tx1"/>
+                </a:solidFill>
+              </a:rPr>
+              <a:t>呼叫弹仓（效果）</a:t>
+            </a:r>
+          </a:p>
+        </p:txBody>
+      </p:sp>
+      <p:cxnSp>
+        <p:nvCxnSpPr>
+          <p:cNvPr id="22" name="连接符: 曲线 21">
+            <a:extLst>
+              <a:ext uri="{FF2B5EF4-FFF2-40B4-BE49-F238E27FC236}">
+                <a16:creationId xmlns:a16="http://schemas.microsoft.com/office/drawing/2014/main" id="{808CD7A1-2841-A01E-7C93-22AF16F424B7}"/>
+              </a:ext>
+            </a:extLst>
+          </p:cNvPr>
+          <p:cNvCxnSpPr>
+            <a:cxnSpLocks/>
+            <a:stCxn id="48" idx="3"/>
+            <a:endCxn id="17" idx="1"/>
+          </p:cNvCxnSpPr>
+          <p:nvPr/>
+        </p:nvCxnSpPr>
+        <p:spPr>
+          <a:xfrm>
+            <a:off x="4685650" y="449556"/>
+            <a:ext cx="1253627" cy="21136"/>
+          </a:xfrm>
+          <a:prstGeom prst="curvedConnector3">
+            <a:avLst>
+              <a:gd name="adj1" fmla="val 50000"/>
+            </a:avLst>
+          </a:prstGeom>
+          <a:ln>
+            <a:solidFill>
+              <a:schemeClr val="tx1"/>
+            </a:solidFill>
+            <a:tailEnd type="triangle"/>
+          </a:ln>
+        </p:spPr>
+        <p:style>
+          <a:lnRef idx="2">
+            <a:schemeClr val="accent1"/>
+          </a:lnRef>
+          <a:fillRef idx="0">
+            <a:schemeClr val="accent1"/>
+          </a:fillRef>
+          <a:effectRef idx="1">
+            <a:schemeClr val="accent1"/>
+          </a:effectRef>
+          <a:fontRef idx="minor">
+            <a:schemeClr val="tx1"/>
+          </a:fontRef>
+        </p:style>
+      </p:cxnSp>
+      <p:sp>
+        <p:nvSpPr>
+          <p:cNvPr id="31" name="文本框 30">
+            <a:extLst>
+              <a:ext uri="{FF2B5EF4-FFF2-40B4-BE49-F238E27FC236}">
+                <a16:creationId xmlns:a16="http://schemas.microsoft.com/office/drawing/2014/main" id="{85ACDCDD-5BAE-19D9-6090-0F23B2F4E98B}"/>
+              </a:ext>
+            </a:extLst>
+          </p:cNvPr>
+          <p:cNvSpPr txBox="1"/>
+          <p:nvPr/>
+        </p:nvSpPr>
+        <p:spPr>
+          <a:xfrm>
+            <a:off x="4819478" y="112329"/>
+            <a:ext cx="646331" cy="369332"/>
+          </a:xfrm>
+          <a:prstGeom prst="rect">
+            <a:avLst/>
+          </a:prstGeom>
+          <a:solidFill>
+            <a:schemeClr val="accent6">
+              <a:lumMod val="20000"/>
+              <a:lumOff val="80000"/>
+            </a:schemeClr>
+          </a:solidFill>
+        </p:spPr>
+        <p:txBody>
+          <a:bodyPr wrap="none" rtlCol="0">
+            <a:spAutoFit/>
+          </a:bodyPr>
+          <a:lstStyle/>
+          <a:p>
+            <a:r>
+              <a:rPr lang="zh-CN" altLang="en-US" dirty="0"/>
+              <a:t>托管</a:t>
+            </a:r>
+          </a:p>
+        </p:txBody>
+      </p:sp>
+      <p:sp>
+        <p:nvSpPr>
+          <p:cNvPr id="38" name="矩形: 圆角 37">
+            <a:extLst>
+              <a:ext uri="{FF2B5EF4-FFF2-40B4-BE49-F238E27FC236}">
+                <a16:creationId xmlns:a16="http://schemas.microsoft.com/office/drawing/2014/main" id="{69BF0181-1AD4-6F26-F00B-69E253E49D2C}"/>
+              </a:ext>
+            </a:extLst>
+          </p:cNvPr>
+          <p:cNvSpPr/>
+          <p:nvPr/>
+        </p:nvSpPr>
+        <p:spPr>
+          <a:xfrm>
+            <a:off x="2864632" y="4195944"/>
+            <a:ext cx="2219917" cy="785885"/>
+          </a:xfrm>
+          <a:prstGeom prst="roundRect">
+            <a:avLst/>
+          </a:prstGeom>
+          <a:solidFill>
+            <a:schemeClr val="accent2">
+              <a:lumMod val="20000"/>
+              <a:lumOff val="80000"/>
+            </a:schemeClr>
+          </a:solidFill>
+          <a:ln>
+            <a:solidFill>
+              <a:schemeClr val="tx1"/>
+            </a:solidFill>
+          </a:ln>
+        </p:spPr>
+        <p:style>
+          <a:lnRef idx="2">
+            <a:schemeClr val="accent1">
+              <a:shade val="15000"/>
+            </a:schemeClr>
+          </a:lnRef>
+          <a:fillRef idx="1">
+            <a:schemeClr val="accent1"/>
+          </a:fillRef>
+          <a:effectRef idx="0">
+            <a:schemeClr val="accent1"/>
+          </a:effectRef>
+          <a:fontRef idx="minor">
+            <a:schemeClr val="lt1"/>
+          </a:fontRef>
+        </p:style>
+        <p:txBody>
+          <a:bodyPr rtlCol="0" anchor="ctr"/>
+          <a:lstStyle/>
+          <a:p>
+            <a:pPr algn="ctr"/>
+            <a:r>
+              <a:rPr lang="zh-CN" altLang="en-US" dirty="0">
+                <a:solidFill>
+                  <a:schemeClr val="tx1"/>
+                </a:solidFill>
+              </a:rPr>
+              <a:t>创建持久行为（延迟效果）</a:t>
+            </a:r>
+          </a:p>
+        </p:txBody>
+      </p:sp>
+      <p:sp>
+        <p:nvSpPr>
+          <p:cNvPr id="39" name="矩形: 圆角 38">
+            <a:extLst>
+              <a:ext uri="{FF2B5EF4-FFF2-40B4-BE49-F238E27FC236}">
+                <a16:creationId xmlns:a16="http://schemas.microsoft.com/office/drawing/2014/main" id="{13F42CAE-1F53-29FF-FFD6-E5F7E85C2D0C}"/>
+              </a:ext>
+            </a:extLst>
+          </p:cNvPr>
+          <p:cNvSpPr/>
+          <p:nvPr/>
+        </p:nvSpPr>
+        <p:spPr>
+          <a:xfrm>
+            <a:off x="7139268" y="3594532"/>
+            <a:ext cx="2219917" cy="785885"/>
+          </a:xfrm>
+          <a:prstGeom prst="roundRect">
+            <a:avLst/>
+          </a:prstGeom>
+          <a:solidFill>
+            <a:schemeClr val="accent2">
+              <a:lumMod val="20000"/>
+              <a:lumOff val="80000"/>
+            </a:schemeClr>
+          </a:solidFill>
+          <a:ln>
+            <a:solidFill>
+              <a:schemeClr val="tx1"/>
+            </a:solidFill>
+          </a:ln>
+        </p:spPr>
+        <p:style>
+          <a:lnRef idx="2">
+            <a:schemeClr val="accent1">
+              <a:shade val="15000"/>
+            </a:schemeClr>
+          </a:lnRef>
+          <a:fillRef idx="1">
+            <a:schemeClr val="accent1"/>
+          </a:fillRef>
+          <a:effectRef idx="0">
+            <a:schemeClr val="accent1"/>
+          </a:effectRef>
+          <a:fontRef idx="minor">
+            <a:schemeClr val="lt1"/>
+          </a:fontRef>
+        </p:style>
+        <p:txBody>
+          <a:bodyPr rtlCol="0" anchor="ctr"/>
+          <a:lstStyle/>
+          <a:p>
+            <a:pPr algn="ctr"/>
+            <a:r>
+              <a:rPr lang="zh-CN" altLang="en-US" dirty="0">
+                <a:solidFill>
+                  <a:schemeClr val="tx1"/>
+                </a:solidFill>
+              </a:rPr>
+              <a:t>等待落地（延迟效果）</a:t>
+            </a:r>
+          </a:p>
+        </p:txBody>
+      </p:sp>
+      <p:sp>
+        <p:nvSpPr>
+          <p:cNvPr id="47" name="矩形: 圆角 46">
+            <a:extLst>
+              <a:ext uri="{FF2B5EF4-FFF2-40B4-BE49-F238E27FC236}">
+                <a16:creationId xmlns:a16="http://schemas.microsoft.com/office/drawing/2014/main" id="{044A8DD8-7C65-68D9-5F01-A2602191A112}"/>
+              </a:ext>
+            </a:extLst>
+          </p:cNvPr>
+          <p:cNvSpPr/>
+          <p:nvPr/>
+        </p:nvSpPr>
+        <p:spPr>
+          <a:xfrm>
+            <a:off x="6745299" y="5252569"/>
+            <a:ext cx="2484582" cy="656508"/>
+          </a:xfrm>
+          <a:prstGeom prst="roundRect">
+            <a:avLst/>
+          </a:prstGeom>
+          <a:solidFill>
+            <a:schemeClr val="accent2">
+              <a:lumMod val="20000"/>
+              <a:lumOff val="80000"/>
+            </a:schemeClr>
+          </a:solidFill>
+          <a:ln>
+            <a:solidFill>
+              <a:schemeClr val="tx1"/>
+            </a:solidFill>
+          </a:ln>
+        </p:spPr>
+        <p:style>
+          <a:lnRef idx="2">
+            <a:schemeClr val="accent1">
+              <a:shade val="15000"/>
+            </a:schemeClr>
+          </a:lnRef>
+          <a:fillRef idx="1">
+            <a:schemeClr val="accent1"/>
+          </a:fillRef>
+          <a:effectRef idx="0">
+            <a:schemeClr val="accent1"/>
+          </a:effectRef>
+          <a:fontRef idx="minor">
+            <a:schemeClr val="lt1"/>
+          </a:fontRef>
+        </p:style>
+        <p:txBody>
+          <a:bodyPr rtlCol="0" anchor="ctr"/>
+          <a:lstStyle/>
+          <a:p>
+            <a:pPr algn="ctr"/>
+            <a:r>
+              <a:rPr lang="zh-CN" altLang="en-US" dirty="0">
+                <a:solidFill>
+                  <a:schemeClr val="tx1"/>
+                </a:solidFill>
+              </a:rPr>
+              <a:t>播放空投仓动画（演算体）</a:t>
+            </a:r>
+          </a:p>
+        </p:txBody>
+      </p:sp>
+      <p:cxnSp>
+        <p:nvCxnSpPr>
+          <p:cNvPr id="50" name="连接符: 曲线 49">
+            <a:extLst>
+              <a:ext uri="{FF2B5EF4-FFF2-40B4-BE49-F238E27FC236}">
+                <a16:creationId xmlns:a16="http://schemas.microsoft.com/office/drawing/2014/main" id="{328CBAC7-0B01-DC90-6B7C-6A5C12ADACCA}"/>
+              </a:ext>
+            </a:extLst>
+          </p:cNvPr>
+          <p:cNvCxnSpPr>
+            <a:cxnSpLocks/>
+            <a:stCxn id="39" idx="2"/>
+            <a:endCxn id="47" idx="0"/>
+          </p:cNvCxnSpPr>
+          <p:nvPr/>
+        </p:nvCxnSpPr>
+        <p:spPr>
+          <a:xfrm rot="5400000">
+            <a:off x="7682333" y="4685675"/>
+            <a:ext cx="872152" cy="261637"/>
+          </a:xfrm>
+          <a:prstGeom prst="curvedConnector3">
+            <a:avLst>
+              <a:gd name="adj1" fmla="val 50000"/>
+            </a:avLst>
+          </a:prstGeom>
+          <a:ln>
+            <a:solidFill>
+              <a:schemeClr val="tx1"/>
+            </a:solidFill>
+            <a:tailEnd type="triangle"/>
+          </a:ln>
+        </p:spPr>
+        <p:style>
+          <a:lnRef idx="2">
+            <a:schemeClr val="accent1"/>
+          </a:lnRef>
+          <a:fillRef idx="0">
+            <a:schemeClr val="accent1"/>
+          </a:fillRef>
+          <a:effectRef idx="1">
+            <a:schemeClr val="accent1"/>
+          </a:effectRef>
+          <a:fontRef idx="minor">
+            <a:schemeClr val="tx1"/>
+          </a:fontRef>
+        </p:style>
+      </p:cxnSp>
+      <p:cxnSp>
+        <p:nvCxnSpPr>
+          <p:cNvPr id="57" name="连接符: 曲线 56">
+            <a:extLst>
+              <a:ext uri="{FF2B5EF4-FFF2-40B4-BE49-F238E27FC236}">
+                <a16:creationId xmlns:a16="http://schemas.microsoft.com/office/drawing/2014/main" id="{A71604B4-0C8F-7714-1F15-B7BE64491CD9}"/>
+              </a:ext>
+            </a:extLst>
+          </p:cNvPr>
+          <p:cNvCxnSpPr>
+            <a:cxnSpLocks/>
+            <a:stCxn id="38" idx="3"/>
+            <a:endCxn id="39" idx="1"/>
+          </p:cNvCxnSpPr>
+          <p:nvPr/>
+        </p:nvCxnSpPr>
+        <p:spPr>
+          <a:xfrm flipV="1">
+            <a:off x="5084549" y="3987475"/>
+            <a:ext cx="2054719" cy="601412"/>
+          </a:xfrm>
+          <a:prstGeom prst="curvedConnector3">
+            <a:avLst>
+              <a:gd name="adj1" fmla="val 50000"/>
+            </a:avLst>
+          </a:prstGeom>
+          <a:ln>
+            <a:solidFill>
+              <a:schemeClr val="tx1"/>
+            </a:solidFill>
+            <a:tailEnd type="triangle"/>
+          </a:ln>
+        </p:spPr>
+        <p:style>
+          <a:lnRef idx="2">
+            <a:schemeClr val="accent1"/>
+          </a:lnRef>
+          <a:fillRef idx="0">
+            <a:schemeClr val="accent1"/>
+          </a:fillRef>
+          <a:effectRef idx="1">
+            <a:schemeClr val="accent1"/>
+          </a:effectRef>
+          <a:fontRef idx="minor">
+            <a:schemeClr val="tx1"/>
+          </a:fontRef>
+        </p:style>
+      </p:cxnSp>
+      <p:cxnSp>
+        <p:nvCxnSpPr>
+          <p:cNvPr id="85" name="连接符: 曲线 84">
+            <a:extLst>
+              <a:ext uri="{FF2B5EF4-FFF2-40B4-BE49-F238E27FC236}">
+                <a16:creationId xmlns:a16="http://schemas.microsoft.com/office/drawing/2014/main" id="{7BE11937-E008-29C3-060C-12BFC12E2EFF}"/>
+              </a:ext>
+            </a:extLst>
+          </p:cNvPr>
+          <p:cNvCxnSpPr>
+            <a:cxnSpLocks/>
+            <a:stCxn id="6" idx="3"/>
+            <a:endCxn id="17" idx="2"/>
+          </p:cNvCxnSpPr>
+          <p:nvPr/>
+        </p:nvCxnSpPr>
+        <p:spPr>
+          <a:xfrm flipV="1">
+            <a:off x="2080633" y="752401"/>
+            <a:ext cx="4597553" cy="1299349"/>
+          </a:xfrm>
+          <a:prstGeom prst="curvedConnector2">
+            <a:avLst/>
+          </a:prstGeom>
+          <a:ln>
+            <a:solidFill>
+              <a:schemeClr val="tx1"/>
+            </a:solidFill>
+            <a:tailEnd type="triangle"/>
+          </a:ln>
+        </p:spPr>
+        <p:style>
+          <a:lnRef idx="2">
+            <a:schemeClr val="accent1"/>
+          </a:lnRef>
+          <a:fillRef idx="0">
+            <a:schemeClr val="accent1"/>
+          </a:fillRef>
+          <a:effectRef idx="1">
+            <a:schemeClr val="accent1"/>
+          </a:effectRef>
+          <a:fontRef idx="minor">
+            <a:schemeClr val="tx1"/>
+          </a:fontRef>
+        </p:style>
+      </p:cxnSp>
+      <p:sp>
+        <p:nvSpPr>
+          <p:cNvPr id="90" name="文本框 89">
+            <a:extLst>
+              <a:ext uri="{FF2B5EF4-FFF2-40B4-BE49-F238E27FC236}">
+                <a16:creationId xmlns:a16="http://schemas.microsoft.com/office/drawing/2014/main" id="{86FE3978-457D-DF0D-7458-296AE8E4BA73}"/>
+              </a:ext>
+            </a:extLst>
+          </p:cNvPr>
+          <p:cNvSpPr txBox="1"/>
+          <p:nvPr/>
+        </p:nvSpPr>
+        <p:spPr>
+          <a:xfrm>
+            <a:off x="2926984" y="1326758"/>
+            <a:ext cx="2954655" cy="369332"/>
+          </a:xfrm>
+          <a:prstGeom prst="rect">
+            <a:avLst/>
+          </a:prstGeom>
+          <a:solidFill>
+            <a:schemeClr val="accent6">
+              <a:lumMod val="20000"/>
+              <a:lumOff val="80000"/>
+            </a:schemeClr>
+          </a:solidFill>
+        </p:spPr>
+        <p:txBody>
+          <a:bodyPr wrap="none" rtlCol="0">
+            <a:spAutoFit/>
+          </a:bodyPr>
+          <a:lstStyle/>
+          <a:p>
+            <a:r>
+              <a:rPr lang="zh-CN" altLang="en-US" dirty="0"/>
+              <a:t>获得获得当前装载单位数目</a:t>
+            </a:r>
+          </a:p>
+        </p:txBody>
+      </p:sp>
+    </p:spTree>
+    <p:extLst>
+      <p:ext uri="{BB962C8B-B14F-4D97-AF65-F5344CB8AC3E}">
+        <p14:creationId xmlns:p14="http://schemas.microsoft.com/office/powerpoint/2010/main" val="3954853422"/>
       </p:ext>
     </p:extLst>
   </p:cSld>

--- a/图.pptx
+++ b/图.pptx
@@ -10,6 +10,7 @@
     <p:sldId id="258" r:id="rId4"/>
     <p:sldId id="259" r:id="rId5"/>
     <p:sldId id="260" r:id="rId6"/>
+    <p:sldId id="262" r:id="rId7"/>
   </p:sldIdLst>
   <p:sldSz cx="12192000" cy="6858000"/>
   <p:notesSz cx="6858000" cy="9144000"/>
@@ -263,7 +264,7 @@
           <a:p>
             <a:fld id="{AD6044C5-84D1-4A21-B234-807FD534B005}" type="datetimeFigureOut">
               <a:rPr lang="zh-CN" altLang="en-US" smtClean="0"/>
-              <a:t>2025/9/12</a:t>
+              <a:t>2025/9/15</a:t>
             </a:fld>
             <a:endParaRPr lang="zh-CN" altLang="en-US"/>
           </a:p>
@@ -461,7 +462,7 @@
           <a:p>
             <a:fld id="{AD6044C5-84D1-4A21-B234-807FD534B005}" type="datetimeFigureOut">
               <a:rPr lang="zh-CN" altLang="en-US" smtClean="0"/>
-              <a:t>2025/9/12</a:t>
+              <a:t>2025/9/15</a:t>
             </a:fld>
             <a:endParaRPr lang="zh-CN" altLang="en-US"/>
           </a:p>
@@ -669,7 +670,7 @@
           <a:p>
             <a:fld id="{AD6044C5-84D1-4A21-B234-807FD534B005}" type="datetimeFigureOut">
               <a:rPr lang="zh-CN" altLang="en-US" smtClean="0"/>
-              <a:t>2025/9/12</a:t>
+              <a:t>2025/9/15</a:t>
             </a:fld>
             <a:endParaRPr lang="zh-CN" altLang="en-US"/>
           </a:p>
@@ -867,7 +868,7 @@
           <a:p>
             <a:fld id="{AD6044C5-84D1-4A21-B234-807FD534B005}" type="datetimeFigureOut">
               <a:rPr lang="zh-CN" altLang="en-US" smtClean="0"/>
-              <a:t>2025/9/12</a:t>
+              <a:t>2025/9/15</a:t>
             </a:fld>
             <a:endParaRPr lang="zh-CN" altLang="en-US"/>
           </a:p>
@@ -1142,7 +1143,7 @@
           <a:p>
             <a:fld id="{AD6044C5-84D1-4A21-B234-807FD534B005}" type="datetimeFigureOut">
               <a:rPr lang="zh-CN" altLang="en-US" smtClean="0"/>
-              <a:t>2025/9/12</a:t>
+              <a:t>2025/9/15</a:t>
             </a:fld>
             <a:endParaRPr lang="zh-CN" altLang="en-US"/>
           </a:p>
@@ -1407,7 +1408,7 @@
           <a:p>
             <a:fld id="{AD6044C5-84D1-4A21-B234-807FD534B005}" type="datetimeFigureOut">
               <a:rPr lang="zh-CN" altLang="en-US" smtClean="0"/>
-              <a:t>2025/9/12</a:t>
+              <a:t>2025/9/15</a:t>
             </a:fld>
             <a:endParaRPr lang="zh-CN" altLang="en-US"/>
           </a:p>
@@ -1819,7 +1820,7 @@
           <a:p>
             <a:fld id="{AD6044C5-84D1-4A21-B234-807FD534B005}" type="datetimeFigureOut">
               <a:rPr lang="zh-CN" altLang="en-US" smtClean="0"/>
-              <a:t>2025/9/12</a:t>
+              <a:t>2025/9/15</a:t>
             </a:fld>
             <a:endParaRPr lang="zh-CN" altLang="en-US"/>
           </a:p>
@@ -1960,7 +1961,7 @@
           <a:p>
             <a:fld id="{AD6044C5-84D1-4A21-B234-807FD534B005}" type="datetimeFigureOut">
               <a:rPr lang="zh-CN" altLang="en-US" smtClean="0"/>
-              <a:t>2025/9/12</a:t>
+              <a:t>2025/9/15</a:t>
             </a:fld>
             <a:endParaRPr lang="zh-CN" altLang="en-US"/>
           </a:p>
@@ -2073,7 +2074,7 @@
           <a:p>
             <a:fld id="{AD6044C5-84D1-4A21-B234-807FD534B005}" type="datetimeFigureOut">
               <a:rPr lang="zh-CN" altLang="en-US" smtClean="0"/>
-              <a:t>2025/9/12</a:t>
+              <a:t>2025/9/15</a:t>
             </a:fld>
             <a:endParaRPr lang="zh-CN" altLang="en-US"/>
           </a:p>
@@ -2384,7 +2385,7 @@
           <a:p>
             <a:fld id="{AD6044C5-84D1-4A21-B234-807FD534B005}" type="datetimeFigureOut">
               <a:rPr lang="zh-CN" altLang="en-US" smtClean="0"/>
-              <a:t>2025/9/12</a:t>
+              <a:t>2025/9/15</a:t>
             </a:fld>
             <a:endParaRPr lang="zh-CN" altLang="en-US"/>
           </a:p>
@@ -2672,7 +2673,7 @@
           <a:p>
             <a:fld id="{AD6044C5-84D1-4A21-B234-807FD534B005}" type="datetimeFigureOut">
               <a:rPr lang="zh-CN" altLang="en-US" smtClean="0"/>
-              <a:t>2025/9/12</a:t>
+              <a:t>2025/9/15</a:t>
             </a:fld>
             <a:endParaRPr lang="zh-CN" altLang="en-US"/>
           </a:p>
@@ -2913,7 +2914,7 @@
           <a:p>
             <a:fld id="{AD6044C5-84D1-4A21-B234-807FD534B005}" type="datetimeFigureOut">
               <a:rPr lang="zh-CN" altLang="en-US" smtClean="0"/>
-              <a:t>2025/9/12</a:t>
+              <a:t>2025/9/15</a:t>
             </a:fld>
             <a:endParaRPr lang="zh-CN" altLang="en-US"/>
           </a:p>
@@ -7610,6 +7611,807 @@
     <p:extLst>
       <p:ext uri="{BB962C8B-B14F-4D97-AF65-F5344CB8AC3E}">
         <p14:creationId xmlns:p14="http://schemas.microsoft.com/office/powerpoint/2010/main" val="3954853422"/>
+      </p:ext>
+    </p:extLst>
+  </p:cSld>
+  <p:clrMapOvr>
+    <a:masterClrMapping/>
+  </p:clrMapOvr>
+</p:sld>
+</file>
+
+<file path=ppt/slides/slide6.xml><?xml version="1.0" encoding="utf-8"?>
+<p:sld xmlns:a="http://schemas.openxmlformats.org/drawingml/2006/main" xmlns:r="http://schemas.openxmlformats.org/officeDocument/2006/relationships" xmlns:p="http://schemas.openxmlformats.org/presentationml/2006/main">
+  <p:cSld>
+    <p:spTree>
+      <p:nvGrpSpPr>
+        <p:cNvPr id="1" name=""/>
+        <p:cNvGrpSpPr/>
+        <p:nvPr/>
+      </p:nvGrpSpPr>
+      <p:grpSpPr>
+        <a:xfrm>
+          <a:off x="0" y="0"/>
+          <a:ext cx="0" cy="0"/>
+          <a:chOff x="0" y="0"/>
+          <a:chExt cx="0" cy="0"/>
+        </a:xfrm>
+      </p:grpSpPr>
+      <p:sp>
+        <p:nvSpPr>
+          <p:cNvPr id="4" name="矩形 3">
+            <a:extLst>
+              <a:ext uri="{FF2B5EF4-FFF2-40B4-BE49-F238E27FC236}">
+                <a16:creationId xmlns:a16="http://schemas.microsoft.com/office/drawing/2014/main" id="{A3A5A571-7C16-0B76-9F5A-7CD72ED72DE4}"/>
+              </a:ext>
+            </a:extLst>
+          </p:cNvPr>
+          <p:cNvSpPr/>
+          <p:nvPr/>
+        </p:nvSpPr>
+        <p:spPr>
+          <a:xfrm>
+            <a:off x="499048" y="1556977"/>
+            <a:ext cx="1283854" cy="563418"/>
+          </a:xfrm>
+          <a:prstGeom prst="rect">
+            <a:avLst/>
+          </a:prstGeom>
+          <a:solidFill>
+            <a:schemeClr val="accent6">
+              <a:lumMod val="20000"/>
+              <a:lumOff val="80000"/>
+            </a:schemeClr>
+          </a:solidFill>
+          <a:ln>
+            <a:solidFill>
+              <a:schemeClr val="tx1"/>
+            </a:solidFill>
+          </a:ln>
+        </p:spPr>
+        <p:style>
+          <a:lnRef idx="2">
+            <a:schemeClr val="accent1">
+              <a:shade val="15000"/>
+            </a:schemeClr>
+          </a:lnRef>
+          <a:fillRef idx="1">
+            <a:schemeClr val="accent1"/>
+          </a:fillRef>
+          <a:effectRef idx="0">
+            <a:schemeClr val="accent1"/>
+          </a:effectRef>
+          <a:fontRef idx="minor">
+            <a:schemeClr val="lt1"/>
+          </a:fontRef>
+        </p:style>
+        <p:txBody>
+          <a:bodyPr rtlCol="0" anchor="ctr"/>
+          <a:lstStyle/>
+          <a:p>
+            <a:pPr algn="ctr"/>
+            <a:r>
+              <a:rPr lang="zh-CN" altLang="en-US" dirty="0">
+                <a:solidFill>
+                  <a:schemeClr val="tx1"/>
+                </a:solidFill>
+              </a:rPr>
+              <a:t>弹仓载具</a:t>
+            </a:r>
+          </a:p>
+        </p:txBody>
+      </p:sp>
+      <p:cxnSp>
+        <p:nvCxnSpPr>
+          <p:cNvPr id="15" name="连接符: 曲线 14">
+            <a:extLst>
+              <a:ext uri="{FF2B5EF4-FFF2-40B4-BE49-F238E27FC236}">
+                <a16:creationId xmlns:a16="http://schemas.microsoft.com/office/drawing/2014/main" id="{5D41CCE9-230B-F7C5-31A5-888870F0254E}"/>
+              </a:ext>
+            </a:extLst>
+          </p:cNvPr>
+          <p:cNvCxnSpPr>
+            <a:cxnSpLocks/>
+            <a:stCxn id="52" idx="3"/>
+            <a:endCxn id="55" idx="0"/>
+          </p:cNvCxnSpPr>
+          <p:nvPr/>
+        </p:nvCxnSpPr>
+        <p:spPr>
+          <a:xfrm>
+            <a:off x="9601967" y="1614806"/>
+            <a:ext cx="1039864" cy="969066"/>
+          </a:xfrm>
+          <a:prstGeom prst="curvedConnector2">
+            <a:avLst/>
+          </a:prstGeom>
+          <a:ln>
+            <a:solidFill>
+              <a:schemeClr val="tx1"/>
+            </a:solidFill>
+            <a:tailEnd type="triangle"/>
+          </a:ln>
+        </p:spPr>
+        <p:style>
+          <a:lnRef idx="2">
+            <a:schemeClr val="accent1"/>
+          </a:lnRef>
+          <a:fillRef idx="0">
+            <a:schemeClr val="accent1"/>
+          </a:fillRef>
+          <a:effectRef idx="1">
+            <a:schemeClr val="accent1"/>
+          </a:effectRef>
+          <a:fontRef idx="minor">
+            <a:schemeClr val="tx1"/>
+          </a:fontRef>
+        </p:style>
+      </p:cxnSp>
+      <p:cxnSp>
+        <p:nvCxnSpPr>
+          <p:cNvPr id="41" name="连接符: 曲线 40">
+            <a:extLst>
+              <a:ext uri="{FF2B5EF4-FFF2-40B4-BE49-F238E27FC236}">
+                <a16:creationId xmlns:a16="http://schemas.microsoft.com/office/drawing/2014/main" id="{07F1AAAE-AAD1-2620-7520-B80EDD29E734}"/>
+              </a:ext>
+            </a:extLst>
+          </p:cNvPr>
+          <p:cNvCxnSpPr>
+            <a:cxnSpLocks/>
+            <a:stCxn id="17" idx="3"/>
+            <a:endCxn id="34" idx="1"/>
+          </p:cNvCxnSpPr>
+          <p:nvPr/>
+        </p:nvCxnSpPr>
+        <p:spPr>
+          <a:xfrm flipV="1">
+            <a:off x="4767196" y="1337440"/>
+            <a:ext cx="627797" cy="1557654"/>
+          </a:xfrm>
+          <a:prstGeom prst="curvedConnector3">
+            <a:avLst>
+              <a:gd name="adj1" fmla="val 50000"/>
+            </a:avLst>
+          </a:prstGeom>
+          <a:ln>
+            <a:solidFill>
+              <a:schemeClr val="tx1"/>
+            </a:solidFill>
+            <a:tailEnd type="triangle"/>
+          </a:ln>
+        </p:spPr>
+        <p:style>
+          <a:lnRef idx="2">
+            <a:schemeClr val="accent1"/>
+          </a:lnRef>
+          <a:fillRef idx="0">
+            <a:schemeClr val="accent1"/>
+          </a:fillRef>
+          <a:effectRef idx="1">
+            <a:schemeClr val="accent1"/>
+          </a:effectRef>
+          <a:fontRef idx="minor">
+            <a:schemeClr val="tx1"/>
+          </a:fontRef>
+        </p:style>
+      </p:cxnSp>
+      <p:sp>
+        <p:nvSpPr>
+          <p:cNvPr id="48" name="矩形: 圆角 47">
+            <a:extLst>
+              <a:ext uri="{FF2B5EF4-FFF2-40B4-BE49-F238E27FC236}">
+                <a16:creationId xmlns:a16="http://schemas.microsoft.com/office/drawing/2014/main" id="{8D3FD2EF-7058-70A4-B804-8BAEF311CCB2}"/>
+              </a:ext>
+            </a:extLst>
+          </p:cNvPr>
+          <p:cNvSpPr/>
+          <p:nvPr/>
+        </p:nvSpPr>
+        <p:spPr>
+          <a:xfrm>
+            <a:off x="2233299" y="319722"/>
+            <a:ext cx="1477817" cy="563418"/>
+          </a:xfrm>
+          <a:prstGeom prst="roundRect">
+            <a:avLst/>
+          </a:prstGeom>
+          <a:solidFill>
+            <a:schemeClr val="accent6">
+              <a:lumMod val="20000"/>
+              <a:lumOff val="80000"/>
+            </a:schemeClr>
+          </a:solidFill>
+          <a:ln>
+            <a:solidFill>
+              <a:schemeClr val="tx1"/>
+            </a:solidFill>
+          </a:ln>
+        </p:spPr>
+        <p:style>
+          <a:lnRef idx="2">
+            <a:schemeClr val="accent1">
+              <a:shade val="15000"/>
+            </a:schemeClr>
+          </a:lnRef>
+          <a:fillRef idx="1">
+            <a:schemeClr val="accent1"/>
+          </a:fillRef>
+          <a:effectRef idx="0">
+            <a:schemeClr val="accent1"/>
+          </a:effectRef>
+          <a:fontRef idx="minor">
+            <a:schemeClr val="lt1"/>
+          </a:fontRef>
+        </p:style>
+        <p:txBody>
+          <a:bodyPr rtlCol="0" anchor="ctr"/>
+          <a:lstStyle/>
+          <a:p>
+            <a:pPr algn="ctr"/>
+            <a:r>
+              <a:rPr lang="zh-CN" altLang="en-US" dirty="0">
+                <a:solidFill>
+                  <a:schemeClr val="tx1"/>
+                </a:solidFill>
+              </a:rPr>
+              <a:t>周期性遍历（行为）</a:t>
+            </a:r>
+          </a:p>
+        </p:txBody>
+      </p:sp>
+      <p:cxnSp>
+        <p:nvCxnSpPr>
+          <p:cNvPr id="49" name="连接符: 曲线 48">
+            <a:extLst>
+              <a:ext uri="{FF2B5EF4-FFF2-40B4-BE49-F238E27FC236}">
+                <a16:creationId xmlns:a16="http://schemas.microsoft.com/office/drawing/2014/main" id="{550AF8A7-8005-D7BA-E07F-69E7CEEFC39A}"/>
+              </a:ext>
+            </a:extLst>
+          </p:cNvPr>
+          <p:cNvCxnSpPr>
+            <a:cxnSpLocks/>
+            <a:stCxn id="4" idx="3"/>
+            <a:endCxn id="48" idx="1"/>
+          </p:cNvCxnSpPr>
+          <p:nvPr/>
+        </p:nvCxnSpPr>
+        <p:spPr>
+          <a:xfrm flipV="1">
+            <a:off x="1782902" y="601431"/>
+            <a:ext cx="450397" cy="1237255"/>
+          </a:xfrm>
+          <a:prstGeom prst="curvedConnector3">
+            <a:avLst>
+              <a:gd name="adj1" fmla="val 50000"/>
+            </a:avLst>
+          </a:prstGeom>
+          <a:ln>
+            <a:solidFill>
+              <a:schemeClr val="tx1"/>
+            </a:solidFill>
+            <a:tailEnd type="triangle"/>
+          </a:ln>
+        </p:spPr>
+        <p:style>
+          <a:lnRef idx="2">
+            <a:schemeClr val="accent1"/>
+          </a:lnRef>
+          <a:fillRef idx="0">
+            <a:schemeClr val="accent1"/>
+          </a:fillRef>
+          <a:effectRef idx="1">
+            <a:schemeClr val="accent1"/>
+          </a:effectRef>
+          <a:fontRef idx="minor">
+            <a:schemeClr val="tx1"/>
+          </a:fontRef>
+        </p:style>
+      </p:cxnSp>
+      <p:sp>
+        <p:nvSpPr>
+          <p:cNvPr id="55" name="矩形: 圆角 54">
+            <a:extLst>
+              <a:ext uri="{FF2B5EF4-FFF2-40B4-BE49-F238E27FC236}">
+                <a16:creationId xmlns:a16="http://schemas.microsoft.com/office/drawing/2014/main" id="{9E722700-BC99-2386-89E9-B8629617A4F5}"/>
+              </a:ext>
+            </a:extLst>
+          </p:cNvPr>
+          <p:cNvSpPr/>
+          <p:nvPr/>
+        </p:nvSpPr>
+        <p:spPr>
+          <a:xfrm>
+            <a:off x="9730481" y="2583872"/>
+            <a:ext cx="1822699" cy="1010659"/>
+          </a:xfrm>
+          <a:prstGeom prst="roundRect">
+            <a:avLst/>
+          </a:prstGeom>
+          <a:solidFill>
+            <a:schemeClr val="accent6">
+              <a:lumMod val="20000"/>
+              <a:lumOff val="80000"/>
+            </a:schemeClr>
+          </a:solidFill>
+          <a:ln>
+            <a:solidFill>
+              <a:schemeClr val="tx1"/>
+            </a:solidFill>
+          </a:ln>
+        </p:spPr>
+        <p:style>
+          <a:lnRef idx="2">
+            <a:schemeClr val="accent1">
+              <a:shade val="15000"/>
+            </a:schemeClr>
+          </a:lnRef>
+          <a:fillRef idx="1">
+            <a:schemeClr val="accent1"/>
+          </a:fillRef>
+          <a:effectRef idx="0">
+            <a:schemeClr val="accent1"/>
+          </a:effectRef>
+          <a:fontRef idx="minor">
+            <a:schemeClr val="lt1"/>
+          </a:fontRef>
+        </p:style>
+        <p:txBody>
+          <a:bodyPr rtlCol="0" anchor="ctr"/>
+          <a:lstStyle/>
+          <a:p>
+            <a:pPr algn="ctr"/>
+            <a:r>
+              <a:rPr lang="zh-CN" altLang="en-US" dirty="0">
+                <a:solidFill>
+                  <a:schemeClr val="tx1"/>
+                </a:solidFill>
+              </a:rPr>
+              <a:t>移除单位对应</a:t>
+            </a:r>
+            <a:r>
+              <a:rPr lang="en-US" altLang="zh-CN" dirty="0">
+                <a:solidFill>
+                  <a:schemeClr val="tx1"/>
+                </a:solidFill>
+              </a:rPr>
+              <a:t>buff</a:t>
+            </a:r>
+            <a:r>
+              <a:rPr lang="zh-CN" altLang="en-US" dirty="0">
+                <a:solidFill>
+                  <a:schemeClr val="tx1"/>
+                </a:solidFill>
+              </a:rPr>
+              <a:t>一层（</a:t>
+            </a:r>
+            <a:r>
+              <a:rPr lang="en-US" altLang="zh-CN" dirty="0">
+                <a:solidFill>
+                  <a:schemeClr val="tx1"/>
+                </a:solidFill>
+              </a:rPr>
+              <a:t>user9 user10</a:t>
+            </a:r>
+            <a:r>
+              <a:rPr lang="zh-CN" altLang="en-US" dirty="0">
+                <a:solidFill>
+                  <a:schemeClr val="tx1"/>
+                </a:solidFill>
+              </a:rPr>
+              <a:t>）</a:t>
+            </a:r>
+          </a:p>
+        </p:txBody>
+      </p:sp>
+      <p:sp>
+        <p:nvSpPr>
+          <p:cNvPr id="17" name="矩形: 圆角 16">
+            <a:extLst>
+              <a:ext uri="{FF2B5EF4-FFF2-40B4-BE49-F238E27FC236}">
+                <a16:creationId xmlns:a16="http://schemas.microsoft.com/office/drawing/2014/main" id="{4F5BB007-5E6C-FFEA-C7E3-1AF3679FD981}"/>
+              </a:ext>
+            </a:extLst>
+          </p:cNvPr>
+          <p:cNvSpPr/>
+          <p:nvPr/>
+        </p:nvSpPr>
+        <p:spPr>
+          <a:xfrm>
+            <a:off x="3289379" y="2613385"/>
+            <a:ext cx="1477817" cy="563418"/>
+          </a:xfrm>
+          <a:prstGeom prst="roundRect">
+            <a:avLst/>
+          </a:prstGeom>
+          <a:solidFill>
+            <a:schemeClr val="accent6">
+              <a:lumMod val="20000"/>
+              <a:lumOff val="80000"/>
+            </a:schemeClr>
+          </a:solidFill>
+          <a:ln>
+            <a:solidFill>
+              <a:schemeClr val="tx1"/>
+            </a:solidFill>
+          </a:ln>
+        </p:spPr>
+        <p:style>
+          <a:lnRef idx="2">
+            <a:schemeClr val="accent1">
+              <a:shade val="15000"/>
+            </a:schemeClr>
+          </a:lnRef>
+          <a:fillRef idx="1">
+            <a:schemeClr val="accent1"/>
+          </a:fillRef>
+          <a:effectRef idx="0">
+            <a:schemeClr val="accent1"/>
+          </a:effectRef>
+          <a:fontRef idx="minor">
+            <a:schemeClr val="lt1"/>
+          </a:fontRef>
+        </p:style>
+        <p:txBody>
+          <a:bodyPr rtlCol="0" anchor="ctr"/>
+          <a:lstStyle/>
+          <a:p>
+            <a:pPr algn="ctr"/>
+            <a:r>
+              <a:rPr lang="zh-CN" altLang="en-US" dirty="0">
+                <a:solidFill>
+                  <a:schemeClr val="tx1"/>
+                </a:solidFill>
+              </a:rPr>
+              <a:t>遍历弹仓（效果）</a:t>
+            </a:r>
+          </a:p>
+        </p:txBody>
+      </p:sp>
+      <p:cxnSp>
+        <p:nvCxnSpPr>
+          <p:cNvPr id="22" name="连接符: 曲线 21">
+            <a:extLst>
+              <a:ext uri="{FF2B5EF4-FFF2-40B4-BE49-F238E27FC236}">
+                <a16:creationId xmlns:a16="http://schemas.microsoft.com/office/drawing/2014/main" id="{808CD7A1-2841-A01E-7C93-22AF16F424B7}"/>
+              </a:ext>
+            </a:extLst>
+          </p:cNvPr>
+          <p:cNvCxnSpPr>
+            <a:cxnSpLocks/>
+            <a:stCxn id="48" idx="3"/>
+            <a:endCxn id="31" idx="1"/>
+          </p:cNvCxnSpPr>
+          <p:nvPr/>
+        </p:nvCxnSpPr>
+        <p:spPr>
+          <a:xfrm flipV="1">
+            <a:off x="3711116" y="340345"/>
+            <a:ext cx="435738" cy="261086"/>
+          </a:xfrm>
+          <a:prstGeom prst="curvedConnector3">
+            <a:avLst>
+              <a:gd name="adj1" fmla="val 50000"/>
+            </a:avLst>
+          </a:prstGeom>
+          <a:ln>
+            <a:solidFill>
+              <a:schemeClr val="tx1"/>
+            </a:solidFill>
+            <a:tailEnd type="triangle"/>
+          </a:ln>
+        </p:spPr>
+        <p:style>
+          <a:lnRef idx="2">
+            <a:schemeClr val="accent1"/>
+          </a:lnRef>
+          <a:fillRef idx="0">
+            <a:schemeClr val="accent1"/>
+          </a:fillRef>
+          <a:effectRef idx="1">
+            <a:schemeClr val="accent1"/>
+          </a:effectRef>
+          <a:fontRef idx="minor">
+            <a:schemeClr val="tx1"/>
+          </a:fontRef>
+        </p:style>
+      </p:cxnSp>
+      <p:sp>
+        <p:nvSpPr>
+          <p:cNvPr id="31" name="文本框 30">
+            <a:extLst>
+              <a:ext uri="{FF2B5EF4-FFF2-40B4-BE49-F238E27FC236}">
+                <a16:creationId xmlns:a16="http://schemas.microsoft.com/office/drawing/2014/main" id="{85ACDCDD-5BAE-19D9-6090-0F23B2F4E98B}"/>
+              </a:ext>
+            </a:extLst>
+          </p:cNvPr>
+          <p:cNvSpPr txBox="1"/>
+          <p:nvPr/>
+        </p:nvSpPr>
+        <p:spPr>
+          <a:xfrm>
+            <a:off x="4146854" y="155679"/>
+            <a:ext cx="646331" cy="369332"/>
+          </a:xfrm>
+          <a:prstGeom prst="rect">
+            <a:avLst/>
+          </a:prstGeom>
+          <a:solidFill>
+            <a:schemeClr val="accent6">
+              <a:lumMod val="20000"/>
+              <a:lumOff val="80000"/>
+            </a:schemeClr>
+          </a:solidFill>
+        </p:spPr>
+        <p:txBody>
+          <a:bodyPr wrap="none" rtlCol="0">
+            <a:spAutoFit/>
+          </a:bodyPr>
+          <a:lstStyle/>
+          <a:p>
+            <a:r>
+              <a:rPr lang="zh-CN" altLang="en-US" dirty="0"/>
+              <a:t>托管</a:t>
+            </a:r>
+          </a:p>
+        </p:txBody>
+      </p:sp>
+      <p:cxnSp>
+        <p:nvCxnSpPr>
+          <p:cNvPr id="26" name="连接符: 曲线 25">
+            <a:extLst>
+              <a:ext uri="{FF2B5EF4-FFF2-40B4-BE49-F238E27FC236}">
+                <a16:creationId xmlns:a16="http://schemas.microsoft.com/office/drawing/2014/main" id="{4EA2D963-B6CF-73FB-FEA0-A117F6548736}"/>
+              </a:ext>
+            </a:extLst>
+          </p:cNvPr>
+          <p:cNvCxnSpPr>
+            <a:cxnSpLocks/>
+            <a:stCxn id="31" idx="3"/>
+            <a:endCxn id="17" idx="1"/>
+          </p:cNvCxnSpPr>
+          <p:nvPr/>
+        </p:nvCxnSpPr>
+        <p:spPr>
+          <a:xfrm flipH="1">
+            <a:off x="3289379" y="340345"/>
+            <a:ext cx="1503806" cy="2554749"/>
+          </a:xfrm>
+          <a:prstGeom prst="curvedConnector5">
+            <a:avLst>
+              <a:gd name="adj1" fmla="val -15201"/>
+              <a:gd name="adj2" fmla="val 48101"/>
+              <a:gd name="adj3" fmla="val 115201"/>
+            </a:avLst>
+          </a:prstGeom>
+          <a:ln>
+            <a:solidFill>
+              <a:schemeClr val="tx1"/>
+            </a:solidFill>
+            <a:tailEnd type="triangle"/>
+          </a:ln>
+        </p:spPr>
+        <p:style>
+          <a:lnRef idx="2">
+            <a:schemeClr val="accent1"/>
+          </a:lnRef>
+          <a:fillRef idx="0">
+            <a:schemeClr val="accent1"/>
+          </a:fillRef>
+          <a:effectRef idx="1">
+            <a:schemeClr val="accent1"/>
+          </a:effectRef>
+          <a:fontRef idx="minor">
+            <a:schemeClr val="tx1"/>
+          </a:fontRef>
+        </p:style>
+      </p:cxnSp>
+      <p:sp>
+        <p:nvSpPr>
+          <p:cNvPr id="34" name="菱形 33">
+            <a:extLst>
+              <a:ext uri="{FF2B5EF4-FFF2-40B4-BE49-F238E27FC236}">
+                <a16:creationId xmlns:a16="http://schemas.microsoft.com/office/drawing/2014/main" id="{62E99F90-901A-DAEA-486A-D0CFA6B1F3EF}"/>
+              </a:ext>
+            </a:extLst>
+          </p:cNvPr>
+          <p:cNvSpPr/>
+          <p:nvPr/>
+        </p:nvSpPr>
+        <p:spPr>
+          <a:xfrm>
+            <a:off x="5394993" y="880240"/>
+            <a:ext cx="2813649" cy="914400"/>
+          </a:xfrm>
+          <a:prstGeom prst="diamond">
+            <a:avLst/>
+          </a:prstGeom>
+          <a:solidFill>
+            <a:schemeClr val="accent6">
+              <a:lumMod val="20000"/>
+              <a:lumOff val="80000"/>
+            </a:schemeClr>
+          </a:solidFill>
+          <a:ln>
+            <a:solidFill>
+              <a:schemeClr val="tx1"/>
+            </a:solidFill>
+          </a:ln>
+        </p:spPr>
+        <p:style>
+          <a:lnRef idx="2">
+            <a:schemeClr val="accent1">
+              <a:shade val="15000"/>
+            </a:schemeClr>
+          </a:lnRef>
+          <a:fillRef idx="1">
+            <a:schemeClr val="accent1"/>
+          </a:fillRef>
+          <a:effectRef idx="0">
+            <a:schemeClr val="accent1"/>
+          </a:effectRef>
+          <a:fontRef idx="minor">
+            <a:schemeClr val="lt1"/>
+          </a:fontRef>
+        </p:style>
+        <p:txBody>
+          <a:bodyPr rtlCol="0" anchor="ctr"/>
+          <a:lstStyle/>
+          <a:p>
+            <a:pPr algn="ctr"/>
+            <a:r>
+              <a:rPr lang="zh-CN" altLang="en-US" dirty="0">
+                <a:solidFill>
+                  <a:schemeClr val="tx1"/>
+                </a:solidFill>
+              </a:rPr>
+              <a:t>小队单位</a:t>
+            </a:r>
+            <a:r>
+              <a:rPr lang="en-US" altLang="zh-CN" dirty="0">
+                <a:solidFill>
+                  <a:schemeClr val="tx1"/>
+                </a:solidFill>
+              </a:rPr>
+              <a:t>A</a:t>
+            </a:r>
+            <a:r>
+              <a:rPr lang="zh-CN" altLang="en-US" dirty="0">
+                <a:solidFill>
+                  <a:schemeClr val="tx1"/>
+                </a:solidFill>
+              </a:rPr>
+              <a:t>存在</a:t>
+            </a:r>
+          </a:p>
+        </p:txBody>
+      </p:sp>
+      <p:sp>
+        <p:nvSpPr>
+          <p:cNvPr id="52" name="文本框 51">
+            <a:extLst>
+              <a:ext uri="{FF2B5EF4-FFF2-40B4-BE49-F238E27FC236}">
+                <a16:creationId xmlns:a16="http://schemas.microsoft.com/office/drawing/2014/main" id="{85E09914-69DA-E466-D12A-789F8200F365}"/>
+              </a:ext>
+            </a:extLst>
+          </p:cNvPr>
+          <p:cNvSpPr txBox="1"/>
+          <p:nvPr/>
+        </p:nvSpPr>
+        <p:spPr>
+          <a:xfrm>
+            <a:off x="9186469" y="1430140"/>
+            <a:ext cx="415498" cy="369332"/>
+          </a:xfrm>
+          <a:prstGeom prst="rect">
+            <a:avLst/>
+          </a:prstGeom>
+          <a:solidFill>
+            <a:schemeClr val="accent6">
+              <a:lumMod val="20000"/>
+              <a:lumOff val="80000"/>
+            </a:schemeClr>
+          </a:solidFill>
+        </p:spPr>
+        <p:txBody>
+          <a:bodyPr wrap="none" rtlCol="0">
+            <a:spAutoFit/>
+          </a:bodyPr>
+          <a:lstStyle/>
+          <a:p>
+            <a:r>
+              <a:rPr lang="zh-CN" altLang="en-US" dirty="0"/>
+              <a:t>否</a:t>
+            </a:r>
+          </a:p>
+        </p:txBody>
+      </p:sp>
+      <p:cxnSp>
+        <p:nvCxnSpPr>
+          <p:cNvPr id="56" name="连接符: 曲线 55">
+            <a:extLst>
+              <a:ext uri="{FF2B5EF4-FFF2-40B4-BE49-F238E27FC236}">
+                <a16:creationId xmlns:a16="http://schemas.microsoft.com/office/drawing/2014/main" id="{E73C1AE5-4B79-0AF3-87DA-7DB1782CB474}"/>
+              </a:ext>
+            </a:extLst>
+          </p:cNvPr>
+          <p:cNvCxnSpPr>
+            <a:cxnSpLocks/>
+            <a:stCxn id="34" idx="3"/>
+            <a:endCxn id="52" idx="1"/>
+          </p:cNvCxnSpPr>
+          <p:nvPr/>
+        </p:nvCxnSpPr>
+        <p:spPr>
+          <a:xfrm>
+            <a:off x="8208642" y="1337440"/>
+            <a:ext cx="977827" cy="277366"/>
+          </a:xfrm>
+          <a:prstGeom prst="curvedConnector3">
+            <a:avLst>
+              <a:gd name="adj1" fmla="val 50000"/>
+            </a:avLst>
+          </a:prstGeom>
+          <a:ln>
+            <a:solidFill>
+              <a:schemeClr val="tx1"/>
+            </a:solidFill>
+            <a:tailEnd type="triangle"/>
+          </a:ln>
+        </p:spPr>
+        <p:style>
+          <a:lnRef idx="2">
+            <a:schemeClr val="accent1"/>
+          </a:lnRef>
+          <a:fillRef idx="0">
+            <a:schemeClr val="accent1"/>
+          </a:fillRef>
+          <a:effectRef idx="1">
+            <a:schemeClr val="accent1"/>
+          </a:effectRef>
+          <a:fontRef idx="minor">
+            <a:schemeClr val="tx1"/>
+          </a:fontRef>
+        </p:style>
+      </p:cxnSp>
+      <p:sp>
+        <p:nvSpPr>
+          <p:cNvPr id="65" name="文本框 64">
+            <a:extLst>
+              <a:ext uri="{FF2B5EF4-FFF2-40B4-BE49-F238E27FC236}">
+                <a16:creationId xmlns:a16="http://schemas.microsoft.com/office/drawing/2014/main" id="{41A0628B-9B07-748B-0880-1DA4F79FB523}"/>
+              </a:ext>
+            </a:extLst>
+          </p:cNvPr>
+          <p:cNvSpPr txBox="1"/>
+          <p:nvPr/>
+        </p:nvSpPr>
+        <p:spPr>
+          <a:xfrm>
+            <a:off x="8697555" y="141051"/>
+            <a:ext cx="3004918" cy="923330"/>
+          </a:xfrm>
+          <a:prstGeom prst="rect">
+            <a:avLst/>
+          </a:prstGeom>
+          <a:noFill/>
+        </p:spPr>
+        <p:txBody>
+          <a:bodyPr wrap="square" rtlCol="0">
+            <a:spAutoFit/>
+          </a:bodyPr>
+          <a:lstStyle/>
+          <a:p>
+            <a:r>
+              <a:rPr lang="zh-CN" altLang="en-US" dirty="0"/>
+              <a:t>考虑复用伤害分担的遍历器（追踪单位）来统计当前弹仓是否已经满</a:t>
+            </a:r>
+          </a:p>
+        </p:txBody>
+      </p:sp>
+    </p:spTree>
+    <p:extLst>
+      <p:ext uri="{BB962C8B-B14F-4D97-AF65-F5344CB8AC3E}">
+        <p14:creationId xmlns:p14="http://schemas.microsoft.com/office/powerpoint/2010/main" val="1893522939"/>
       </p:ext>
     </p:extLst>
   </p:cSld>

--- a/图.pptx
+++ b/图.pptx
@@ -11,6 +11,8 @@
     <p:sldId id="259" r:id="rId5"/>
     <p:sldId id="260" r:id="rId6"/>
     <p:sldId id="262" r:id="rId7"/>
+    <p:sldId id="263" r:id="rId8"/>
+    <p:sldId id="264" r:id="rId9"/>
   </p:sldIdLst>
   <p:sldSz cx="12192000" cy="6858000"/>
   <p:notesSz cx="6858000" cy="9144000"/>
@@ -264,7 +266,7 @@
           <a:p>
             <a:fld id="{AD6044C5-84D1-4A21-B234-807FD534B005}" type="datetimeFigureOut">
               <a:rPr lang="zh-CN" altLang="en-US" smtClean="0"/>
-              <a:t>2025/9/15</a:t>
+              <a:t>2025/9/17</a:t>
             </a:fld>
             <a:endParaRPr lang="zh-CN" altLang="en-US"/>
           </a:p>
@@ -462,7 +464,7 @@
           <a:p>
             <a:fld id="{AD6044C5-84D1-4A21-B234-807FD534B005}" type="datetimeFigureOut">
               <a:rPr lang="zh-CN" altLang="en-US" smtClean="0"/>
-              <a:t>2025/9/15</a:t>
+              <a:t>2025/9/17</a:t>
             </a:fld>
             <a:endParaRPr lang="zh-CN" altLang="en-US"/>
           </a:p>
@@ -670,7 +672,7 @@
           <a:p>
             <a:fld id="{AD6044C5-84D1-4A21-B234-807FD534B005}" type="datetimeFigureOut">
               <a:rPr lang="zh-CN" altLang="en-US" smtClean="0"/>
-              <a:t>2025/9/15</a:t>
+              <a:t>2025/9/17</a:t>
             </a:fld>
             <a:endParaRPr lang="zh-CN" altLang="en-US"/>
           </a:p>
@@ -868,7 +870,7 @@
           <a:p>
             <a:fld id="{AD6044C5-84D1-4A21-B234-807FD534B005}" type="datetimeFigureOut">
               <a:rPr lang="zh-CN" altLang="en-US" smtClean="0"/>
-              <a:t>2025/9/15</a:t>
+              <a:t>2025/9/17</a:t>
             </a:fld>
             <a:endParaRPr lang="zh-CN" altLang="en-US"/>
           </a:p>
@@ -1143,7 +1145,7 @@
           <a:p>
             <a:fld id="{AD6044C5-84D1-4A21-B234-807FD534B005}" type="datetimeFigureOut">
               <a:rPr lang="zh-CN" altLang="en-US" smtClean="0"/>
-              <a:t>2025/9/15</a:t>
+              <a:t>2025/9/17</a:t>
             </a:fld>
             <a:endParaRPr lang="zh-CN" altLang="en-US"/>
           </a:p>
@@ -1408,7 +1410,7 @@
           <a:p>
             <a:fld id="{AD6044C5-84D1-4A21-B234-807FD534B005}" type="datetimeFigureOut">
               <a:rPr lang="zh-CN" altLang="en-US" smtClean="0"/>
-              <a:t>2025/9/15</a:t>
+              <a:t>2025/9/17</a:t>
             </a:fld>
             <a:endParaRPr lang="zh-CN" altLang="en-US"/>
           </a:p>
@@ -1820,7 +1822,7 @@
           <a:p>
             <a:fld id="{AD6044C5-84D1-4A21-B234-807FD534B005}" type="datetimeFigureOut">
               <a:rPr lang="zh-CN" altLang="en-US" smtClean="0"/>
-              <a:t>2025/9/15</a:t>
+              <a:t>2025/9/17</a:t>
             </a:fld>
             <a:endParaRPr lang="zh-CN" altLang="en-US"/>
           </a:p>
@@ -1961,7 +1963,7 @@
           <a:p>
             <a:fld id="{AD6044C5-84D1-4A21-B234-807FD534B005}" type="datetimeFigureOut">
               <a:rPr lang="zh-CN" altLang="en-US" smtClean="0"/>
-              <a:t>2025/9/15</a:t>
+              <a:t>2025/9/17</a:t>
             </a:fld>
             <a:endParaRPr lang="zh-CN" altLang="en-US"/>
           </a:p>
@@ -2074,7 +2076,7 @@
           <a:p>
             <a:fld id="{AD6044C5-84D1-4A21-B234-807FD534B005}" type="datetimeFigureOut">
               <a:rPr lang="zh-CN" altLang="en-US" smtClean="0"/>
-              <a:t>2025/9/15</a:t>
+              <a:t>2025/9/17</a:t>
             </a:fld>
             <a:endParaRPr lang="zh-CN" altLang="en-US"/>
           </a:p>
@@ -2385,7 +2387,7 @@
           <a:p>
             <a:fld id="{AD6044C5-84D1-4A21-B234-807FD534B005}" type="datetimeFigureOut">
               <a:rPr lang="zh-CN" altLang="en-US" smtClean="0"/>
-              <a:t>2025/9/15</a:t>
+              <a:t>2025/9/17</a:t>
             </a:fld>
             <a:endParaRPr lang="zh-CN" altLang="en-US"/>
           </a:p>
@@ -2673,7 +2675,7 @@
           <a:p>
             <a:fld id="{AD6044C5-84D1-4A21-B234-807FD534B005}" type="datetimeFigureOut">
               <a:rPr lang="zh-CN" altLang="en-US" smtClean="0"/>
-              <a:t>2025/9/15</a:t>
+              <a:t>2025/9/17</a:t>
             </a:fld>
             <a:endParaRPr lang="zh-CN" altLang="en-US"/>
           </a:p>
@@ -2914,7 +2916,7 @@
           <a:p>
             <a:fld id="{AD6044C5-84D1-4A21-B234-807FD534B005}" type="datetimeFigureOut">
               <a:rPr lang="zh-CN" altLang="en-US" smtClean="0"/>
-              <a:t>2025/9/15</a:t>
+              <a:t>2025/9/17</a:t>
             </a:fld>
             <a:endParaRPr lang="zh-CN" altLang="en-US"/>
           </a:p>
@@ -8412,6 +8414,1986 @@
     <p:extLst>
       <p:ext uri="{BB962C8B-B14F-4D97-AF65-F5344CB8AC3E}">
         <p14:creationId xmlns:p14="http://schemas.microsoft.com/office/powerpoint/2010/main" val="1893522939"/>
+      </p:ext>
+    </p:extLst>
+  </p:cSld>
+  <p:clrMapOvr>
+    <a:masterClrMapping/>
+  </p:clrMapOvr>
+</p:sld>
+</file>
+
+<file path=ppt/slides/slide7.xml><?xml version="1.0" encoding="utf-8"?>
+<p:sld xmlns:a="http://schemas.openxmlformats.org/drawingml/2006/main" xmlns:r="http://schemas.openxmlformats.org/officeDocument/2006/relationships" xmlns:p="http://schemas.openxmlformats.org/presentationml/2006/main">
+  <p:cSld>
+    <p:spTree>
+      <p:nvGrpSpPr>
+        <p:cNvPr id="1" name=""/>
+        <p:cNvGrpSpPr/>
+        <p:nvPr/>
+      </p:nvGrpSpPr>
+      <p:grpSpPr>
+        <a:xfrm>
+          <a:off x="0" y="0"/>
+          <a:ext cx="0" cy="0"/>
+          <a:chOff x="0" y="0"/>
+          <a:chExt cx="0" cy="0"/>
+        </a:xfrm>
+      </p:grpSpPr>
+      <p:sp>
+        <p:nvSpPr>
+          <p:cNvPr id="4" name="矩形 3">
+            <a:extLst>
+              <a:ext uri="{FF2B5EF4-FFF2-40B4-BE49-F238E27FC236}">
+                <a16:creationId xmlns:a16="http://schemas.microsoft.com/office/drawing/2014/main" id="{A3A5A571-7C16-0B76-9F5A-7CD72ED72DE4}"/>
+              </a:ext>
+            </a:extLst>
+          </p:cNvPr>
+          <p:cNvSpPr/>
+          <p:nvPr/>
+        </p:nvSpPr>
+        <p:spPr>
+          <a:xfrm>
+            <a:off x="499048" y="1556977"/>
+            <a:ext cx="1283854" cy="563418"/>
+          </a:xfrm>
+          <a:prstGeom prst="rect">
+            <a:avLst/>
+          </a:prstGeom>
+          <a:solidFill>
+            <a:schemeClr val="accent6">
+              <a:lumMod val="20000"/>
+              <a:lumOff val="80000"/>
+            </a:schemeClr>
+          </a:solidFill>
+          <a:ln>
+            <a:solidFill>
+              <a:schemeClr val="tx1"/>
+            </a:solidFill>
+          </a:ln>
+        </p:spPr>
+        <p:style>
+          <a:lnRef idx="2">
+            <a:schemeClr val="accent1">
+              <a:shade val="15000"/>
+            </a:schemeClr>
+          </a:lnRef>
+          <a:fillRef idx="1">
+            <a:schemeClr val="accent1"/>
+          </a:fillRef>
+          <a:effectRef idx="0">
+            <a:schemeClr val="accent1"/>
+          </a:effectRef>
+          <a:fontRef idx="minor">
+            <a:schemeClr val="lt1"/>
+          </a:fontRef>
+        </p:style>
+        <p:txBody>
+          <a:bodyPr rtlCol="0" anchor="ctr"/>
+          <a:lstStyle/>
+          <a:p>
+            <a:pPr algn="ctr"/>
+            <a:r>
+              <a:rPr lang="zh-CN" altLang="en-US" dirty="0">
+                <a:solidFill>
+                  <a:schemeClr val="tx1"/>
+                </a:solidFill>
+              </a:rPr>
+              <a:t>弹仓载具</a:t>
+            </a:r>
+          </a:p>
+        </p:txBody>
+      </p:sp>
+      <p:cxnSp>
+        <p:nvCxnSpPr>
+          <p:cNvPr id="15" name="连接符: 曲线 14">
+            <a:extLst>
+              <a:ext uri="{FF2B5EF4-FFF2-40B4-BE49-F238E27FC236}">
+                <a16:creationId xmlns:a16="http://schemas.microsoft.com/office/drawing/2014/main" id="{5D41CCE9-230B-F7C5-31A5-888870F0254E}"/>
+              </a:ext>
+            </a:extLst>
+          </p:cNvPr>
+          <p:cNvCxnSpPr>
+            <a:cxnSpLocks/>
+            <a:stCxn id="52" idx="3"/>
+            <a:endCxn id="55" idx="0"/>
+          </p:cNvCxnSpPr>
+          <p:nvPr/>
+        </p:nvCxnSpPr>
+        <p:spPr>
+          <a:xfrm>
+            <a:off x="9601967" y="1614806"/>
+            <a:ext cx="1039864" cy="969066"/>
+          </a:xfrm>
+          <a:prstGeom prst="curvedConnector2">
+            <a:avLst/>
+          </a:prstGeom>
+          <a:ln>
+            <a:solidFill>
+              <a:schemeClr val="tx1"/>
+            </a:solidFill>
+            <a:tailEnd type="triangle"/>
+          </a:ln>
+        </p:spPr>
+        <p:style>
+          <a:lnRef idx="2">
+            <a:schemeClr val="accent1"/>
+          </a:lnRef>
+          <a:fillRef idx="0">
+            <a:schemeClr val="accent1"/>
+          </a:fillRef>
+          <a:effectRef idx="1">
+            <a:schemeClr val="accent1"/>
+          </a:effectRef>
+          <a:fontRef idx="minor">
+            <a:schemeClr val="tx1"/>
+          </a:fontRef>
+        </p:style>
+      </p:cxnSp>
+      <p:cxnSp>
+        <p:nvCxnSpPr>
+          <p:cNvPr id="41" name="连接符: 曲线 40">
+            <a:extLst>
+              <a:ext uri="{FF2B5EF4-FFF2-40B4-BE49-F238E27FC236}">
+                <a16:creationId xmlns:a16="http://schemas.microsoft.com/office/drawing/2014/main" id="{07F1AAAE-AAD1-2620-7520-B80EDD29E734}"/>
+              </a:ext>
+            </a:extLst>
+          </p:cNvPr>
+          <p:cNvCxnSpPr>
+            <a:cxnSpLocks/>
+            <a:stCxn id="17" idx="3"/>
+            <a:endCxn id="34" idx="1"/>
+          </p:cNvCxnSpPr>
+          <p:nvPr/>
+        </p:nvCxnSpPr>
+        <p:spPr>
+          <a:xfrm flipV="1">
+            <a:off x="4767196" y="1337440"/>
+            <a:ext cx="627797" cy="1557654"/>
+          </a:xfrm>
+          <a:prstGeom prst="curvedConnector3">
+            <a:avLst>
+              <a:gd name="adj1" fmla="val 50000"/>
+            </a:avLst>
+          </a:prstGeom>
+          <a:ln>
+            <a:solidFill>
+              <a:schemeClr val="tx1"/>
+            </a:solidFill>
+            <a:tailEnd type="triangle"/>
+          </a:ln>
+        </p:spPr>
+        <p:style>
+          <a:lnRef idx="2">
+            <a:schemeClr val="accent1"/>
+          </a:lnRef>
+          <a:fillRef idx="0">
+            <a:schemeClr val="accent1"/>
+          </a:fillRef>
+          <a:effectRef idx="1">
+            <a:schemeClr val="accent1"/>
+          </a:effectRef>
+          <a:fontRef idx="minor">
+            <a:schemeClr val="tx1"/>
+          </a:fontRef>
+        </p:style>
+      </p:cxnSp>
+      <p:sp>
+        <p:nvSpPr>
+          <p:cNvPr id="48" name="矩形: 圆角 47">
+            <a:extLst>
+              <a:ext uri="{FF2B5EF4-FFF2-40B4-BE49-F238E27FC236}">
+                <a16:creationId xmlns:a16="http://schemas.microsoft.com/office/drawing/2014/main" id="{8D3FD2EF-7058-70A4-B804-8BAEF311CCB2}"/>
+              </a:ext>
+            </a:extLst>
+          </p:cNvPr>
+          <p:cNvSpPr/>
+          <p:nvPr/>
+        </p:nvSpPr>
+        <p:spPr>
+          <a:xfrm>
+            <a:off x="2233299" y="319722"/>
+            <a:ext cx="1477817" cy="563418"/>
+          </a:xfrm>
+          <a:prstGeom prst="roundRect">
+            <a:avLst/>
+          </a:prstGeom>
+          <a:solidFill>
+            <a:schemeClr val="accent6">
+              <a:lumMod val="20000"/>
+              <a:lumOff val="80000"/>
+            </a:schemeClr>
+          </a:solidFill>
+          <a:ln>
+            <a:solidFill>
+              <a:schemeClr val="tx1"/>
+            </a:solidFill>
+          </a:ln>
+        </p:spPr>
+        <p:style>
+          <a:lnRef idx="2">
+            <a:schemeClr val="accent1">
+              <a:shade val="15000"/>
+            </a:schemeClr>
+          </a:lnRef>
+          <a:fillRef idx="1">
+            <a:schemeClr val="accent1"/>
+          </a:fillRef>
+          <a:effectRef idx="0">
+            <a:schemeClr val="accent1"/>
+          </a:effectRef>
+          <a:fontRef idx="minor">
+            <a:schemeClr val="lt1"/>
+          </a:fontRef>
+        </p:style>
+        <p:txBody>
+          <a:bodyPr rtlCol="0" anchor="ctr"/>
+          <a:lstStyle/>
+          <a:p>
+            <a:pPr algn="ctr"/>
+            <a:r>
+              <a:rPr lang="zh-CN" altLang="en-US" dirty="0">
+                <a:solidFill>
+                  <a:schemeClr val="tx1"/>
+                </a:solidFill>
+              </a:rPr>
+              <a:t>周期性遍历（行为）</a:t>
+            </a:r>
+          </a:p>
+        </p:txBody>
+      </p:sp>
+      <p:cxnSp>
+        <p:nvCxnSpPr>
+          <p:cNvPr id="49" name="连接符: 曲线 48">
+            <a:extLst>
+              <a:ext uri="{FF2B5EF4-FFF2-40B4-BE49-F238E27FC236}">
+                <a16:creationId xmlns:a16="http://schemas.microsoft.com/office/drawing/2014/main" id="{550AF8A7-8005-D7BA-E07F-69E7CEEFC39A}"/>
+              </a:ext>
+            </a:extLst>
+          </p:cNvPr>
+          <p:cNvCxnSpPr>
+            <a:cxnSpLocks/>
+            <a:stCxn id="4" idx="3"/>
+            <a:endCxn id="48" idx="1"/>
+          </p:cNvCxnSpPr>
+          <p:nvPr/>
+        </p:nvCxnSpPr>
+        <p:spPr>
+          <a:xfrm flipV="1">
+            <a:off x="1782902" y="601431"/>
+            <a:ext cx="450397" cy="1237255"/>
+          </a:xfrm>
+          <a:prstGeom prst="curvedConnector3">
+            <a:avLst>
+              <a:gd name="adj1" fmla="val 50000"/>
+            </a:avLst>
+          </a:prstGeom>
+          <a:ln>
+            <a:solidFill>
+              <a:schemeClr val="tx1"/>
+            </a:solidFill>
+            <a:tailEnd type="triangle"/>
+          </a:ln>
+        </p:spPr>
+        <p:style>
+          <a:lnRef idx="2">
+            <a:schemeClr val="accent1"/>
+          </a:lnRef>
+          <a:fillRef idx="0">
+            <a:schemeClr val="accent1"/>
+          </a:fillRef>
+          <a:effectRef idx="1">
+            <a:schemeClr val="accent1"/>
+          </a:effectRef>
+          <a:fontRef idx="minor">
+            <a:schemeClr val="tx1"/>
+          </a:fontRef>
+        </p:style>
+      </p:cxnSp>
+      <p:sp>
+        <p:nvSpPr>
+          <p:cNvPr id="55" name="矩形: 圆角 54">
+            <a:extLst>
+              <a:ext uri="{FF2B5EF4-FFF2-40B4-BE49-F238E27FC236}">
+                <a16:creationId xmlns:a16="http://schemas.microsoft.com/office/drawing/2014/main" id="{9E722700-BC99-2386-89E9-B8629617A4F5}"/>
+              </a:ext>
+            </a:extLst>
+          </p:cNvPr>
+          <p:cNvSpPr/>
+          <p:nvPr/>
+        </p:nvSpPr>
+        <p:spPr>
+          <a:xfrm>
+            <a:off x="9730481" y="2583872"/>
+            <a:ext cx="1822699" cy="1010659"/>
+          </a:xfrm>
+          <a:prstGeom prst="roundRect">
+            <a:avLst/>
+          </a:prstGeom>
+          <a:solidFill>
+            <a:schemeClr val="accent6">
+              <a:lumMod val="20000"/>
+              <a:lumOff val="80000"/>
+            </a:schemeClr>
+          </a:solidFill>
+          <a:ln>
+            <a:solidFill>
+              <a:schemeClr val="tx1"/>
+            </a:solidFill>
+          </a:ln>
+        </p:spPr>
+        <p:style>
+          <a:lnRef idx="2">
+            <a:schemeClr val="accent1">
+              <a:shade val="15000"/>
+            </a:schemeClr>
+          </a:lnRef>
+          <a:fillRef idx="1">
+            <a:schemeClr val="accent1"/>
+          </a:fillRef>
+          <a:effectRef idx="0">
+            <a:schemeClr val="accent1"/>
+          </a:effectRef>
+          <a:fontRef idx="minor">
+            <a:schemeClr val="lt1"/>
+          </a:fontRef>
+        </p:style>
+        <p:txBody>
+          <a:bodyPr rtlCol="0" anchor="ctr"/>
+          <a:lstStyle/>
+          <a:p>
+            <a:pPr algn="ctr"/>
+            <a:r>
+              <a:rPr lang="zh-CN" altLang="en-US" dirty="0">
+                <a:solidFill>
+                  <a:schemeClr val="tx1"/>
+                </a:solidFill>
+              </a:rPr>
+              <a:t>移除单位对应</a:t>
+            </a:r>
+            <a:r>
+              <a:rPr lang="en-US" altLang="zh-CN" dirty="0">
+                <a:solidFill>
+                  <a:schemeClr val="tx1"/>
+                </a:solidFill>
+              </a:rPr>
+              <a:t>buff</a:t>
+            </a:r>
+            <a:r>
+              <a:rPr lang="zh-CN" altLang="en-US" dirty="0">
+                <a:solidFill>
+                  <a:schemeClr val="tx1"/>
+                </a:solidFill>
+              </a:rPr>
+              <a:t>一层（</a:t>
+            </a:r>
+            <a:r>
+              <a:rPr lang="en-US" altLang="zh-CN" dirty="0">
+                <a:solidFill>
+                  <a:schemeClr val="tx1"/>
+                </a:solidFill>
+              </a:rPr>
+              <a:t>user9 user10</a:t>
+            </a:r>
+            <a:r>
+              <a:rPr lang="zh-CN" altLang="en-US" dirty="0">
+                <a:solidFill>
+                  <a:schemeClr val="tx1"/>
+                </a:solidFill>
+              </a:rPr>
+              <a:t>）</a:t>
+            </a:r>
+          </a:p>
+        </p:txBody>
+      </p:sp>
+      <p:sp>
+        <p:nvSpPr>
+          <p:cNvPr id="17" name="矩形: 圆角 16">
+            <a:extLst>
+              <a:ext uri="{FF2B5EF4-FFF2-40B4-BE49-F238E27FC236}">
+                <a16:creationId xmlns:a16="http://schemas.microsoft.com/office/drawing/2014/main" id="{4F5BB007-5E6C-FFEA-C7E3-1AF3679FD981}"/>
+              </a:ext>
+            </a:extLst>
+          </p:cNvPr>
+          <p:cNvSpPr/>
+          <p:nvPr/>
+        </p:nvSpPr>
+        <p:spPr>
+          <a:xfrm>
+            <a:off x="3289379" y="2613385"/>
+            <a:ext cx="1477817" cy="563418"/>
+          </a:xfrm>
+          <a:prstGeom prst="roundRect">
+            <a:avLst/>
+          </a:prstGeom>
+          <a:solidFill>
+            <a:schemeClr val="accent6">
+              <a:lumMod val="20000"/>
+              <a:lumOff val="80000"/>
+            </a:schemeClr>
+          </a:solidFill>
+          <a:ln>
+            <a:solidFill>
+              <a:schemeClr val="tx1"/>
+            </a:solidFill>
+          </a:ln>
+        </p:spPr>
+        <p:style>
+          <a:lnRef idx="2">
+            <a:schemeClr val="accent1">
+              <a:shade val="15000"/>
+            </a:schemeClr>
+          </a:lnRef>
+          <a:fillRef idx="1">
+            <a:schemeClr val="accent1"/>
+          </a:fillRef>
+          <a:effectRef idx="0">
+            <a:schemeClr val="accent1"/>
+          </a:effectRef>
+          <a:fontRef idx="minor">
+            <a:schemeClr val="lt1"/>
+          </a:fontRef>
+        </p:style>
+        <p:txBody>
+          <a:bodyPr rtlCol="0" anchor="ctr"/>
+          <a:lstStyle/>
+          <a:p>
+            <a:pPr algn="ctr"/>
+            <a:r>
+              <a:rPr lang="zh-CN" altLang="en-US" dirty="0">
+                <a:solidFill>
+                  <a:schemeClr val="tx1"/>
+                </a:solidFill>
+              </a:rPr>
+              <a:t>遍历弹仓（效果）</a:t>
+            </a:r>
+          </a:p>
+        </p:txBody>
+      </p:sp>
+      <p:cxnSp>
+        <p:nvCxnSpPr>
+          <p:cNvPr id="22" name="连接符: 曲线 21">
+            <a:extLst>
+              <a:ext uri="{FF2B5EF4-FFF2-40B4-BE49-F238E27FC236}">
+                <a16:creationId xmlns:a16="http://schemas.microsoft.com/office/drawing/2014/main" id="{808CD7A1-2841-A01E-7C93-22AF16F424B7}"/>
+              </a:ext>
+            </a:extLst>
+          </p:cNvPr>
+          <p:cNvCxnSpPr>
+            <a:cxnSpLocks/>
+            <a:stCxn id="48" idx="3"/>
+            <a:endCxn id="31" idx="1"/>
+          </p:cNvCxnSpPr>
+          <p:nvPr/>
+        </p:nvCxnSpPr>
+        <p:spPr>
+          <a:xfrm flipV="1">
+            <a:off x="3711116" y="340345"/>
+            <a:ext cx="435738" cy="261086"/>
+          </a:xfrm>
+          <a:prstGeom prst="curvedConnector3">
+            <a:avLst>
+              <a:gd name="adj1" fmla="val 50000"/>
+            </a:avLst>
+          </a:prstGeom>
+          <a:ln>
+            <a:solidFill>
+              <a:schemeClr val="tx1"/>
+            </a:solidFill>
+            <a:tailEnd type="triangle"/>
+          </a:ln>
+        </p:spPr>
+        <p:style>
+          <a:lnRef idx="2">
+            <a:schemeClr val="accent1"/>
+          </a:lnRef>
+          <a:fillRef idx="0">
+            <a:schemeClr val="accent1"/>
+          </a:fillRef>
+          <a:effectRef idx="1">
+            <a:schemeClr val="accent1"/>
+          </a:effectRef>
+          <a:fontRef idx="minor">
+            <a:schemeClr val="tx1"/>
+          </a:fontRef>
+        </p:style>
+      </p:cxnSp>
+      <p:sp>
+        <p:nvSpPr>
+          <p:cNvPr id="31" name="文本框 30">
+            <a:extLst>
+              <a:ext uri="{FF2B5EF4-FFF2-40B4-BE49-F238E27FC236}">
+                <a16:creationId xmlns:a16="http://schemas.microsoft.com/office/drawing/2014/main" id="{85ACDCDD-5BAE-19D9-6090-0F23B2F4E98B}"/>
+              </a:ext>
+            </a:extLst>
+          </p:cNvPr>
+          <p:cNvSpPr txBox="1"/>
+          <p:nvPr/>
+        </p:nvSpPr>
+        <p:spPr>
+          <a:xfrm>
+            <a:off x="4146854" y="155679"/>
+            <a:ext cx="646331" cy="369332"/>
+          </a:xfrm>
+          <a:prstGeom prst="rect">
+            <a:avLst/>
+          </a:prstGeom>
+          <a:solidFill>
+            <a:schemeClr val="accent6">
+              <a:lumMod val="20000"/>
+              <a:lumOff val="80000"/>
+            </a:schemeClr>
+          </a:solidFill>
+        </p:spPr>
+        <p:txBody>
+          <a:bodyPr wrap="none" rtlCol="0">
+            <a:spAutoFit/>
+          </a:bodyPr>
+          <a:lstStyle/>
+          <a:p>
+            <a:r>
+              <a:rPr lang="zh-CN" altLang="en-US" dirty="0"/>
+              <a:t>托管</a:t>
+            </a:r>
+          </a:p>
+        </p:txBody>
+      </p:sp>
+      <p:cxnSp>
+        <p:nvCxnSpPr>
+          <p:cNvPr id="26" name="连接符: 曲线 25">
+            <a:extLst>
+              <a:ext uri="{FF2B5EF4-FFF2-40B4-BE49-F238E27FC236}">
+                <a16:creationId xmlns:a16="http://schemas.microsoft.com/office/drawing/2014/main" id="{4EA2D963-B6CF-73FB-FEA0-A117F6548736}"/>
+              </a:ext>
+            </a:extLst>
+          </p:cNvPr>
+          <p:cNvCxnSpPr>
+            <a:cxnSpLocks/>
+            <a:stCxn id="31" idx="3"/>
+            <a:endCxn id="17" idx="1"/>
+          </p:cNvCxnSpPr>
+          <p:nvPr/>
+        </p:nvCxnSpPr>
+        <p:spPr>
+          <a:xfrm flipH="1">
+            <a:off x="3289379" y="340345"/>
+            <a:ext cx="1503806" cy="2554749"/>
+          </a:xfrm>
+          <a:prstGeom prst="curvedConnector5">
+            <a:avLst>
+              <a:gd name="adj1" fmla="val -15201"/>
+              <a:gd name="adj2" fmla="val 48101"/>
+              <a:gd name="adj3" fmla="val 115201"/>
+            </a:avLst>
+          </a:prstGeom>
+          <a:ln>
+            <a:solidFill>
+              <a:schemeClr val="tx1"/>
+            </a:solidFill>
+            <a:tailEnd type="triangle"/>
+          </a:ln>
+        </p:spPr>
+        <p:style>
+          <a:lnRef idx="2">
+            <a:schemeClr val="accent1"/>
+          </a:lnRef>
+          <a:fillRef idx="0">
+            <a:schemeClr val="accent1"/>
+          </a:fillRef>
+          <a:effectRef idx="1">
+            <a:schemeClr val="accent1"/>
+          </a:effectRef>
+          <a:fontRef idx="minor">
+            <a:schemeClr val="tx1"/>
+          </a:fontRef>
+        </p:style>
+      </p:cxnSp>
+      <p:sp>
+        <p:nvSpPr>
+          <p:cNvPr id="34" name="菱形 33">
+            <a:extLst>
+              <a:ext uri="{FF2B5EF4-FFF2-40B4-BE49-F238E27FC236}">
+                <a16:creationId xmlns:a16="http://schemas.microsoft.com/office/drawing/2014/main" id="{62E99F90-901A-DAEA-486A-D0CFA6B1F3EF}"/>
+              </a:ext>
+            </a:extLst>
+          </p:cNvPr>
+          <p:cNvSpPr/>
+          <p:nvPr/>
+        </p:nvSpPr>
+        <p:spPr>
+          <a:xfrm>
+            <a:off x="5394993" y="880240"/>
+            <a:ext cx="2813649" cy="914400"/>
+          </a:xfrm>
+          <a:prstGeom prst="diamond">
+            <a:avLst/>
+          </a:prstGeom>
+          <a:solidFill>
+            <a:schemeClr val="accent6">
+              <a:lumMod val="20000"/>
+              <a:lumOff val="80000"/>
+            </a:schemeClr>
+          </a:solidFill>
+          <a:ln>
+            <a:solidFill>
+              <a:schemeClr val="tx1"/>
+            </a:solidFill>
+          </a:ln>
+        </p:spPr>
+        <p:style>
+          <a:lnRef idx="2">
+            <a:schemeClr val="accent1">
+              <a:shade val="15000"/>
+            </a:schemeClr>
+          </a:lnRef>
+          <a:fillRef idx="1">
+            <a:schemeClr val="accent1"/>
+          </a:fillRef>
+          <a:effectRef idx="0">
+            <a:schemeClr val="accent1"/>
+          </a:effectRef>
+          <a:fontRef idx="minor">
+            <a:schemeClr val="lt1"/>
+          </a:fontRef>
+        </p:style>
+        <p:txBody>
+          <a:bodyPr rtlCol="0" anchor="ctr"/>
+          <a:lstStyle/>
+          <a:p>
+            <a:pPr algn="ctr"/>
+            <a:r>
+              <a:rPr lang="zh-CN" altLang="en-US" dirty="0">
+                <a:solidFill>
+                  <a:schemeClr val="tx1"/>
+                </a:solidFill>
+              </a:rPr>
+              <a:t>小队单位</a:t>
+            </a:r>
+            <a:r>
+              <a:rPr lang="en-US" altLang="zh-CN" dirty="0">
+                <a:solidFill>
+                  <a:schemeClr val="tx1"/>
+                </a:solidFill>
+              </a:rPr>
+              <a:t>A</a:t>
+            </a:r>
+            <a:r>
+              <a:rPr lang="zh-CN" altLang="en-US" dirty="0">
+                <a:solidFill>
+                  <a:schemeClr val="tx1"/>
+                </a:solidFill>
+              </a:rPr>
+              <a:t>存在</a:t>
+            </a:r>
+          </a:p>
+        </p:txBody>
+      </p:sp>
+      <p:sp>
+        <p:nvSpPr>
+          <p:cNvPr id="52" name="文本框 51">
+            <a:extLst>
+              <a:ext uri="{FF2B5EF4-FFF2-40B4-BE49-F238E27FC236}">
+                <a16:creationId xmlns:a16="http://schemas.microsoft.com/office/drawing/2014/main" id="{85E09914-69DA-E466-D12A-789F8200F365}"/>
+              </a:ext>
+            </a:extLst>
+          </p:cNvPr>
+          <p:cNvSpPr txBox="1"/>
+          <p:nvPr/>
+        </p:nvSpPr>
+        <p:spPr>
+          <a:xfrm>
+            <a:off x="9186469" y="1430140"/>
+            <a:ext cx="415498" cy="369332"/>
+          </a:xfrm>
+          <a:prstGeom prst="rect">
+            <a:avLst/>
+          </a:prstGeom>
+          <a:solidFill>
+            <a:schemeClr val="accent6">
+              <a:lumMod val="20000"/>
+              <a:lumOff val="80000"/>
+            </a:schemeClr>
+          </a:solidFill>
+        </p:spPr>
+        <p:txBody>
+          <a:bodyPr wrap="none" rtlCol="0">
+            <a:spAutoFit/>
+          </a:bodyPr>
+          <a:lstStyle/>
+          <a:p>
+            <a:r>
+              <a:rPr lang="zh-CN" altLang="en-US" dirty="0"/>
+              <a:t>否</a:t>
+            </a:r>
+          </a:p>
+        </p:txBody>
+      </p:sp>
+      <p:cxnSp>
+        <p:nvCxnSpPr>
+          <p:cNvPr id="56" name="连接符: 曲线 55">
+            <a:extLst>
+              <a:ext uri="{FF2B5EF4-FFF2-40B4-BE49-F238E27FC236}">
+                <a16:creationId xmlns:a16="http://schemas.microsoft.com/office/drawing/2014/main" id="{E73C1AE5-4B79-0AF3-87DA-7DB1782CB474}"/>
+              </a:ext>
+            </a:extLst>
+          </p:cNvPr>
+          <p:cNvCxnSpPr>
+            <a:cxnSpLocks/>
+            <a:stCxn id="34" idx="3"/>
+            <a:endCxn id="52" idx="1"/>
+          </p:cNvCxnSpPr>
+          <p:nvPr/>
+        </p:nvCxnSpPr>
+        <p:spPr>
+          <a:xfrm>
+            <a:off x="8208642" y="1337440"/>
+            <a:ext cx="977827" cy="277366"/>
+          </a:xfrm>
+          <a:prstGeom prst="curvedConnector3">
+            <a:avLst>
+              <a:gd name="adj1" fmla="val 50000"/>
+            </a:avLst>
+          </a:prstGeom>
+          <a:ln>
+            <a:solidFill>
+              <a:schemeClr val="tx1"/>
+            </a:solidFill>
+            <a:tailEnd type="triangle"/>
+          </a:ln>
+        </p:spPr>
+        <p:style>
+          <a:lnRef idx="2">
+            <a:schemeClr val="accent1"/>
+          </a:lnRef>
+          <a:fillRef idx="0">
+            <a:schemeClr val="accent1"/>
+          </a:fillRef>
+          <a:effectRef idx="1">
+            <a:schemeClr val="accent1"/>
+          </a:effectRef>
+          <a:fontRef idx="minor">
+            <a:schemeClr val="tx1"/>
+          </a:fontRef>
+        </p:style>
+      </p:cxnSp>
+      <p:sp>
+        <p:nvSpPr>
+          <p:cNvPr id="65" name="文本框 64">
+            <a:extLst>
+              <a:ext uri="{FF2B5EF4-FFF2-40B4-BE49-F238E27FC236}">
+                <a16:creationId xmlns:a16="http://schemas.microsoft.com/office/drawing/2014/main" id="{41A0628B-9B07-748B-0880-1DA4F79FB523}"/>
+              </a:ext>
+            </a:extLst>
+          </p:cNvPr>
+          <p:cNvSpPr txBox="1"/>
+          <p:nvPr/>
+        </p:nvSpPr>
+        <p:spPr>
+          <a:xfrm>
+            <a:off x="8697555" y="141051"/>
+            <a:ext cx="3004918" cy="923330"/>
+          </a:xfrm>
+          <a:prstGeom prst="rect">
+            <a:avLst/>
+          </a:prstGeom>
+          <a:noFill/>
+        </p:spPr>
+        <p:txBody>
+          <a:bodyPr wrap="square" rtlCol="0">
+            <a:spAutoFit/>
+          </a:bodyPr>
+          <a:lstStyle/>
+          <a:p>
+            <a:r>
+              <a:rPr lang="zh-CN" altLang="en-US" dirty="0"/>
+              <a:t>考虑复用伤害分担的遍历器（追踪单位）来统计当前弹仓是否已经满</a:t>
+            </a:r>
+          </a:p>
+        </p:txBody>
+      </p:sp>
+    </p:spTree>
+    <p:extLst>
+      <p:ext uri="{BB962C8B-B14F-4D97-AF65-F5344CB8AC3E}">
+        <p14:creationId xmlns:p14="http://schemas.microsoft.com/office/powerpoint/2010/main" val="2071770282"/>
+      </p:ext>
+    </p:extLst>
+  </p:cSld>
+  <p:clrMapOvr>
+    <a:masterClrMapping/>
+  </p:clrMapOvr>
+</p:sld>
+</file>
+
+<file path=ppt/slides/slide8.xml><?xml version="1.0" encoding="utf-8"?>
+<p:sld xmlns:a="http://schemas.openxmlformats.org/drawingml/2006/main" xmlns:r="http://schemas.openxmlformats.org/officeDocument/2006/relationships" xmlns:p="http://schemas.openxmlformats.org/presentationml/2006/main">
+  <p:cSld>
+    <p:spTree>
+      <p:nvGrpSpPr>
+        <p:cNvPr id="1" name=""/>
+        <p:cNvGrpSpPr/>
+        <p:nvPr/>
+      </p:nvGrpSpPr>
+      <p:grpSpPr>
+        <a:xfrm>
+          <a:off x="0" y="0"/>
+          <a:ext cx="0" cy="0"/>
+          <a:chOff x="0" y="0"/>
+          <a:chExt cx="0" cy="0"/>
+        </a:xfrm>
+      </p:grpSpPr>
+      <p:sp>
+        <p:nvSpPr>
+          <p:cNvPr id="65" name="文本框 64">
+            <a:extLst>
+              <a:ext uri="{FF2B5EF4-FFF2-40B4-BE49-F238E27FC236}">
+                <a16:creationId xmlns:a16="http://schemas.microsoft.com/office/drawing/2014/main" id="{41A0628B-9B07-748B-0880-1DA4F79FB523}"/>
+              </a:ext>
+            </a:extLst>
+          </p:cNvPr>
+          <p:cNvSpPr txBox="1"/>
+          <p:nvPr/>
+        </p:nvSpPr>
+        <p:spPr>
+          <a:xfrm>
+            <a:off x="6880493" y="67160"/>
+            <a:ext cx="5311507" cy="1477328"/>
+          </a:xfrm>
+          <a:prstGeom prst="rect">
+            <a:avLst/>
+          </a:prstGeom>
+          <a:noFill/>
+        </p:spPr>
+        <p:txBody>
+          <a:bodyPr wrap="square" rtlCol="0">
+            <a:spAutoFit/>
+          </a:bodyPr>
+          <a:lstStyle/>
+          <a:p>
+            <a:r>
+              <a:rPr lang="zh-CN" altLang="en-US" dirty="0"/>
+              <a:t>法球系统（伤害效果叠加）尝试实现一个增益链的效果</a:t>
+            </a:r>
+            <a:endParaRPr lang="en-US" altLang="zh-CN" dirty="0"/>
+          </a:p>
+          <a:p>
+            <a:r>
+              <a:rPr lang="zh-CN" altLang="en-US" dirty="0"/>
+              <a:t>例如：队员有火蝠，则伤害附加燃烧</a:t>
+            </a:r>
+            <a:r>
+              <a:rPr lang="en-US" altLang="zh-CN" dirty="0"/>
+              <a:t>DOT</a:t>
+            </a:r>
+            <a:r>
+              <a:rPr lang="zh-CN" altLang="en-US" dirty="0"/>
+              <a:t>，但如果同时有鬼兵，则燃烧</a:t>
+            </a:r>
+            <a:r>
+              <a:rPr lang="en-US" altLang="zh-CN" dirty="0"/>
+              <a:t>DOT</a:t>
+            </a:r>
+            <a:r>
+              <a:rPr lang="zh-CN" altLang="en-US" dirty="0"/>
+              <a:t>同时消耗对方护盾和能量</a:t>
+            </a:r>
+            <a:endParaRPr lang="en-US" altLang="zh-CN" dirty="0"/>
+          </a:p>
+          <a:p>
+            <a:r>
+              <a:rPr lang="zh-CN" altLang="en-US" dirty="0"/>
+              <a:t>为了链式效果，所有的响应只计算一次。</a:t>
+            </a:r>
+          </a:p>
+        </p:txBody>
+      </p:sp>
+      <p:sp>
+        <p:nvSpPr>
+          <p:cNvPr id="2" name="矩形 1">
+            <a:extLst>
+              <a:ext uri="{FF2B5EF4-FFF2-40B4-BE49-F238E27FC236}">
+                <a16:creationId xmlns:a16="http://schemas.microsoft.com/office/drawing/2014/main" id="{9392F082-ABF5-5651-452E-214FECF1DBAD}"/>
+              </a:ext>
+            </a:extLst>
+          </p:cNvPr>
+          <p:cNvSpPr/>
+          <p:nvPr/>
+        </p:nvSpPr>
+        <p:spPr>
+          <a:xfrm>
+            <a:off x="360504" y="1613750"/>
+            <a:ext cx="1283854" cy="563418"/>
+          </a:xfrm>
+          <a:prstGeom prst="rect">
+            <a:avLst/>
+          </a:prstGeom>
+          <a:solidFill>
+            <a:schemeClr val="accent6">
+              <a:lumMod val="20000"/>
+              <a:lumOff val="80000"/>
+            </a:schemeClr>
+          </a:solidFill>
+          <a:ln>
+            <a:solidFill>
+              <a:schemeClr val="tx1"/>
+            </a:solidFill>
+          </a:ln>
+        </p:spPr>
+        <p:style>
+          <a:lnRef idx="2">
+            <a:schemeClr val="accent1">
+              <a:shade val="15000"/>
+            </a:schemeClr>
+          </a:lnRef>
+          <a:fillRef idx="1">
+            <a:schemeClr val="accent1"/>
+          </a:fillRef>
+          <a:effectRef idx="0">
+            <a:schemeClr val="accent1"/>
+          </a:effectRef>
+          <a:fontRef idx="minor">
+            <a:schemeClr val="lt1"/>
+          </a:fontRef>
+        </p:style>
+        <p:txBody>
+          <a:bodyPr rtlCol="0" anchor="ctr"/>
+          <a:lstStyle/>
+          <a:p>
+            <a:pPr algn="ctr"/>
+            <a:r>
+              <a:rPr lang="zh-CN" altLang="en-US" dirty="0">
+                <a:solidFill>
+                  <a:schemeClr val="tx1"/>
+                </a:solidFill>
+              </a:rPr>
+              <a:t>弹仓载具</a:t>
+            </a:r>
+          </a:p>
+        </p:txBody>
+      </p:sp>
+      <p:cxnSp>
+        <p:nvCxnSpPr>
+          <p:cNvPr id="3" name="连接符: 曲线 2">
+            <a:extLst>
+              <a:ext uri="{FF2B5EF4-FFF2-40B4-BE49-F238E27FC236}">
+                <a16:creationId xmlns:a16="http://schemas.microsoft.com/office/drawing/2014/main" id="{D98F0989-27A6-EE42-FFCA-5BE89EA873EC}"/>
+              </a:ext>
+            </a:extLst>
+          </p:cNvPr>
+          <p:cNvCxnSpPr>
+            <a:cxnSpLocks/>
+            <a:stCxn id="7" idx="2"/>
+            <a:endCxn id="27" idx="0"/>
+          </p:cNvCxnSpPr>
+          <p:nvPr/>
+        </p:nvCxnSpPr>
+        <p:spPr>
+          <a:xfrm rot="5400000">
+            <a:off x="2700669" y="1307546"/>
+            <a:ext cx="1896128" cy="3325552"/>
+          </a:xfrm>
+          <a:prstGeom prst="curvedConnector3">
+            <a:avLst>
+              <a:gd name="adj1" fmla="val 50000"/>
+            </a:avLst>
+          </a:prstGeom>
+          <a:ln>
+            <a:solidFill>
+              <a:schemeClr val="tx1"/>
+            </a:solidFill>
+            <a:tailEnd type="triangle"/>
+          </a:ln>
+        </p:spPr>
+        <p:style>
+          <a:lnRef idx="2">
+            <a:schemeClr val="accent1"/>
+          </a:lnRef>
+          <a:fillRef idx="0">
+            <a:schemeClr val="accent1"/>
+          </a:fillRef>
+          <a:effectRef idx="1">
+            <a:schemeClr val="accent1"/>
+          </a:effectRef>
+          <a:fontRef idx="minor">
+            <a:schemeClr val="tx1"/>
+          </a:fontRef>
+        </p:style>
+      </p:cxnSp>
+      <p:sp>
+        <p:nvSpPr>
+          <p:cNvPr id="5" name="矩形: 圆角 4">
+            <a:extLst>
+              <a:ext uri="{FF2B5EF4-FFF2-40B4-BE49-F238E27FC236}">
+                <a16:creationId xmlns:a16="http://schemas.microsoft.com/office/drawing/2014/main" id="{E904B59B-70E4-7AD7-3E5B-374950FE231B}"/>
+              </a:ext>
+            </a:extLst>
+          </p:cNvPr>
+          <p:cNvSpPr/>
+          <p:nvPr/>
+        </p:nvSpPr>
+        <p:spPr>
+          <a:xfrm>
+            <a:off x="2678539" y="696393"/>
+            <a:ext cx="1477817" cy="563418"/>
+          </a:xfrm>
+          <a:prstGeom prst="roundRect">
+            <a:avLst/>
+          </a:prstGeom>
+          <a:solidFill>
+            <a:schemeClr val="accent6">
+              <a:lumMod val="20000"/>
+              <a:lumOff val="80000"/>
+            </a:schemeClr>
+          </a:solidFill>
+          <a:ln>
+            <a:solidFill>
+              <a:schemeClr val="tx1"/>
+            </a:solidFill>
+          </a:ln>
+        </p:spPr>
+        <p:style>
+          <a:lnRef idx="2">
+            <a:schemeClr val="accent1">
+              <a:shade val="15000"/>
+            </a:schemeClr>
+          </a:lnRef>
+          <a:fillRef idx="1">
+            <a:schemeClr val="accent1"/>
+          </a:fillRef>
+          <a:effectRef idx="0">
+            <a:schemeClr val="accent1"/>
+          </a:effectRef>
+          <a:fontRef idx="minor">
+            <a:schemeClr val="lt1"/>
+          </a:fontRef>
+        </p:style>
+        <p:txBody>
+          <a:bodyPr rtlCol="0" anchor="ctr"/>
+          <a:lstStyle/>
+          <a:p>
+            <a:pPr algn="ctr"/>
+            <a:r>
+              <a:rPr lang="zh-CN" altLang="en-US" dirty="0">
+                <a:solidFill>
+                  <a:schemeClr val="tx1"/>
+                </a:solidFill>
+              </a:rPr>
+              <a:t>周期性遍历（行为）</a:t>
+            </a:r>
+          </a:p>
+        </p:txBody>
+      </p:sp>
+      <p:cxnSp>
+        <p:nvCxnSpPr>
+          <p:cNvPr id="6" name="连接符: 曲线 5">
+            <a:extLst>
+              <a:ext uri="{FF2B5EF4-FFF2-40B4-BE49-F238E27FC236}">
+                <a16:creationId xmlns:a16="http://schemas.microsoft.com/office/drawing/2014/main" id="{8974AD44-E762-1B30-5CB2-92E3E3422E2A}"/>
+              </a:ext>
+            </a:extLst>
+          </p:cNvPr>
+          <p:cNvCxnSpPr>
+            <a:cxnSpLocks/>
+            <a:stCxn id="2" idx="3"/>
+            <a:endCxn id="5" idx="1"/>
+          </p:cNvCxnSpPr>
+          <p:nvPr/>
+        </p:nvCxnSpPr>
+        <p:spPr>
+          <a:xfrm flipV="1">
+            <a:off x="1644358" y="978102"/>
+            <a:ext cx="1034181" cy="917357"/>
+          </a:xfrm>
+          <a:prstGeom prst="curvedConnector3">
+            <a:avLst>
+              <a:gd name="adj1" fmla="val 50000"/>
+            </a:avLst>
+          </a:prstGeom>
+          <a:ln>
+            <a:solidFill>
+              <a:schemeClr val="tx1"/>
+            </a:solidFill>
+            <a:tailEnd type="triangle"/>
+          </a:ln>
+        </p:spPr>
+        <p:style>
+          <a:lnRef idx="2">
+            <a:schemeClr val="accent1"/>
+          </a:lnRef>
+          <a:fillRef idx="0">
+            <a:schemeClr val="accent1"/>
+          </a:fillRef>
+          <a:effectRef idx="1">
+            <a:schemeClr val="accent1"/>
+          </a:effectRef>
+          <a:fontRef idx="minor">
+            <a:schemeClr val="tx1"/>
+          </a:fontRef>
+        </p:style>
+      </p:cxnSp>
+      <p:sp>
+        <p:nvSpPr>
+          <p:cNvPr id="7" name="矩形: 圆角 6">
+            <a:extLst>
+              <a:ext uri="{FF2B5EF4-FFF2-40B4-BE49-F238E27FC236}">
+                <a16:creationId xmlns:a16="http://schemas.microsoft.com/office/drawing/2014/main" id="{44CA17B0-4B10-24C9-20F4-758525C83AC7}"/>
+              </a:ext>
+            </a:extLst>
+          </p:cNvPr>
+          <p:cNvSpPr/>
+          <p:nvPr/>
+        </p:nvSpPr>
+        <p:spPr>
+          <a:xfrm>
+            <a:off x="4572600" y="1458840"/>
+            <a:ext cx="1477817" cy="563418"/>
+          </a:xfrm>
+          <a:prstGeom prst="roundRect">
+            <a:avLst/>
+          </a:prstGeom>
+          <a:solidFill>
+            <a:schemeClr val="accent6">
+              <a:lumMod val="20000"/>
+              <a:lumOff val="80000"/>
+            </a:schemeClr>
+          </a:solidFill>
+          <a:ln>
+            <a:solidFill>
+              <a:schemeClr val="tx1"/>
+            </a:solidFill>
+          </a:ln>
+        </p:spPr>
+        <p:style>
+          <a:lnRef idx="2">
+            <a:schemeClr val="accent1">
+              <a:shade val="15000"/>
+            </a:schemeClr>
+          </a:lnRef>
+          <a:fillRef idx="1">
+            <a:schemeClr val="accent1"/>
+          </a:fillRef>
+          <a:effectRef idx="0">
+            <a:schemeClr val="accent1"/>
+          </a:effectRef>
+          <a:fontRef idx="minor">
+            <a:schemeClr val="lt1"/>
+          </a:fontRef>
+        </p:style>
+        <p:txBody>
+          <a:bodyPr rtlCol="0" anchor="ctr"/>
+          <a:lstStyle/>
+          <a:p>
+            <a:pPr algn="ctr"/>
+            <a:r>
+              <a:rPr lang="zh-CN" altLang="en-US" dirty="0">
+                <a:solidFill>
+                  <a:schemeClr val="tx1"/>
+                </a:solidFill>
+              </a:rPr>
+              <a:t>遍历弹仓（效果）</a:t>
+            </a:r>
+          </a:p>
+        </p:txBody>
+      </p:sp>
+      <p:cxnSp>
+        <p:nvCxnSpPr>
+          <p:cNvPr id="8" name="连接符: 曲线 7">
+            <a:extLst>
+              <a:ext uri="{FF2B5EF4-FFF2-40B4-BE49-F238E27FC236}">
+                <a16:creationId xmlns:a16="http://schemas.microsoft.com/office/drawing/2014/main" id="{F591CA91-C8AC-464D-C00F-8C09AA9EA68A}"/>
+              </a:ext>
+            </a:extLst>
+          </p:cNvPr>
+          <p:cNvCxnSpPr>
+            <a:cxnSpLocks/>
+            <a:stCxn id="5" idx="3"/>
+            <a:endCxn id="7" idx="1"/>
+          </p:cNvCxnSpPr>
+          <p:nvPr/>
+        </p:nvCxnSpPr>
+        <p:spPr>
+          <a:xfrm>
+            <a:off x="4156356" y="978102"/>
+            <a:ext cx="416244" cy="762447"/>
+          </a:xfrm>
+          <a:prstGeom prst="curvedConnector3">
+            <a:avLst>
+              <a:gd name="adj1" fmla="val 50000"/>
+            </a:avLst>
+          </a:prstGeom>
+          <a:ln>
+            <a:solidFill>
+              <a:schemeClr val="tx1"/>
+            </a:solidFill>
+            <a:tailEnd type="triangle"/>
+          </a:ln>
+        </p:spPr>
+        <p:style>
+          <a:lnRef idx="2">
+            <a:schemeClr val="accent1"/>
+          </a:lnRef>
+          <a:fillRef idx="0">
+            <a:schemeClr val="accent1"/>
+          </a:fillRef>
+          <a:effectRef idx="1">
+            <a:schemeClr val="accent1"/>
+          </a:effectRef>
+          <a:fontRef idx="minor">
+            <a:schemeClr val="tx1"/>
+          </a:fontRef>
+        </p:style>
+      </p:cxnSp>
+      <p:sp>
+        <p:nvSpPr>
+          <p:cNvPr id="11" name="菱形 10">
+            <a:extLst>
+              <a:ext uri="{FF2B5EF4-FFF2-40B4-BE49-F238E27FC236}">
+                <a16:creationId xmlns:a16="http://schemas.microsoft.com/office/drawing/2014/main" id="{D2584132-D92D-364A-0C82-F8ACBF704441}"/>
+              </a:ext>
+            </a:extLst>
+          </p:cNvPr>
+          <p:cNvSpPr/>
+          <p:nvPr/>
+        </p:nvSpPr>
+        <p:spPr>
+          <a:xfrm>
+            <a:off x="3758835" y="3047776"/>
+            <a:ext cx="2502812" cy="762447"/>
+          </a:xfrm>
+          <a:prstGeom prst="diamond">
+            <a:avLst/>
+          </a:prstGeom>
+          <a:solidFill>
+            <a:schemeClr val="accent6">
+              <a:lumMod val="20000"/>
+              <a:lumOff val="80000"/>
+            </a:schemeClr>
+          </a:solidFill>
+          <a:ln>
+            <a:solidFill>
+              <a:schemeClr val="tx1"/>
+            </a:solidFill>
+          </a:ln>
+        </p:spPr>
+        <p:style>
+          <a:lnRef idx="2">
+            <a:schemeClr val="accent1">
+              <a:shade val="15000"/>
+            </a:schemeClr>
+          </a:lnRef>
+          <a:fillRef idx="1">
+            <a:schemeClr val="accent1"/>
+          </a:fillRef>
+          <a:effectRef idx="0">
+            <a:schemeClr val="accent1"/>
+          </a:effectRef>
+          <a:fontRef idx="minor">
+            <a:schemeClr val="lt1"/>
+          </a:fontRef>
+        </p:style>
+        <p:txBody>
+          <a:bodyPr rtlCol="0" anchor="ctr"/>
+          <a:lstStyle/>
+          <a:p>
+            <a:pPr algn="ctr"/>
+            <a:r>
+              <a:rPr lang="en-US" altLang="zh-CN" dirty="0">
+                <a:solidFill>
+                  <a:schemeClr val="tx1"/>
+                </a:solidFill>
+              </a:rPr>
+              <a:t>A</a:t>
+            </a:r>
+            <a:r>
+              <a:rPr lang="zh-CN" altLang="en-US" dirty="0">
+                <a:solidFill>
+                  <a:schemeClr val="tx1"/>
+                </a:solidFill>
+              </a:rPr>
+              <a:t>单位验证</a:t>
+            </a:r>
+          </a:p>
+        </p:txBody>
+      </p:sp>
+      <p:sp>
+        <p:nvSpPr>
+          <p:cNvPr id="27" name="矩形: 圆角 26">
+            <a:extLst>
+              <a:ext uri="{FF2B5EF4-FFF2-40B4-BE49-F238E27FC236}">
+                <a16:creationId xmlns:a16="http://schemas.microsoft.com/office/drawing/2014/main" id="{4B3E69C6-8137-DF04-2846-40FDE65CBC39}"/>
+              </a:ext>
+            </a:extLst>
+          </p:cNvPr>
+          <p:cNvSpPr/>
+          <p:nvPr/>
+        </p:nvSpPr>
+        <p:spPr>
+          <a:xfrm>
+            <a:off x="933311" y="3918386"/>
+            <a:ext cx="2105291" cy="762447"/>
+          </a:xfrm>
+          <a:prstGeom prst="roundRect">
+            <a:avLst/>
+          </a:prstGeom>
+          <a:solidFill>
+            <a:srgbClr val="FFFF00"/>
+          </a:solidFill>
+          <a:ln>
+            <a:solidFill>
+              <a:schemeClr val="tx1"/>
+            </a:solidFill>
+          </a:ln>
+        </p:spPr>
+        <p:style>
+          <a:lnRef idx="2">
+            <a:schemeClr val="accent1">
+              <a:shade val="15000"/>
+            </a:schemeClr>
+          </a:lnRef>
+          <a:fillRef idx="1">
+            <a:schemeClr val="accent1"/>
+          </a:fillRef>
+          <a:effectRef idx="0">
+            <a:schemeClr val="accent1"/>
+          </a:effectRef>
+          <a:fontRef idx="minor">
+            <a:schemeClr val="lt1"/>
+          </a:fontRef>
+        </p:style>
+        <p:txBody>
+          <a:bodyPr rtlCol="0" anchor="ctr"/>
+          <a:lstStyle/>
+          <a:p>
+            <a:pPr algn="ctr"/>
+            <a:r>
+              <a:rPr lang="zh-CN" altLang="en-US" dirty="0">
+                <a:solidFill>
+                  <a:schemeClr val="tx1"/>
+                </a:solidFill>
+              </a:rPr>
+              <a:t>伤害响应效果集合（效果）</a:t>
+            </a:r>
+          </a:p>
+        </p:txBody>
+      </p:sp>
+      <p:sp>
+        <p:nvSpPr>
+          <p:cNvPr id="32" name="菱形 31">
+            <a:extLst>
+              <a:ext uri="{FF2B5EF4-FFF2-40B4-BE49-F238E27FC236}">
+                <a16:creationId xmlns:a16="http://schemas.microsoft.com/office/drawing/2014/main" id="{B70AE386-DA0C-F881-C62E-F63C57DF1044}"/>
+              </a:ext>
+            </a:extLst>
+          </p:cNvPr>
+          <p:cNvSpPr/>
+          <p:nvPr/>
+        </p:nvSpPr>
+        <p:spPr>
+          <a:xfrm>
+            <a:off x="3758835" y="3982983"/>
+            <a:ext cx="2502812" cy="762447"/>
+          </a:xfrm>
+          <a:prstGeom prst="diamond">
+            <a:avLst/>
+          </a:prstGeom>
+          <a:solidFill>
+            <a:schemeClr val="accent6">
+              <a:lumMod val="20000"/>
+              <a:lumOff val="80000"/>
+            </a:schemeClr>
+          </a:solidFill>
+          <a:ln>
+            <a:solidFill>
+              <a:schemeClr val="tx1"/>
+            </a:solidFill>
+          </a:ln>
+        </p:spPr>
+        <p:style>
+          <a:lnRef idx="2">
+            <a:schemeClr val="accent1">
+              <a:shade val="15000"/>
+            </a:schemeClr>
+          </a:lnRef>
+          <a:fillRef idx="1">
+            <a:schemeClr val="accent1"/>
+          </a:fillRef>
+          <a:effectRef idx="0">
+            <a:schemeClr val="accent1"/>
+          </a:effectRef>
+          <a:fontRef idx="minor">
+            <a:schemeClr val="lt1"/>
+          </a:fontRef>
+        </p:style>
+        <p:txBody>
+          <a:bodyPr rtlCol="0" anchor="ctr"/>
+          <a:lstStyle/>
+          <a:p>
+            <a:pPr algn="ctr"/>
+            <a:r>
+              <a:rPr lang="en-US" altLang="zh-CN" dirty="0">
+                <a:solidFill>
+                  <a:schemeClr val="tx1"/>
+                </a:solidFill>
+              </a:rPr>
+              <a:t>B</a:t>
+            </a:r>
+            <a:r>
+              <a:rPr lang="zh-CN" altLang="en-US" dirty="0">
+                <a:solidFill>
+                  <a:schemeClr val="tx1"/>
+                </a:solidFill>
+              </a:rPr>
+              <a:t>单位验证</a:t>
+            </a:r>
+          </a:p>
+        </p:txBody>
+      </p:sp>
+      <p:sp>
+        <p:nvSpPr>
+          <p:cNvPr id="33" name="菱形 32">
+            <a:extLst>
+              <a:ext uri="{FF2B5EF4-FFF2-40B4-BE49-F238E27FC236}">
+                <a16:creationId xmlns:a16="http://schemas.microsoft.com/office/drawing/2014/main" id="{2BCB69BE-93AE-C354-9264-84DF9CF0AA9B}"/>
+              </a:ext>
+            </a:extLst>
+          </p:cNvPr>
+          <p:cNvSpPr/>
+          <p:nvPr/>
+        </p:nvSpPr>
+        <p:spPr>
+          <a:xfrm>
+            <a:off x="3758835" y="5017936"/>
+            <a:ext cx="2502812" cy="762447"/>
+          </a:xfrm>
+          <a:prstGeom prst="diamond">
+            <a:avLst/>
+          </a:prstGeom>
+          <a:solidFill>
+            <a:schemeClr val="accent6">
+              <a:lumMod val="20000"/>
+              <a:lumOff val="80000"/>
+            </a:schemeClr>
+          </a:solidFill>
+          <a:ln>
+            <a:solidFill>
+              <a:schemeClr val="tx1"/>
+            </a:solidFill>
+          </a:ln>
+        </p:spPr>
+        <p:style>
+          <a:lnRef idx="2">
+            <a:schemeClr val="accent1">
+              <a:shade val="15000"/>
+            </a:schemeClr>
+          </a:lnRef>
+          <a:fillRef idx="1">
+            <a:schemeClr val="accent1"/>
+          </a:fillRef>
+          <a:effectRef idx="0">
+            <a:schemeClr val="accent1"/>
+          </a:effectRef>
+          <a:fontRef idx="minor">
+            <a:schemeClr val="lt1"/>
+          </a:fontRef>
+        </p:style>
+        <p:txBody>
+          <a:bodyPr rtlCol="0" anchor="ctr"/>
+          <a:lstStyle/>
+          <a:p>
+            <a:pPr algn="ctr"/>
+            <a:r>
+              <a:rPr lang="en-US" altLang="zh-CN" dirty="0">
+                <a:solidFill>
+                  <a:schemeClr val="tx1"/>
+                </a:solidFill>
+              </a:rPr>
+              <a:t>C</a:t>
+            </a:r>
+            <a:r>
+              <a:rPr lang="zh-CN" altLang="en-US" dirty="0">
+                <a:solidFill>
+                  <a:schemeClr val="tx1"/>
+                </a:solidFill>
+              </a:rPr>
+              <a:t>单位验证</a:t>
+            </a:r>
+          </a:p>
+        </p:txBody>
+      </p:sp>
+      <p:sp>
+        <p:nvSpPr>
+          <p:cNvPr id="37" name="矩形: 圆角 36">
+            <a:extLst>
+              <a:ext uri="{FF2B5EF4-FFF2-40B4-BE49-F238E27FC236}">
+                <a16:creationId xmlns:a16="http://schemas.microsoft.com/office/drawing/2014/main" id="{F5C71D59-F1ED-B594-330A-A63B93D9A712}"/>
+              </a:ext>
+            </a:extLst>
+          </p:cNvPr>
+          <p:cNvSpPr/>
+          <p:nvPr/>
+        </p:nvSpPr>
+        <p:spPr>
+          <a:xfrm>
+            <a:off x="7708184" y="2912843"/>
+            <a:ext cx="2105291" cy="762447"/>
+          </a:xfrm>
+          <a:prstGeom prst="roundRect">
+            <a:avLst/>
+          </a:prstGeom>
+          <a:solidFill>
+            <a:srgbClr val="FFFF00"/>
+          </a:solidFill>
+          <a:ln>
+            <a:solidFill>
+              <a:schemeClr val="tx1"/>
+            </a:solidFill>
+          </a:ln>
+        </p:spPr>
+        <p:style>
+          <a:lnRef idx="2">
+            <a:schemeClr val="accent1">
+              <a:shade val="15000"/>
+            </a:schemeClr>
+          </a:lnRef>
+          <a:fillRef idx="1">
+            <a:schemeClr val="accent1"/>
+          </a:fillRef>
+          <a:effectRef idx="0">
+            <a:schemeClr val="accent1"/>
+          </a:effectRef>
+          <a:fontRef idx="minor">
+            <a:schemeClr val="lt1"/>
+          </a:fontRef>
+        </p:style>
+        <p:txBody>
+          <a:bodyPr rtlCol="0" anchor="ctr"/>
+          <a:lstStyle/>
+          <a:p>
+            <a:pPr algn="ctr"/>
+            <a:r>
+              <a:rPr lang="zh-CN" altLang="en-US" dirty="0">
+                <a:solidFill>
+                  <a:schemeClr val="tx1"/>
+                </a:solidFill>
+              </a:rPr>
+              <a:t>伤害响应效果集合（效果）</a:t>
+            </a:r>
+          </a:p>
+        </p:txBody>
+      </p:sp>
+      <p:cxnSp>
+        <p:nvCxnSpPr>
+          <p:cNvPr id="38" name="连接符: 曲线 37">
+            <a:extLst>
+              <a:ext uri="{FF2B5EF4-FFF2-40B4-BE49-F238E27FC236}">
+                <a16:creationId xmlns:a16="http://schemas.microsoft.com/office/drawing/2014/main" id="{2D2184C2-00E8-D356-300D-40DE382C96A0}"/>
+              </a:ext>
+            </a:extLst>
+          </p:cNvPr>
+          <p:cNvCxnSpPr>
+            <a:cxnSpLocks/>
+            <a:stCxn id="11" idx="3"/>
+            <a:endCxn id="37" idx="1"/>
+          </p:cNvCxnSpPr>
+          <p:nvPr/>
+        </p:nvCxnSpPr>
+        <p:spPr>
+          <a:xfrm flipV="1">
+            <a:off x="6261647" y="3294067"/>
+            <a:ext cx="1446537" cy="134933"/>
+          </a:xfrm>
+          <a:prstGeom prst="curvedConnector3">
+            <a:avLst>
+              <a:gd name="adj1" fmla="val 50000"/>
+            </a:avLst>
+          </a:prstGeom>
+          <a:ln>
+            <a:solidFill>
+              <a:schemeClr val="tx1"/>
+            </a:solidFill>
+            <a:tailEnd type="triangle"/>
+          </a:ln>
+        </p:spPr>
+        <p:style>
+          <a:lnRef idx="2">
+            <a:schemeClr val="accent1"/>
+          </a:lnRef>
+          <a:fillRef idx="0">
+            <a:schemeClr val="accent1"/>
+          </a:fillRef>
+          <a:effectRef idx="1">
+            <a:schemeClr val="accent1"/>
+          </a:effectRef>
+          <a:fontRef idx="minor">
+            <a:schemeClr val="tx1"/>
+          </a:fontRef>
+        </p:style>
+      </p:cxnSp>
+      <p:cxnSp>
+        <p:nvCxnSpPr>
+          <p:cNvPr id="42" name="连接符: 曲线 41">
+            <a:extLst>
+              <a:ext uri="{FF2B5EF4-FFF2-40B4-BE49-F238E27FC236}">
+                <a16:creationId xmlns:a16="http://schemas.microsoft.com/office/drawing/2014/main" id="{E09C0066-AD81-A344-C3AE-49C871E94B79}"/>
+              </a:ext>
+            </a:extLst>
+          </p:cNvPr>
+          <p:cNvCxnSpPr>
+            <a:cxnSpLocks/>
+            <a:stCxn id="27" idx="3"/>
+            <a:endCxn id="11" idx="1"/>
+          </p:cNvCxnSpPr>
+          <p:nvPr/>
+        </p:nvCxnSpPr>
+        <p:spPr>
+          <a:xfrm flipV="1">
+            <a:off x="3038602" y="3429000"/>
+            <a:ext cx="720233" cy="870610"/>
+          </a:xfrm>
+          <a:prstGeom prst="curvedConnector3">
+            <a:avLst>
+              <a:gd name="adj1" fmla="val 50000"/>
+            </a:avLst>
+          </a:prstGeom>
+          <a:ln>
+            <a:solidFill>
+              <a:schemeClr val="tx1"/>
+            </a:solidFill>
+            <a:tailEnd type="triangle"/>
+          </a:ln>
+        </p:spPr>
+        <p:style>
+          <a:lnRef idx="2">
+            <a:schemeClr val="accent1"/>
+          </a:lnRef>
+          <a:fillRef idx="0">
+            <a:schemeClr val="accent1"/>
+          </a:fillRef>
+          <a:effectRef idx="1">
+            <a:schemeClr val="accent1"/>
+          </a:effectRef>
+          <a:fontRef idx="minor">
+            <a:schemeClr val="tx1"/>
+          </a:fontRef>
+        </p:style>
+      </p:cxnSp>
+      <p:cxnSp>
+        <p:nvCxnSpPr>
+          <p:cNvPr id="45" name="连接符: 曲线 44">
+            <a:extLst>
+              <a:ext uri="{FF2B5EF4-FFF2-40B4-BE49-F238E27FC236}">
+                <a16:creationId xmlns:a16="http://schemas.microsoft.com/office/drawing/2014/main" id="{D47B876B-3001-B53B-0D91-09150C3680D4}"/>
+              </a:ext>
+            </a:extLst>
+          </p:cNvPr>
+          <p:cNvCxnSpPr>
+            <a:cxnSpLocks/>
+            <a:stCxn id="27" idx="3"/>
+            <a:endCxn id="33" idx="1"/>
+          </p:cNvCxnSpPr>
+          <p:nvPr/>
+        </p:nvCxnSpPr>
+        <p:spPr>
+          <a:xfrm>
+            <a:off x="3038602" y="4299610"/>
+            <a:ext cx="720233" cy="1099550"/>
+          </a:xfrm>
+          <a:prstGeom prst="curvedConnector3">
+            <a:avLst>
+              <a:gd name="adj1" fmla="val 50000"/>
+            </a:avLst>
+          </a:prstGeom>
+          <a:ln>
+            <a:solidFill>
+              <a:schemeClr val="tx1"/>
+            </a:solidFill>
+            <a:tailEnd type="triangle"/>
+          </a:ln>
+        </p:spPr>
+        <p:style>
+          <a:lnRef idx="2">
+            <a:schemeClr val="accent1"/>
+          </a:lnRef>
+          <a:fillRef idx="0">
+            <a:schemeClr val="accent1"/>
+          </a:fillRef>
+          <a:effectRef idx="1">
+            <a:schemeClr val="accent1"/>
+          </a:effectRef>
+          <a:fontRef idx="minor">
+            <a:schemeClr val="tx1"/>
+          </a:fontRef>
+        </p:style>
+      </p:cxnSp>
+      <p:cxnSp>
+        <p:nvCxnSpPr>
+          <p:cNvPr id="50" name="连接符: 曲线 49">
+            <a:extLst>
+              <a:ext uri="{FF2B5EF4-FFF2-40B4-BE49-F238E27FC236}">
+                <a16:creationId xmlns:a16="http://schemas.microsoft.com/office/drawing/2014/main" id="{BA6CCB01-4122-8948-604D-7FC07D0052AA}"/>
+              </a:ext>
+            </a:extLst>
+          </p:cNvPr>
+          <p:cNvCxnSpPr>
+            <a:cxnSpLocks/>
+            <a:stCxn id="27" idx="3"/>
+            <a:endCxn id="32" idx="1"/>
+          </p:cNvCxnSpPr>
+          <p:nvPr/>
+        </p:nvCxnSpPr>
+        <p:spPr>
+          <a:xfrm>
+            <a:off x="3038602" y="4299610"/>
+            <a:ext cx="720233" cy="64597"/>
+          </a:xfrm>
+          <a:prstGeom prst="curvedConnector3">
+            <a:avLst>
+              <a:gd name="adj1" fmla="val 50000"/>
+            </a:avLst>
+          </a:prstGeom>
+          <a:ln>
+            <a:solidFill>
+              <a:schemeClr val="tx1"/>
+            </a:solidFill>
+            <a:tailEnd type="triangle"/>
+          </a:ln>
+        </p:spPr>
+        <p:style>
+          <a:lnRef idx="2">
+            <a:schemeClr val="accent1"/>
+          </a:lnRef>
+          <a:fillRef idx="0">
+            <a:schemeClr val="accent1"/>
+          </a:fillRef>
+          <a:effectRef idx="1">
+            <a:schemeClr val="accent1"/>
+          </a:effectRef>
+          <a:fontRef idx="minor">
+            <a:schemeClr val="tx1"/>
+          </a:fontRef>
+        </p:style>
+      </p:cxnSp>
+      <p:sp>
+        <p:nvSpPr>
+          <p:cNvPr id="60" name="矩形: 圆角 59">
+            <a:extLst>
+              <a:ext uri="{FF2B5EF4-FFF2-40B4-BE49-F238E27FC236}">
+                <a16:creationId xmlns:a16="http://schemas.microsoft.com/office/drawing/2014/main" id="{C765CBA9-95FC-F2B0-BA5F-2E79CA021862}"/>
+              </a:ext>
+            </a:extLst>
+          </p:cNvPr>
+          <p:cNvSpPr/>
+          <p:nvPr/>
+        </p:nvSpPr>
+        <p:spPr>
+          <a:xfrm>
+            <a:off x="7605676" y="3918386"/>
+            <a:ext cx="2105291" cy="762447"/>
+          </a:xfrm>
+          <a:prstGeom prst="roundRect">
+            <a:avLst/>
+          </a:prstGeom>
+          <a:solidFill>
+            <a:srgbClr val="FFFF00"/>
+          </a:solidFill>
+          <a:ln>
+            <a:solidFill>
+              <a:schemeClr val="tx1"/>
+            </a:solidFill>
+          </a:ln>
+        </p:spPr>
+        <p:style>
+          <a:lnRef idx="2">
+            <a:schemeClr val="accent1">
+              <a:shade val="15000"/>
+            </a:schemeClr>
+          </a:lnRef>
+          <a:fillRef idx="1">
+            <a:schemeClr val="accent1"/>
+          </a:fillRef>
+          <a:effectRef idx="0">
+            <a:schemeClr val="accent1"/>
+          </a:effectRef>
+          <a:fontRef idx="minor">
+            <a:schemeClr val="lt1"/>
+          </a:fontRef>
+        </p:style>
+        <p:txBody>
+          <a:bodyPr rtlCol="0" anchor="ctr"/>
+          <a:lstStyle/>
+          <a:p>
+            <a:pPr algn="ctr"/>
+            <a:r>
+              <a:rPr lang="zh-CN" altLang="en-US" dirty="0">
+                <a:solidFill>
+                  <a:schemeClr val="tx1"/>
+                </a:solidFill>
+              </a:rPr>
+              <a:t>伤害响应效果集合（效果）</a:t>
+            </a:r>
+          </a:p>
+        </p:txBody>
+      </p:sp>
+      <p:cxnSp>
+        <p:nvCxnSpPr>
+          <p:cNvPr id="61" name="连接符: 曲线 60">
+            <a:extLst>
+              <a:ext uri="{FF2B5EF4-FFF2-40B4-BE49-F238E27FC236}">
+                <a16:creationId xmlns:a16="http://schemas.microsoft.com/office/drawing/2014/main" id="{3705389B-0420-6452-F4A8-C28976F9A9CA}"/>
+              </a:ext>
+            </a:extLst>
+          </p:cNvPr>
+          <p:cNvCxnSpPr>
+            <a:cxnSpLocks/>
+            <a:stCxn id="32" idx="3"/>
+            <a:endCxn id="60" idx="1"/>
+          </p:cNvCxnSpPr>
+          <p:nvPr/>
+        </p:nvCxnSpPr>
+        <p:spPr>
+          <a:xfrm flipV="1">
+            <a:off x="6261647" y="4299610"/>
+            <a:ext cx="1344029" cy="64597"/>
+          </a:xfrm>
+          <a:prstGeom prst="curvedConnector3">
+            <a:avLst>
+              <a:gd name="adj1" fmla="val 50000"/>
+            </a:avLst>
+          </a:prstGeom>
+          <a:ln>
+            <a:solidFill>
+              <a:schemeClr val="tx1"/>
+            </a:solidFill>
+            <a:tailEnd type="triangle"/>
+          </a:ln>
+        </p:spPr>
+        <p:style>
+          <a:lnRef idx="2">
+            <a:schemeClr val="accent1"/>
+          </a:lnRef>
+          <a:fillRef idx="0">
+            <a:schemeClr val="accent1"/>
+          </a:fillRef>
+          <a:effectRef idx="1">
+            <a:schemeClr val="accent1"/>
+          </a:effectRef>
+          <a:fontRef idx="minor">
+            <a:schemeClr val="tx1"/>
+          </a:fontRef>
+        </p:style>
+      </p:cxnSp>
+      <p:cxnSp>
+        <p:nvCxnSpPr>
+          <p:cNvPr id="64" name="连接符: 曲线 63">
+            <a:extLst>
+              <a:ext uri="{FF2B5EF4-FFF2-40B4-BE49-F238E27FC236}">
+                <a16:creationId xmlns:a16="http://schemas.microsoft.com/office/drawing/2014/main" id="{3A715923-997E-7C38-24E3-195A4355EC89}"/>
+              </a:ext>
+            </a:extLst>
+          </p:cNvPr>
+          <p:cNvCxnSpPr>
+            <a:cxnSpLocks/>
+            <a:stCxn id="33" idx="3"/>
+            <a:endCxn id="68" idx="1"/>
+          </p:cNvCxnSpPr>
+          <p:nvPr/>
+        </p:nvCxnSpPr>
+        <p:spPr>
+          <a:xfrm>
+            <a:off x="6261647" y="5399160"/>
+            <a:ext cx="1344029" cy="152283"/>
+          </a:xfrm>
+          <a:prstGeom prst="curvedConnector3">
+            <a:avLst>
+              <a:gd name="adj1" fmla="val 50000"/>
+            </a:avLst>
+          </a:prstGeom>
+          <a:ln>
+            <a:solidFill>
+              <a:schemeClr val="tx1"/>
+            </a:solidFill>
+            <a:tailEnd type="triangle"/>
+          </a:ln>
+        </p:spPr>
+        <p:style>
+          <a:lnRef idx="2">
+            <a:schemeClr val="accent1"/>
+          </a:lnRef>
+          <a:fillRef idx="0">
+            <a:schemeClr val="accent1"/>
+          </a:fillRef>
+          <a:effectRef idx="1">
+            <a:schemeClr val="accent1"/>
+          </a:effectRef>
+          <a:fontRef idx="minor">
+            <a:schemeClr val="tx1"/>
+          </a:fontRef>
+        </p:style>
+      </p:cxnSp>
+      <p:sp>
+        <p:nvSpPr>
+          <p:cNvPr id="68" name="矩形: 圆角 67">
+            <a:extLst>
+              <a:ext uri="{FF2B5EF4-FFF2-40B4-BE49-F238E27FC236}">
+                <a16:creationId xmlns:a16="http://schemas.microsoft.com/office/drawing/2014/main" id="{3E6B9FA3-5C1E-14AF-D19B-C94460B0EF3B}"/>
+              </a:ext>
+            </a:extLst>
+          </p:cNvPr>
+          <p:cNvSpPr/>
+          <p:nvPr/>
+        </p:nvSpPr>
+        <p:spPr>
+          <a:xfrm>
+            <a:off x="7605676" y="5170219"/>
+            <a:ext cx="2105291" cy="762447"/>
+          </a:xfrm>
+          <a:prstGeom prst="roundRect">
+            <a:avLst/>
+          </a:prstGeom>
+          <a:solidFill>
+            <a:srgbClr val="FFFF00"/>
+          </a:solidFill>
+          <a:ln>
+            <a:solidFill>
+              <a:schemeClr val="tx1"/>
+            </a:solidFill>
+          </a:ln>
+        </p:spPr>
+        <p:style>
+          <a:lnRef idx="2">
+            <a:schemeClr val="accent1">
+              <a:shade val="15000"/>
+            </a:schemeClr>
+          </a:lnRef>
+          <a:fillRef idx="1">
+            <a:schemeClr val="accent1"/>
+          </a:fillRef>
+          <a:effectRef idx="0">
+            <a:schemeClr val="accent1"/>
+          </a:effectRef>
+          <a:fontRef idx="minor">
+            <a:schemeClr val="lt1"/>
+          </a:fontRef>
+        </p:style>
+        <p:txBody>
+          <a:bodyPr rtlCol="0" anchor="ctr"/>
+          <a:lstStyle/>
+          <a:p>
+            <a:pPr algn="ctr"/>
+            <a:r>
+              <a:rPr lang="zh-CN" altLang="en-US" dirty="0">
+                <a:solidFill>
+                  <a:schemeClr val="tx1"/>
+                </a:solidFill>
+              </a:rPr>
+              <a:t>伤害响应效果集合（效果）</a:t>
+            </a:r>
+          </a:p>
+        </p:txBody>
+      </p:sp>
+    </p:spTree>
+    <p:extLst>
+      <p:ext uri="{BB962C8B-B14F-4D97-AF65-F5344CB8AC3E}">
+        <p14:creationId xmlns:p14="http://schemas.microsoft.com/office/powerpoint/2010/main" val="2567941230"/>
       </p:ext>
     </p:extLst>
   </p:cSld>

--- a/图.pptx
+++ b/图.pptx
@@ -13,6 +13,7 @@
     <p:sldId id="262" r:id="rId7"/>
     <p:sldId id="263" r:id="rId8"/>
     <p:sldId id="264" r:id="rId9"/>
+    <p:sldId id="265" r:id="rId10"/>
   </p:sldIdLst>
   <p:sldSz cx="12192000" cy="6858000"/>
   <p:notesSz cx="6858000" cy="9144000"/>
@@ -266,7 +267,7 @@
           <a:p>
             <a:fld id="{AD6044C5-84D1-4A21-B234-807FD534B005}" type="datetimeFigureOut">
               <a:rPr lang="zh-CN" altLang="en-US" smtClean="0"/>
-              <a:t>2025/9/17</a:t>
+              <a:t>2025/9/27</a:t>
             </a:fld>
             <a:endParaRPr lang="zh-CN" altLang="en-US"/>
           </a:p>
@@ -464,7 +465,7 @@
           <a:p>
             <a:fld id="{AD6044C5-84D1-4A21-B234-807FD534B005}" type="datetimeFigureOut">
               <a:rPr lang="zh-CN" altLang="en-US" smtClean="0"/>
-              <a:t>2025/9/17</a:t>
+              <a:t>2025/9/27</a:t>
             </a:fld>
             <a:endParaRPr lang="zh-CN" altLang="en-US"/>
           </a:p>
@@ -672,7 +673,7 @@
           <a:p>
             <a:fld id="{AD6044C5-84D1-4A21-B234-807FD534B005}" type="datetimeFigureOut">
               <a:rPr lang="zh-CN" altLang="en-US" smtClean="0"/>
-              <a:t>2025/9/17</a:t>
+              <a:t>2025/9/27</a:t>
             </a:fld>
             <a:endParaRPr lang="zh-CN" altLang="en-US"/>
           </a:p>
@@ -870,7 +871,7 @@
           <a:p>
             <a:fld id="{AD6044C5-84D1-4A21-B234-807FD534B005}" type="datetimeFigureOut">
               <a:rPr lang="zh-CN" altLang="en-US" smtClean="0"/>
-              <a:t>2025/9/17</a:t>
+              <a:t>2025/9/27</a:t>
             </a:fld>
             <a:endParaRPr lang="zh-CN" altLang="en-US"/>
           </a:p>
@@ -1145,7 +1146,7 @@
           <a:p>
             <a:fld id="{AD6044C5-84D1-4A21-B234-807FD534B005}" type="datetimeFigureOut">
               <a:rPr lang="zh-CN" altLang="en-US" smtClean="0"/>
-              <a:t>2025/9/17</a:t>
+              <a:t>2025/9/27</a:t>
             </a:fld>
             <a:endParaRPr lang="zh-CN" altLang="en-US"/>
           </a:p>
@@ -1410,7 +1411,7 @@
           <a:p>
             <a:fld id="{AD6044C5-84D1-4A21-B234-807FD534B005}" type="datetimeFigureOut">
               <a:rPr lang="zh-CN" altLang="en-US" smtClean="0"/>
-              <a:t>2025/9/17</a:t>
+              <a:t>2025/9/27</a:t>
             </a:fld>
             <a:endParaRPr lang="zh-CN" altLang="en-US"/>
           </a:p>
@@ -1822,7 +1823,7 @@
           <a:p>
             <a:fld id="{AD6044C5-84D1-4A21-B234-807FD534B005}" type="datetimeFigureOut">
               <a:rPr lang="zh-CN" altLang="en-US" smtClean="0"/>
-              <a:t>2025/9/17</a:t>
+              <a:t>2025/9/27</a:t>
             </a:fld>
             <a:endParaRPr lang="zh-CN" altLang="en-US"/>
           </a:p>
@@ -1963,7 +1964,7 @@
           <a:p>
             <a:fld id="{AD6044C5-84D1-4A21-B234-807FD534B005}" type="datetimeFigureOut">
               <a:rPr lang="zh-CN" altLang="en-US" smtClean="0"/>
-              <a:t>2025/9/17</a:t>
+              <a:t>2025/9/27</a:t>
             </a:fld>
             <a:endParaRPr lang="zh-CN" altLang="en-US"/>
           </a:p>
@@ -2076,7 +2077,7 @@
           <a:p>
             <a:fld id="{AD6044C5-84D1-4A21-B234-807FD534B005}" type="datetimeFigureOut">
               <a:rPr lang="zh-CN" altLang="en-US" smtClean="0"/>
-              <a:t>2025/9/17</a:t>
+              <a:t>2025/9/27</a:t>
             </a:fld>
             <a:endParaRPr lang="zh-CN" altLang="en-US"/>
           </a:p>
@@ -2387,7 +2388,7 @@
           <a:p>
             <a:fld id="{AD6044C5-84D1-4A21-B234-807FD534B005}" type="datetimeFigureOut">
               <a:rPr lang="zh-CN" altLang="en-US" smtClean="0"/>
-              <a:t>2025/9/17</a:t>
+              <a:t>2025/9/27</a:t>
             </a:fld>
             <a:endParaRPr lang="zh-CN" altLang="en-US"/>
           </a:p>
@@ -2675,7 +2676,7 @@
           <a:p>
             <a:fld id="{AD6044C5-84D1-4A21-B234-807FD534B005}" type="datetimeFigureOut">
               <a:rPr lang="zh-CN" altLang="en-US" smtClean="0"/>
-              <a:t>2025/9/17</a:t>
+              <a:t>2025/9/27</a:t>
             </a:fld>
             <a:endParaRPr lang="zh-CN" altLang="en-US"/>
           </a:p>
@@ -2916,7 +2917,7 @@
           <a:p>
             <a:fld id="{AD6044C5-84D1-4A21-B234-807FD534B005}" type="datetimeFigureOut">
               <a:rPr lang="zh-CN" altLang="en-US" smtClean="0"/>
-              <a:t>2025/9/17</a:t>
+              <a:t>2025/9/27</a:t>
             </a:fld>
             <a:endParaRPr lang="zh-CN" altLang="en-US"/>
           </a:p>
@@ -10394,6 +10395,672 @@
     <p:extLst>
       <p:ext uri="{BB962C8B-B14F-4D97-AF65-F5344CB8AC3E}">
         <p14:creationId xmlns:p14="http://schemas.microsoft.com/office/powerpoint/2010/main" val="2567941230"/>
+      </p:ext>
+    </p:extLst>
+  </p:cSld>
+  <p:clrMapOvr>
+    <a:masterClrMapping/>
+  </p:clrMapOvr>
+</p:sld>
+</file>
+
+<file path=ppt/slides/slide9.xml><?xml version="1.0" encoding="utf-8"?>
+<p:sld xmlns:a="http://schemas.openxmlformats.org/drawingml/2006/main" xmlns:r="http://schemas.openxmlformats.org/officeDocument/2006/relationships" xmlns:p="http://schemas.openxmlformats.org/presentationml/2006/main">
+  <p:cSld>
+    <p:spTree>
+      <p:nvGrpSpPr>
+        <p:cNvPr id="1" name=""/>
+        <p:cNvGrpSpPr/>
+        <p:nvPr/>
+      </p:nvGrpSpPr>
+      <p:grpSpPr>
+        <a:xfrm>
+          <a:off x="0" y="0"/>
+          <a:ext cx="0" cy="0"/>
+          <a:chOff x="0" y="0"/>
+          <a:chExt cx="0" cy="0"/>
+        </a:xfrm>
+      </p:grpSpPr>
+      <p:sp>
+        <p:nvSpPr>
+          <p:cNvPr id="4" name="矩形 3">
+            <a:extLst>
+              <a:ext uri="{FF2B5EF4-FFF2-40B4-BE49-F238E27FC236}">
+                <a16:creationId xmlns:a16="http://schemas.microsoft.com/office/drawing/2014/main" id="{A3A5A571-7C16-0B76-9F5A-7CD72ED72DE4}"/>
+              </a:ext>
+            </a:extLst>
+          </p:cNvPr>
+          <p:cNvSpPr/>
+          <p:nvPr/>
+        </p:nvSpPr>
+        <p:spPr>
+          <a:xfrm>
+            <a:off x="279096" y="1686285"/>
+            <a:ext cx="1351194" cy="622805"/>
+          </a:xfrm>
+          <a:prstGeom prst="rect">
+            <a:avLst/>
+          </a:prstGeom>
+          <a:solidFill>
+            <a:schemeClr val="accent6">
+              <a:lumMod val="20000"/>
+              <a:lumOff val="80000"/>
+            </a:schemeClr>
+          </a:solidFill>
+          <a:ln>
+            <a:solidFill>
+              <a:schemeClr val="tx1"/>
+            </a:solidFill>
+          </a:ln>
+        </p:spPr>
+        <p:style>
+          <a:lnRef idx="2">
+            <a:schemeClr val="accent1">
+              <a:shade val="15000"/>
+            </a:schemeClr>
+          </a:lnRef>
+          <a:fillRef idx="1">
+            <a:schemeClr val="accent1"/>
+          </a:fillRef>
+          <a:effectRef idx="0">
+            <a:schemeClr val="accent1"/>
+          </a:effectRef>
+          <a:fontRef idx="minor">
+            <a:schemeClr val="lt1"/>
+          </a:fontRef>
+        </p:style>
+        <p:txBody>
+          <a:bodyPr rtlCol="0" anchor="ctr"/>
+          <a:lstStyle/>
+          <a:p>
+            <a:pPr algn="ctr"/>
+            <a:r>
+              <a:rPr lang="zh-CN" altLang="en-US" dirty="0">
+                <a:solidFill>
+                  <a:schemeClr val="tx1"/>
+                </a:solidFill>
+              </a:rPr>
+              <a:t>兴奋剂技能</a:t>
+            </a:r>
+          </a:p>
+        </p:txBody>
+      </p:sp>
+      <p:cxnSp>
+        <p:nvCxnSpPr>
+          <p:cNvPr id="41" name="连接符: 曲线 40">
+            <a:extLst>
+              <a:ext uri="{FF2B5EF4-FFF2-40B4-BE49-F238E27FC236}">
+                <a16:creationId xmlns:a16="http://schemas.microsoft.com/office/drawing/2014/main" id="{07F1AAAE-AAD1-2620-7520-B80EDD29E734}"/>
+              </a:ext>
+            </a:extLst>
+          </p:cNvPr>
+          <p:cNvCxnSpPr>
+            <a:cxnSpLocks/>
+            <a:stCxn id="17" idx="3"/>
+            <a:endCxn id="23" idx="2"/>
+          </p:cNvCxnSpPr>
+          <p:nvPr/>
+        </p:nvCxnSpPr>
+        <p:spPr>
+          <a:xfrm flipV="1">
+            <a:off x="5947836" y="1346090"/>
+            <a:ext cx="303109" cy="2774630"/>
+          </a:xfrm>
+          <a:prstGeom prst="curvedConnector2">
+            <a:avLst/>
+          </a:prstGeom>
+          <a:ln>
+            <a:solidFill>
+              <a:schemeClr val="tx1"/>
+            </a:solidFill>
+            <a:tailEnd type="triangle"/>
+          </a:ln>
+        </p:spPr>
+        <p:style>
+          <a:lnRef idx="2">
+            <a:schemeClr val="accent1"/>
+          </a:lnRef>
+          <a:fillRef idx="0">
+            <a:schemeClr val="accent1"/>
+          </a:fillRef>
+          <a:effectRef idx="1">
+            <a:schemeClr val="accent1"/>
+          </a:effectRef>
+          <a:fontRef idx="minor">
+            <a:schemeClr val="tx1"/>
+          </a:fontRef>
+        </p:style>
+      </p:cxnSp>
+      <p:sp>
+        <p:nvSpPr>
+          <p:cNvPr id="48" name="矩形: 圆角 47">
+            <a:extLst>
+              <a:ext uri="{FF2B5EF4-FFF2-40B4-BE49-F238E27FC236}">
+                <a16:creationId xmlns:a16="http://schemas.microsoft.com/office/drawing/2014/main" id="{8D3FD2EF-7058-70A4-B804-8BAEF311CCB2}"/>
+              </a:ext>
+            </a:extLst>
+          </p:cNvPr>
+          <p:cNvSpPr/>
+          <p:nvPr/>
+        </p:nvSpPr>
+        <p:spPr>
+          <a:xfrm>
+            <a:off x="2369199" y="1179469"/>
+            <a:ext cx="1909429" cy="1286640"/>
+          </a:xfrm>
+          <a:prstGeom prst="roundRect">
+            <a:avLst/>
+          </a:prstGeom>
+          <a:solidFill>
+            <a:schemeClr val="accent6">
+              <a:lumMod val="20000"/>
+              <a:lumOff val="80000"/>
+            </a:schemeClr>
+          </a:solidFill>
+          <a:ln>
+            <a:solidFill>
+              <a:schemeClr val="tx1"/>
+            </a:solidFill>
+          </a:ln>
+        </p:spPr>
+        <p:style>
+          <a:lnRef idx="2">
+            <a:schemeClr val="accent1">
+              <a:shade val="15000"/>
+            </a:schemeClr>
+          </a:lnRef>
+          <a:fillRef idx="1">
+            <a:schemeClr val="accent1"/>
+          </a:fillRef>
+          <a:effectRef idx="0">
+            <a:schemeClr val="accent1"/>
+          </a:effectRef>
+          <a:fontRef idx="minor">
+            <a:schemeClr val="lt1"/>
+          </a:fontRef>
+        </p:style>
+        <p:txBody>
+          <a:bodyPr rtlCol="0" anchor="ctr"/>
+          <a:lstStyle/>
+          <a:p>
+            <a:pPr algn="ctr"/>
+            <a:r>
+              <a:rPr lang="zh-CN" altLang="en-US" dirty="0">
+                <a:solidFill>
+                  <a:schemeClr val="tx1"/>
+                </a:solidFill>
+              </a:rPr>
+              <a:t>兴奋剂</a:t>
+            </a:r>
+            <a:r>
+              <a:rPr lang="en-US" altLang="zh-CN" dirty="0">
+                <a:solidFill>
+                  <a:schemeClr val="tx1"/>
+                </a:solidFill>
+              </a:rPr>
+              <a:t>wrapper</a:t>
+            </a:r>
+            <a:r>
+              <a:rPr lang="zh-CN" altLang="en-US" dirty="0">
+                <a:solidFill>
+                  <a:schemeClr val="tx1"/>
+                </a:solidFill>
+              </a:rPr>
+              <a:t>（集合）</a:t>
+            </a:r>
+          </a:p>
+        </p:txBody>
+      </p:sp>
+      <p:cxnSp>
+        <p:nvCxnSpPr>
+          <p:cNvPr id="49" name="连接符: 曲线 48">
+            <a:extLst>
+              <a:ext uri="{FF2B5EF4-FFF2-40B4-BE49-F238E27FC236}">
+                <a16:creationId xmlns:a16="http://schemas.microsoft.com/office/drawing/2014/main" id="{550AF8A7-8005-D7BA-E07F-69E7CEEFC39A}"/>
+              </a:ext>
+            </a:extLst>
+          </p:cNvPr>
+          <p:cNvCxnSpPr>
+            <a:cxnSpLocks/>
+            <a:stCxn id="4" idx="3"/>
+            <a:endCxn id="48" idx="1"/>
+          </p:cNvCxnSpPr>
+          <p:nvPr/>
+        </p:nvCxnSpPr>
+        <p:spPr>
+          <a:xfrm flipV="1">
+            <a:off x="1630290" y="1822789"/>
+            <a:ext cx="738909" cy="174899"/>
+          </a:xfrm>
+          <a:prstGeom prst="curvedConnector3">
+            <a:avLst>
+              <a:gd name="adj1" fmla="val 50000"/>
+            </a:avLst>
+          </a:prstGeom>
+          <a:ln>
+            <a:solidFill>
+              <a:schemeClr val="tx1"/>
+            </a:solidFill>
+            <a:tailEnd type="triangle"/>
+          </a:ln>
+        </p:spPr>
+        <p:style>
+          <a:lnRef idx="2">
+            <a:schemeClr val="accent1"/>
+          </a:lnRef>
+          <a:fillRef idx="0">
+            <a:schemeClr val="accent1"/>
+          </a:fillRef>
+          <a:effectRef idx="1">
+            <a:schemeClr val="accent1"/>
+          </a:effectRef>
+          <a:fontRef idx="minor">
+            <a:schemeClr val="tx1"/>
+          </a:fontRef>
+        </p:style>
+      </p:cxnSp>
+      <p:sp>
+        <p:nvSpPr>
+          <p:cNvPr id="17" name="矩形: 圆角 16">
+            <a:extLst>
+              <a:ext uri="{FF2B5EF4-FFF2-40B4-BE49-F238E27FC236}">
+                <a16:creationId xmlns:a16="http://schemas.microsoft.com/office/drawing/2014/main" id="{4F5BB007-5E6C-FFEA-C7E3-1AF3679FD981}"/>
+              </a:ext>
+            </a:extLst>
+          </p:cNvPr>
+          <p:cNvSpPr/>
+          <p:nvPr/>
+        </p:nvSpPr>
+        <p:spPr>
+          <a:xfrm>
+            <a:off x="4470019" y="3839011"/>
+            <a:ext cx="1477817" cy="563418"/>
+          </a:xfrm>
+          <a:prstGeom prst="roundRect">
+            <a:avLst/>
+          </a:prstGeom>
+          <a:solidFill>
+            <a:schemeClr val="accent6">
+              <a:lumMod val="20000"/>
+              <a:lumOff val="80000"/>
+            </a:schemeClr>
+          </a:solidFill>
+          <a:ln>
+            <a:solidFill>
+              <a:schemeClr val="tx1"/>
+            </a:solidFill>
+          </a:ln>
+        </p:spPr>
+        <p:style>
+          <a:lnRef idx="2">
+            <a:schemeClr val="accent1">
+              <a:shade val="15000"/>
+            </a:schemeClr>
+          </a:lnRef>
+          <a:fillRef idx="1">
+            <a:schemeClr val="accent1"/>
+          </a:fillRef>
+          <a:effectRef idx="0">
+            <a:schemeClr val="accent1"/>
+          </a:effectRef>
+          <a:fontRef idx="minor">
+            <a:schemeClr val="lt1"/>
+          </a:fontRef>
+        </p:style>
+        <p:txBody>
+          <a:bodyPr rtlCol="0" anchor="ctr"/>
+          <a:lstStyle/>
+          <a:p>
+            <a:pPr algn="ctr"/>
+            <a:r>
+              <a:rPr lang="zh-CN" altLang="en-US" dirty="0">
+                <a:solidFill>
+                  <a:schemeClr val="tx1"/>
+                </a:solidFill>
+              </a:rPr>
+              <a:t>遍历弹仓（效果）</a:t>
+            </a:r>
+          </a:p>
+        </p:txBody>
+      </p:sp>
+      <p:cxnSp>
+        <p:nvCxnSpPr>
+          <p:cNvPr id="22" name="连接符: 曲线 21">
+            <a:extLst>
+              <a:ext uri="{FF2B5EF4-FFF2-40B4-BE49-F238E27FC236}">
+                <a16:creationId xmlns:a16="http://schemas.microsoft.com/office/drawing/2014/main" id="{808CD7A1-2841-A01E-7C93-22AF16F424B7}"/>
+              </a:ext>
+            </a:extLst>
+          </p:cNvPr>
+          <p:cNvCxnSpPr>
+            <a:cxnSpLocks/>
+            <a:stCxn id="48" idx="3"/>
+            <a:endCxn id="23" idx="1"/>
+          </p:cNvCxnSpPr>
+          <p:nvPr/>
+        </p:nvCxnSpPr>
+        <p:spPr>
+          <a:xfrm flipV="1">
+            <a:off x="4278628" y="1064381"/>
+            <a:ext cx="1233408" cy="758408"/>
+          </a:xfrm>
+          <a:prstGeom prst="curvedConnector3">
+            <a:avLst>
+              <a:gd name="adj1" fmla="val 50000"/>
+            </a:avLst>
+          </a:prstGeom>
+          <a:ln>
+            <a:solidFill>
+              <a:schemeClr val="tx1"/>
+            </a:solidFill>
+            <a:tailEnd type="triangle"/>
+          </a:ln>
+        </p:spPr>
+        <p:style>
+          <a:lnRef idx="2">
+            <a:schemeClr val="accent1"/>
+          </a:lnRef>
+          <a:fillRef idx="0">
+            <a:schemeClr val="accent1"/>
+          </a:fillRef>
+          <a:effectRef idx="1">
+            <a:schemeClr val="accent1"/>
+          </a:effectRef>
+          <a:fontRef idx="minor">
+            <a:schemeClr val="tx1"/>
+          </a:fontRef>
+        </p:style>
+      </p:cxnSp>
+      <p:cxnSp>
+        <p:nvCxnSpPr>
+          <p:cNvPr id="26" name="连接符: 曲线 25">
+            <a:extLst>
+              <a:ext uri="{FF2B5EF4-FFF2-40B4-BE49-F238E27FC236}">
+                <a16:creationId xmlns:a16="http://schemas.microsoft.com/office/drawing/2014/main" id="{4EA2D963-B6CF-73FB-FEA0-A117F6548736}"/>
+              </a:ext>
+            </a:extLst>
+          </p:cNvPr>
+          <p:cNvCxnSpPr>
+            <a:cxnSpLocks/>
+            <a:stCxn id="48" idx="2"/>
+            <a:endCxn id="17" idx="1"/>
+          </p:cNvCxnSpPr>
+          <p:nvPr/>
+        </p:nvCxnSpPr>
+        <p:spPr>
+          <a:xfrm rot="16200000" flipH="1">
+            <a:off x="3069661" y="2720361"/>
+            <a:ext cx="1654611" cy="1146105"/>
+          </a:xfrm>
+          <a:prstGeom prst="curvedConnector2">
+            <a:avLst/>
+          </a:prstGeom>
+          <a:ln>
+            <a:solidFill>
+              <a:schemeClr val="tx1"/>
+            </a:solidFill>
+            <a:tailEnd type="triangle"/>
+          </a:ln>
+        </p:spPr>
+        <p:style>
+          <a:lnRef idx="2">
+            <a:schemeClr val="accent1"/>
+          </a:lnRef>
+          <a:fillRef idx="0">
+            <a:schemeClr val="accent1"/>
+          </a:fillRef>
+          <a:effectRef idx="1">
+            <a:schemeClr val="accent1"/>
+          </a:effectRef>
+          <a:fontRef idx="minor">
+            <a:schemeClr val="tx1"/>
+          </a:fontRef>
+        </p:style>
+      </p:cxnSp>
+      <p:sp>
+        <p:nvSpPr>
+          <p:cNvPr id="52" name="文本框 51">
+            <a:extLst>
+              <a:ext uri="{FF2B5EF4-FFF2-40B4-BE49-F238E27FC236}">
+                <a16:creationId xmlns:a16="http://schemas.microsoft.com/office/drawing/2014/main" id="{85E09914-69DA-E466-D12A-789F8200F365}"/>
+              </a:ext>
+            </a:extLst>
+          </p:cNvPr>
+          <p:cNvSpPr txBox="1"/>
+          <p:nvPr/>
+        </p:nvSpPr>
+        <p:spPr>
+          <a:xfrm>
+            <a:off x="8632357" y="1686285"/>
+            <a:ext cx="761861" cy="369332"/>
+          </a:xfrm>
+          <a:prstGeom prst="rect">
+            <a:avLst/>
+          </a:prstGeom>
+          <a:solidFill>
+            <a:schemeClr val="accent6">
+              <a:lumMod val="20000"/>
+              <a:lumOff val="80000"/>
+            </a:schemeClr>
+          </a:solidFill>
+        </p:spPr>
+        <p:txBody>
+          <a:bodyPr wrap="square" rtlCol="0">
+            <a:spAutoFit/>
+          </a:bodyPr>
+          <a:lstStyle/>
+          <a:p>
+            <a:pPr algn="ctr"/>
+            <a:r>
+              <a:rPr lang="zh-CN" altLang="en-US" dirty="0"/>
+              <a:t>队员</a:t>
+            </a:r>
+          </a:p>
+        </p:txBody>
+      </p:sp>
+      <p:cxnSp>
+        <p:nvCxnSpPr>
+          <p:cNvPr id="56" name="连接符: 曲线 55">
+            <a:extLst>
+              <a:ext uri="{FF2B5EF4-FFF2-40B4-BE49-F238E27FC236}">
+                <a16:creationId xmlns:a16="http://schemas.microsoft.com/office/drawing/2014/main" id="{E73C1AE5-4B79-0AF3-87DA-7DB1782CB474}"/>
+              </a:ext>
+            </a:extLst>
+          </p:cNvPr>
+          <p:cNvCxnSpPr>
+            <a:cxnSpLocks/>
+            <a:stCxn id="23" idx="2"/>
+            <a:endCxn id="52" idx="1"/>
+          </p:cNvCxnSpPr>
+          <p:nvPr/>
+        </p:nvCxnSpPr>
+        <p:spPr>
+          <a:xfrm rot="16200000" flipH="1">
+            <a:off x="7179221" y="417814"/>
+            <a:ext cx="524861" cy="2381412"/>
+          </a:xfrm>
+          <a:prstGeom prst="curvedConnector2">
+            <a:avLst/>
+          </a:prstGeom>
+          <a:ln>
+            <a:solidFill>
+              <a:schemeClr val="tx1"/>
+            </a:solidFill>
+            <a:tailEnd type="triangle"/>
+          </a:ln>
+        </p:spPr>
+        <p:style>
+          <a:lnRef idx="2">
+            <a:schemeClr val="accent1"/>
+          </a:lnRef>
+          <a:fillRef idx="0">
+            <a:schemeClr val="accent1"/>
+          </a:fillRef>
+          <a:effectRef idx="1">
+            <a:schemeClr val="accent1"/>
+          </a:effectRef>
+          <a:fontRef idx="minor">
+            <a:schemeClr val="tx1"/>
+          </a:fontRef>
+        </p:style>
+      </p:cxnSp>
+      <p:sp>
+        <p:nvSpPr>
+          <p:cNvPr id="23" name="矩形: 圆角 22">
+            <a:extLst>
+              <a:ext uri="{FF2B5EF4-FFF2-40B4-BE49-F238E27FC236}">
+                <a16:creationId xmlns:a16="http://schemas.microsoft.com/office/drawing/2014/main" id="{1AC98FDE-0258-F16E-73D8-4C10109A90A8}"/>
+              </a:ext>
+            </a:extLst>
+          </p:cNvPr>
+          <p:cNvSpPr/>
+          <p:nvPr/>
+        </p:nvSpPr>
+        <p:spPr>
+          <a:xfrm>
+            <a:off x="5512036" y="782672"/>
+            <a:ext cx="1477817" cy="563418"/>
+          </a:xfrm>
+          <a:prstGeom prst="roundRect">
+            <a:avLst/>
+          </a:prstGeom>
+          <a:solidFill>
+            <a:schemeClr val="accent6">
+              <a:lumMod val="20000"/>
+              <a:lumOff val="80000"/>
+            </a:schemeClr>
+          </a:solidFill>
+          <a:ln>
+            <a:solidFill>
+              <a:schemeClr val="tx1"/>
+            </a:solidFill>
+          </a:ln>
+        </p:spPr>
+        <p:style>
+          <a:lnRef idx="2">
+            <a:schemeClr val="accent1">
+              <a:shade val="15000"/>
+            </a:schemeClr>
+          </a:lnRef>
+          <a:fillRef idx="1">
+            <a:schemeClr val="accent1"/>
+          </a:fillRef>
+          <a:effectRef idx="0">
+            <a:schemeClr val="accent1"/>
+          </a:effectRef>
+          <a:fontRef idx="minor">
+            <a:schemeClr val="lt1"/>
+          </a:fontRef>
+        </p:style>
+        <p:txBody>
+          <a:bodyPr rtlCol="0" anchor="ctr"/>
+          <a:lstStyle/>
+          <a:p>
+            <a:pPr algn="ctr"/>
+            <a:r>
+              <a:rPr lang="zh-CN" altLang="en-US" dirty="0">
+                <a:solidFill>
+                  <a:schemeClr val="tx1"/>
+                </a:solidFill>
+              </a:rPr>
+              <a:t>施加兴奋剂（效果）</a:t>
+            </a:r>
+          </a:p>
+        </p:txBody>
+      </p:sp>
+      <p:sp>
+        <p:nvSpPr>
+          <p:cNvPr id="27" name="文本框 26">
+            <a:extLst>
+              <a:ext uri="{FF2B5EF4-FFF2-40B4-BE49-F238E27FC236}">
+                <a16:creationId xmlns:a16="http://schemas.microsoft.com/office/drawing/2014/main" id="{6B090687-2069-9C1C-5B11-2529EE7A695A}"/>
+              </a:ext>
+            </a:extLst>
+          </p:cNvPr>
+          <p:cNvSpPr txBox="1"/>
+          <p:nvPr/>
+        </p:nvSpPr>
+        <p:spPr>
+          <a:xfrm>
+            <a:off x="8632357" y="395386"/>
+            <a:ext cx="761861" cy="369332"/>
+          </a:xfrm>
+          <a:prstGeom prst="rect">
+            <a:avLst/>
+          </a:prstGeom>
+          <a:solidFill>
+            <a:schemeClr val="accent6">
+              <a:lumMod val="20000"/>
+              <a:lumOff val="80000"/>
+            </a:schemeClr>
+          </a:solidFill>
+        </p:spPr>
+        <p:txBody>
+          <a:bodyPr wrap="square" rtlCol="0">
+            <a:spAutoFit/>
+          </a:bodyPr>
+          <a:lstStyle/>
+          <a:p>
+            <a:pPr algn="ctr"/>
+            <a:r>
+              <a:rPr lang="zh-CN" altLang="en-US" dirty="0"/>
+              <a:t>队长</a:t>
+            </a:r>
+          </a:p>
+        </p:txBody>
+      </p:sp>
+      <p:cxnSp>
+        <p:nvCxnSpPr>
+          <p:cNvPr id="28" name="连接符: 曲线 27">
+            <a:extLst>
+              <a:ext uri="{FF2B5EF4-FFF2-40B4-BE49-F238E27FC236}">
+                <a16:creationId xmlns:a16="http://schemas.microsoft.com/office/drawing/2014/main" id="{51A4F177-0F41-0BB2-F266-9FA54D914EF7}"/>
+              </a:ext>
+            </a:extLst>
+          </p:cNvPr>
+          <p:cNvCxnSpPr>
+            <a:cxnSpLocks/>
+            <a:stCxn id="23" idx="3"/>
+            <a:endCxn id="27" idx="1"/>
+          </p:cNvCxnSpPr>
+          <p:nvPr/>
+        </p:nvCxnSpPr>
+        <p:spPr>
+          <a:xfrm flipV="1">
+            <a:off x="6989853" y="580052"/>
+            <a:ext cx="1642504" cy="484329"/>
+          </a:xfrm>
+          <a:prstGeom prst="curvedConnector3">
+            <a:avLst>
+              <a:gd name="adj1" fmla="val 50000"/>
+            </a:avLst>
+          </a:prstGeom>
+          <a:ln>
+            <a:solidFill>
+              <a:schemeClr val="tx1"/>
+            </a:solidFill>
+            <a:tailEnd type="triangle"/>
+          </a:ln>
+        </p:spPr>
+        <p:style>
+          <a:lnRef idx="2">
+            <a:schemeClr val="accent1"/>
+          </a:lnRef>
+          <a:fillRef idx="0">
+            <a:schemeClr val="accent1"/>
+          </a:fillRef>
+          <a:effectRef idx="1">
+            <a:schemeClr val="accent1"/>
+          </a:effectRef>
+          <a:fontRef idx="minor">
+            <a:schemeClr val="tx1"/>
+          </a:fontRef>
+        </p:style>
+      </p:cxnSp>
+    </p:spTree>
+    <p:extLst>
+      <p:ext uri="{BB962C8B-B14F-4D97-AF65-F5344CB8AC3E}">
+        <p14:creationId xmlns:p14="http://schemas.microsoft.com/office/powerpoint/2010/main" val="1045793129"/>
       </p:ext>
     </p:extLst>
   </p:cSld>

--- a/图.pptx
+++ b/图.pptx
@@ -14,6 +14,7 @@
     <p:sldId id="263" r:id="rId8"/>
     <p:sldId id="264" r:id="rId9"/>
     <p:sldId id="265" r:id="rId10"/>
+    <p:sldId id="266" r:id="rId11"/>
   </p:sldIdLst>
   <p:sldSz cx="12192000" cy="6858000"/>
   <p:notesSz cx="6858000" cy="9144000"/>
@@ -267,7 +268,7 @@
           <a:p>
             <a:fld id="{AD6044C5-84D1-4A21-B234-807FD534B005}" type="datetimeFigureOut">
               <a:rPr lang="zh-CN" altLang="en-US" smtClean="0"/>
-              <a:t>2025/9/27</a:t>
+              <a:t>2025/10/18</a:t>
             </a:fld>
             <a:endParaRPr lang="zh-CN" altLang="en-US"/>
           </a:p>
@@ -465,7 +466,7 @@
           <a:p>
             <a:fld id="{AD6044C5-84D1-4A21-B234-807FD534B005}" type="datetimeFigureOut">
               <a:rPr lang="zh-CN" altLang="en-US" smtClean="0"/>
-              <a:t>2025/9/27</a:t>
+              <a:t>2025/10/18</a:t>
             </a:fld>
             <a:endParaRPr lang="zh-CN" altLang="en-US"/>
           </a:p>
@@ -673,7 +674,7 @@
           <a:p>
             <a:fld id="{AD6044C5-84D1-4A21-B234-807FD534B005}" type="datetimeFigureOut">
               <a:rPr lang="zh-CN" altLang="en-US" smtClean="0"/>
-              <a:t>2025/9/27</a:t>
+              <a:t>2025/10/18</a:t>
             </a:fld>
             <a:endParaRPr lang="zh-CN" altLang="en-US"/>
           </a:p>
@@ -871,7 +872,7 @@
           <a:p>
             <a:fld id="{AD6044C5-84D1-4A21-B234-807FD534B005}" type="datetimeFigureOut">
               <a:rPr lang="zh-CN" altLang="en-US" smtClean="0"/>
-              <a:t>2025/9/27</a:t>
+              <a:t>2025/10/18</a:t>
             </a:fld>
             <a:endParaRPr lang="zh-CN" altLang="en-US"/>
           </a:p>
@@ -1146,7 +1147,7 @@
           <a:p>
             <a:fld id="{AD6044C5-84D1-4A21-B234-807FD534B005}" type="datetimeFigureOut">
               <a:rPr lang="zh-CN" altLang="en-US" smtClean="0"/>
-              <a:t>2025/9/27</a:t>
+              <a:t>2025/10/18</a:t>
             </a:fld>
             <a:endParaRPr lang="zh-CN" altLang="en-US"/>
           </a:p>
@@ -1411,7 +1412,7 @@
           <a:p>
             <a:fld id="{AD6044C5-84D1-4A21-B234-807FD534B005}" type="datetimeFigureOut">
               <a:rPr lang="zh-CN" altLang="en-US" smtClean="0"/>
-              <a:t>2025/9/27</a:t>
+              <a:t>2025/10/18</a:t>
             </a:fld>
             <a:endParaRPr lang="zh-CN" altLang="en-US"/>
           </a:p>
@@ -1823,7 +1824,7 @@
           <a:p>
             <a:fld id="{AD6044C5-84D1-4A21-B234-807FD534B005}" type="datetimeFigureOut">
               <a:rPr lang="zh-CN" altLang="en-US" smtClean="0"/>
-              <a:t>2025/9/27</a:t>
+              <a:t>2025/10/18</a:t>
             </a:fld>
             <a:endParaRPr lang="zh-CN" altLang="en-US"/>
           </a:p>
@@ -1964,7 +1965,7 @@
           <a:p>
             <a:fld id="{AD6044C5-84D1-4A21-B234-807FD534B005}" type="datetimeFigureOut">
               <a:rPr lang="zh-CN" altLang="en-US" smtClean="0"/>
-              <a:t>2025/9/27</a:t>
+              <a:t>2025/10/18</a:t>
             </a:fld>
             <a:endParaRPr lang="zh-CN" altLang="en-US"/>
           </a:p>
@@ -2077,7 +2078,7 @@
           <a:p>
             <a:fld id="{AD6044C5-84D1-4A21-B234-807FD534B005}" type="datetimeFigureOut">
               <a:rPr lang="zh-CN" altLang="en-US" smtClean="0"/>
-              <a:t>2025/9/27</a:t>
+              <a:t>2025/10/18</a:t>
             </a:fld>
             <a:endParaRPr lang="zh-CN" altLang="en-US"/>
           </a:p>
@@ -2388,7 +2389,7 @@
           <a:p>
             <a:fld id="{AD6044C5-84D1-4A21-B234-807FD534B005}" type="datetimeFigureOut">
               <a:rPr lang="zh-CN" altLang="en-US" smtClean="0"/>
-              <a:t>2025/9/27</a:t>
+              <a:t>2025/10/18</a:t>
             </a:fld>
             <a:endParaRPr lang="zh-CN" altLang="en-US"/>
           </a:p>
@@ -2676,7 +2677,7 @@
           <a:p>
             <a:fld id="{AD6044C5-84D1-4A21-B234-807FD534B005}" type="datetimeFigureOut">
               <a:rPr lang="zh-CN" altLang="en-US" smtClean="0"/>
-              <a:t>2025/9/27</a:t>
+              <a:t>2025/10/18</a:t>
             </a:fld>
             <a:endParaRPr lang="zh-CN" altLang="en-US"/>
           </a:p>
@@ -2917,7 +2918,7 @@
           <a:p>
             <a:fld id="{AD6044C5-84D1-4A21-B234-807FD534B005}" type="datetimeFigureOut">
               <a:rPr lang="zh-CN" altLang="en-US" smtClean="0"/>
-              <a:t>2025/9/27</a:t>
+              <a:t>2025/10/18</a:t>
             </a:fld>
             <a:endParaRPr lang="zh-CN" altLang="en-US"/>
           </a:p>
@@ -4587,6 +4588,1697 @@
     <p:extLst>
       <p:ext uri="{BB962C8B-B14F-4D97-AF65-F5344CB8AC3E}">
         <p14:creationId xmlns:p14="http://schemas.microsoft.com/office/powerpoint/2010/main" val="2646889233"/>
+      </p:ext>
+    </p:extLst>
+  </p:cSld>
+  <p:clrMapOvr>
+    <a:masterClrMapping/>
+  </p:clrMapOvr>
+</p:sld>
+</file>
+
+<file path=ppt/slides/slide10.xml><?xml version="1.0" encoding="utf-8"?>
+<p:sld xmlns:a="http://schemas.openxmlformats.org/drawingml/2006/main" xmlns:r="http://schemas.openxmlformats.org/officeDocument/2006/relationships" xmlns:p="http://schemas.openxmlformats.org/presentationml/2006/main">
+  <p:cSld>
+    <p:spTree>
+      <p:nvGrpSpPr>
+        <p:cNvPr id="1" name=""/>
+        <p:cNvGrpSpPr/>
+        <p:nvPr/>
+      </p:nvGrpSpPr>
+      <p:grpSpPr>
+        <a:xfrm>
+          <a:off x="0" y="0"/>
+          <a:ext cx="0" cy="0"/>
+          <a:chOff x="0" y="0"/>
+          <a:chExt cx="0" cy="0"/>
+        </a:xfrm>
+      </p:grpSpPr>
+      <p:sp>
+        <p:nvSpPr>
+          <p:cNvPr id="4" name="矩形 3">
+            <a:extLst>
+              <a:ext uri="{FF2B5EF4-FFF2-40B4-BE49-F238E27FC236}">
+                <a16:creationId xmlns:a16="http://schemas.microsoft.com/office/drawing/2014/main" id="{A3A5A571-7C16-0B76-9F5A-7CD72ED72DE4}"/>
+              </a:ext>
+            </a:extLst>
+          </p:cNvPr>
+          <p:cNvSpPr/>
+          <p:nvPr/>
+        </p:nvSpPr>
+        <p:spPr>
+          <a:xfrm>
+            <a:off x="262082" y="4038319"/>
+            <a:ext cx="1477816" cy="563418"/>
+          </a:xfrm>
+          <a:prstGeom prst="rect">
+            <a:avLst/>
+          </a:prstGeom>
+          <a:solidFill>
+            <a:schemeClr val="tx2">
+              <a:lumMod val="10000"/>
+              <a:lumOff val="90000"/>
+            </a:schemeClr>
+          </a:solidFill>
+          <a:ln>
+            <a:solidFill>
+              <a:schemeClr val="tx1"/>
+            </a:solidFill>
+          </a:ln>
+        </p:spPr>
+        <p:style>
+          <a:lnRef idx="2">
+            <a:schemeClr val="accent1">
+              <a:shade val="15000"/>
+            </a:schemeClr>
+          </a:lnRef>
+          <a:fillRef idx="1">
+            <a:schemeClr val="accent1"/>
+          </a:fillRef>
+          <a:effectRef idx="0">
+            <a:schemeClr val="accent1"/>
+          </a:effectRef>
+          <a:fontRef idx="minor">
+            <a:schemeClr val="lt1"/>
+          </a:fontRef>
+        </p:style>
+        <p:txBody>
+          <a:bodyPr rtlCol="0" anchor="ctr"/>
+          <a:lstStyle/>
+          <a:p>
+            <a:pPr algn="ctr"/>
+            <a:r>
+              <a:rPr lang="en-US" altLang="zh-CN" dirty="0">
+                <a:solidFill>
+                  <a:schemeClr val="tx1"/>
+                </a:solidFill>
+              </a:rPr>
+              <a:t>War3_Army</a:t>
+            </a:r>
+            <a:endParaRPr lang="zh-CN" altLang="en-US" dirty="0">
+              <a:solidFill>
+                <a:schemeClr val="tx1"/>
+              </a:solidFill>
+            </a:endParaRPr>
+          </a:p>
+        </p:txBody>
+      </p:sp>
+      <p:sp>
+        <p:nvSpPr>
+          <p:cNvPr id="7" name="矩形 6">
+            <a:extLst>
+              <a:ext uri="{FF2B5EF4-FFF2-40B4-BE49-F238E27FC236}">
+                <a16:creationId xmlns:a16="http://schemas.microsoft.com/office/drawing/2014/main" id="{C16007C0-614F-61BC-B405-F1248B60EC7D}"/>
+              </a:ext>
+            </a:extLst>
+          </p:cNvPr>
+          <p:cNvSpPr/>
+          <p:nvPr/>
+        </p:nvSpPr>
+        <p:spPr>
+          <a:xfrm>
+            <a:off x="253757" y="5124683"/>
+            <a:ext cx="1283855" cy="571502"/>
+          </a:xfrm>
+          <a:prstGeom prst="rect">
+            <a:avLst/>
+          </a:prstGeom>
+          <a:solidFill>
+            <a:schemeClr val="bg1">
+              <a:lumMod val="95000"/>
+            </a:schemeClr>
+          </a:solidFill>
+          <a:ln>
+            <a:solidFill>
+              <a:schemeClr val="tx1"/>
+            </a:solidFill>
+          </a:ln>
+        </p:spPr>
+        <p:style>
+          <a:lnRef idx="2">
+            <a:schemeClr val="accent1">
+              <a:shade val="15000"/>
+            </a:schemeClr>
+          </a:lnRef>
+          <a:fillRef idx="1">
+            <a:schemeClr val="accent1"/>
+          </a:fillRef>
+          <a:effectRef idx="0">
+            <a:schemeClr val="accent1"/>
+          </a:effectRef>
+          <a:fontRef idx="minor">
+            <a:schemeClr val="lt1"/>
+          </a:fontRef>
+        </p:style>
+        <p:txBody>
+          <a:bodyPr rtlCol="0" anchor="ctr"/>
+          <a:lstStyle/>
+          <a:p>
+            <a:pPr algn="ctr"/>
+            <a:r>
+              <a:rPr lang="zh-CN" altLang="en-US" dirty="0">
+                <a:solidFill>
+                  <a:schemeClr val="tx1"/>
+                </a:solidFill>
+              </a:rPr>
+              <a:t>步兵</a:t>
+            </a:r>
+          </a:p>
+        </p:txBody>
+      </p:sp>
+      <p:cxnSp>
+        <p:nvCxnSpPr>
+          <p:cNvPr id="13" name="连接符: 曲线 12">
+            <a:extLst>
+              <a:ext uri="{FF2B5EF4-FFF2-40B4-BE49-F238E27FC236}">
+                <a16:creationId xmlns:a16="http://schemas.microsoft.com/office/drawing/2014/main" id="{5E4A0F0C-71E5-F78D-7B5A-8E1D3A4B2BCD}"/>
+              </a:ext>
+            </a:extLst>
+          </p:cNvPr>
+          <p:cNvCxnSpPr>
+            <a:cxnSpLocks/>
+            <a:stCxn id="4" idx="2"/>
+            <a:endCxn id="7" idx="0"/>
+          </p:cNvCxnSpPr>
+          <p:nvPr/>
+        </p:nvCxnSpPr>
+        <p:spPr>
+          <a:xfrm rot="5400000">
+            <a:off x="686865" y="4810558"/>
+            <a:ext cx="522946" cy="105305"/>
+          </a:xfrm>
+          <a:prstGeom prst="curvedConnector3">
+            <a:avLst/>
+          </a:prstGeom>
+          <a:ln>
+            <a:solidFill>
+              <a:schemeClr val="tx1"/>
+            </a:solidFill>
+            <a:tailEnd type="triangle"/>
+          </a:ln>
+        </p:spPr>
+        <p:style>
+          <a:lnRef idx="2">
+            <a:schemeClr val="accent1"/>
+          </a:lnRef>
+          <a:fillRef idx="0">
+            <a:schemeClr val="accent1"/>
+          </a:fillRef>
+          <a:effectRef idx="1">
+            <a:schemeClr val="accent1"/>
+          </a:effectRef>
+          <a:fontRef idx="minor">
+            <a:schemeClr val="tx1"/>
+          </a:fontRef>
+        </p:style>
+      </p:cxnSp>
+      <p:sp>
+        <p:nvSpPr>
+          <p:cNvPr id="87" name="矩形: 圆角 86">
+            <a:extLst>
+              <a:ext uri="{FF2B5EF4-FFF2-40B4-BE49-F238E27FC236}">
+                <a16:creationId xmlns:a16="http://schemas.microsoft.com/office/drawing/2014/main" id="{33E34ADF-05EA-8D44-C3D3-553741BAAEEC}"/>
+              </a:ext>
+            </a:extLst>
+          </p:cNvPr>
+          <p:cNvSpPr/>
+          <p:nvPr/>
+        </p:nvSpPr>
+        <p:spPr>
+          <a:xfrm>
+            <a:off x="3547261" y="634863"/>
+            <a:ext cx="3142672" cy="656508"/>
+          </a:xfrm>
+          <a:prstGeom prst="roundRect">
+            <a:avLst/>
+          </a:prstGeom>
+          <a:solidFill>
+            <a:schemeClr val="bg1">
+              <a:lumMod val="95000"/>
+            </a:schemeClr>
+          </a:solidFill>
+          <a:ln>
+            <a:solidFill>
+              <a:schemeClr val="tx1"/>
+            </a:solidFill>
+          </a:ln>
+        </p:spPr>
+        <p:style>
+          <a:lnRef idx="2">
+            <a:schemeClr val="accent1">
+              <a:shade val="15000"/>
+            </a:schemeClr>
+          </a:lnRef>
+          <a:fillRef idx="1">
+            <a:schemeClr val="accent1"/>
+          </a:fillRef>
+          <a:effectRef idx="0">
+            <a:schemeClr val="accent1"/>
+          </a:effectRef>
+          <a:fontRef idx="minor">
+            <a:schemeClr val="lt1"/>
+          </a:fontRef>
+        </p:style>
+        <p:txBody>
+          <a:bodyPr rtlCol="0" anchor="ctr"/>
+          <a:lstStyle/>
+          <a:p>
+            <a:pPr algn="ctr"/>
+            <a:r>
+              <a:rPr lang="en-US" altLang="zh-CN" dirty="0">
+                <a:solidFill>
+                  <a:schemeClr val="tx1"/>
+                </a:solidFill>
+              </a:rPr>
+              <a:t>War3_ExtraAnimationMacro</a:t>
+            </a:r>
+            <a:endParaRPr lang="zh-CN" altLang="en-US" dirty="0">
+              <a:solidFill>
+                <a:schemeClr val="tx1"/>
+              </a:solidFill>
+            </a:endParaRPr>
+          </a:p>
+        </p:txBody>
+      </p:sp>
+      <p:sp>
+        <p:nvSpPr>
+          <p:cNvPr id="20" name="矩形 19">
+            <a:extLst>
+              <a:ext uri="{FF2B5EF4-FFF2-40B4-BE49-F238E27FC236}">
+                <a16:creationId xmlns:a16="http://schemas.microsoft.com/office/drawing/2014/main" id="{C2508FB9-70BA-69A6-1275-0ECC87FC5A58}"/>
+              </a:ext>
+            </a:extLst>
+          </p:cNvPr>
+          <p:cNvSpPr/>
+          <p:nvPr/>
+        </p:nvSpPr>
+        <p:spPr>
+          <a:xfrm>
+            <a:off x="445655" y="2445518"/>
+            <a:ext cx="1477816" cy="563418"/>
+          </a:xfrm>
+          <a:prstGeom prst="rect">
+            <a:avLst/>
+          </a:prstGeom>
+          <a:solidFill>
+            <a:schemeClr val="tx2">
+              <a:lumMod val="10000"/>
+              <a:lumOff val="90000"/>
+            </a:schemeClr>
+          </a:solidFill>
+          <a:ln>
+            <a:solidFill>
+              <a:schemeClr val="tx1"/>
+            </a:solidFill>
+          </a:ln>
+        </p:spPr>
+        <p:style>
+          <a:lnRef idx="2">
+            <a:schemeClr val="accent1">
+              <a:shade val="15000"/>
+            </a:schemeClr>
+          </a:lnRef>
+          <a:fillRef idx="1">
+            <a:schemeClr val="accent1"/>
+          </a:fillRef>
+          <a:effectRef idx="0">
+            <a:schemeClr val="accent1"/>
+          </a:effectRef>
+          <a:fontRef idx="minor">
+            <a:schemeClr val="lt1"/>
+          </a:fontRef>
+        </p:style>
+        <p:txBody>
+          <a:bodyPr rtlCol="0" anchor="ctr"/>
+          <a:lstStyle/>
+          <a:p>
+            <a:pPr algn="ctr"/>
+            <a:r>
+              <a:rPr lang="en-US" altLang="zh-CN" dirty="0">
+                <a:solidFill>
+                  <a:schemeClr val="tx1"/>
+                </a:solidFill>
+              </a:rPr>
+              <a:t>War3_Unit</a:t>
+            </a:r>
+            <a:endParaRPr lang="zh-CN" altLang="en-US" dirty="0">
+              <a:solidFill>
+                <a:schemeClr val="tx1"/>
+              </a:solidFill>
+            </a:endParaRPr>
+          </a:p>
+        </p:txBody>
+      </p:sp>
+      <p:cxnSp>
+        <p:nvCxnSpPr>
+          <p:cNvPr id="21" name="连接符: 曲线 20">
+            <a:extLst>
+              <a:ext uri="{FF2B5EF4-FFF2-40B4-BE49-F238E27FC236}">
+                <a16:creationId xmlns:a16="http://schemas.microsoft.com/office/drawing/2014/main" id="{14588A5C-9CDA-F3F1-5DF6-5F2E21A1A645}"/>
+              </a:ext>
+            </a:extLst>
+          </p:cNvPr>
+          <p:cNvCxnSpPr>
+            <a:cxnSpLocks/>
+            <a:stCxn id="20" idx="2"/>
+            <a:endCxn id="4" idx="1"/>
+          </p:cNvCxnSpPr>
+          <p:nvPr/>
+        </p:nvCxnSpPr>
+        <p:spPr>
+          <a:xfrm rot="5400000">
+            <a:off x="67777" y="3203242"/>
+            <a:ext cx="1311092" cy="922481"/>
+          </a:xfrm>
+          <a:prstGeom prst="curvedConnector4">
+            <a:avLst>
+              <a:gd name="adj1" fmla="val 39257"/>
+              <a:gd name="adj2" fmla="val 124781"/>
+            </a:avLst>
+          </a:prstGeom>
+          <a:ln>
+            <a:solidFill>
+              <a:schemeClr val="tx1"/>
+            </a:solidFill>
+            <a:tailEnd type="triangle"/>
+          </a:ln>
+        </p:spPr>
+        <p:style>
+          <a:lnRef idx="2">
+            <a:schemeClr val="accent1"/>
+          </a:lnRef>
+          <a:fillRef idx="0">
+            <a:schemeClr val="accent1"/>
+          </a:fillRef>
+          <a:effectRef idx="1">
+            <a:schemeClr val="accent1"/>
+          </a:effectRef>
+          <a:fontRef idx="minor">
+            <a:schemeClr val="tx1"/>
+          </a:fontRef>
+        </p:style>
+      </p:cxnSp>
+      <p:sp>
+        <p:nvSpPr>
+          <p:cNvPr id="26" name="矩形 25">
+            <a:extLst>
+              <a:ext uri="{FF2B5EF4-FFF2-40B4-BE49-F238E27FC236}">
+                <a16:creationId xmlns:a16="http://schemas.microsoft.com/office/drawing/2014/main" id="{77DBC0B6-5D52-D681-8408-C4D453D5AB10}"/>
+              </a:ext>
+            </a:extLst>
+          </p:cNvPr>
+          <p:cNvSpPr/>
+          <p:nvPr/>
+        </p:nvSpPr>
+        <p:spPr>
+          <a:xfrm>
+            <a:off x="665019" y="1064487"/>
+            <a:ext cx="2020453" cy="563418"/>
+          </a:xfrm>
+          <a:prstGeom prst="rect">
+            <a:avLst/>
+          </a:prstGeom>
+          <a:solidFill>
+            <a:schemeClr val="tx2">
+              <a:lumMod val="10000"/>
+              <a:lumOff val="90000"/>
+            </a:schemeClr>
+          </a:solidFill>
+          <a:ln>
+            <a:solidFill>
+              <a:schemeClr val="tx1"/>
+            </a:solidFill>
+          </a:ln>
+        </p:spPr>
+        <p:style>
+          <a:lnRef idx="2">
+            <a:schemeClr val="accent1">
+              <a:shade val="15000"/>
+            </a:schemeClr>
+          </a:lnRef>
+          <a:fillRef idx="1">
+            <a:schemeClr val="accent1"/>
+          </a:fillRef>
+          <a:effectRef idx="0">
+            <a:schemeClr val="accent1"/>
+          </a:effectRef>
+          <a:fontRef idx="minor">
+            <a:schemeClr val="lt1"/>
+          </a:fontRef>
+        </p:style>
+        <p:txBody>
+          <a:bodyPr rtlCol="0" anchor="ctr"/>
+          <a:lstStyle/>
+          <a:p>
+            <a:pPr algn="ctr"/>
+            <a:r>
+              <a:rPr lang="en-US" altLang="zh-CN" dirty="0">
+                <a:solidFill>
+                  <a:schemeClr val="tx1"/>
+                </a:solidFill>
+              </a:rPr>
+              <a:t>War3_GenericUnit</a:t>
+            </a:r>
+            <a:endParaRPr lang="zh-CN" altLang="en-US" dirty="0">
+              <a:solidFill>
+                <a:schemeClr val="tx1"/>
+              </a:solidFill>
+            </a:endParaRPr>
+          </a:p>
+        </p:txBody>
+      </p:sp>
+      <p:cxnSp>
+        <p:nvCxnSpPr>
+          <p:cNvPr id="30" name="连接符: 曲线 29">
+            <a:extLst>
+              <a:ext uri="{FF2B5EF4-FFF2-40B4-BE49-F238E27FC236}">
+                <a16:creationId xmlns:a16="http://schemas.microsoft.com/office/drawing/2014/main" id="{89D0F6DF-8CD3-06A7-973F-C1B43299FED9}"/>
+              </a:ext>
+            </a:extLst>
+          </p:cNvPr>
+          <p:cNvCxnSpPr>
+            <a:cxnSpLocks/>
+            <a:stCxn id="26" idx="2"/>
+            <a:endCxn id="20" idx="1"/>
+          </p:cNvCxnSpPr>
+          <p:nvPr/>
+        </p:nvCxnSpPr>
+        <p:spPr>
+          <a:xfrm rot="5400000">
+            <a:off x="510790" y="1562771"/>
+            <a:ext cx="1099322" cy="1229591"/>
+          </a:xfrm>
+          <a:prstGeom prst="curvedConnector4">
+            <a:avLst>
+              <a:gd name="adj1" fmla="val 37187"/>
+              <a:gd name="adj2" fmla="val 118592"/>
+            </a:avLst>
+          </a:prstGeom>
+          <a:ln>
+            <a:solidFill>
+              <a:schemeClr val="tx1"/>
+            </a:solidFill>
+            <a:tailEnd type="triangle"/>
+          </a:ln>
+        </p:spPr>
+        <p:style>
+          <a:lnRef idx="2">
+            <a:schemeClr val="accent1"/>
+          </a:lnRef>
+          <a:fillRef idx="0">
+            <a:schemeClr val="accent1"/>
+          </a:fillRef>
+          <a:effectRef idx="1">
+            <a:schemeClr val="accent1"/>
+          </a:effectRef>
+          <a:fontRef idx="minor">
+            <a:schemeClr val="tx1"/>
+          </a:fontRef>
+        </p:style>
+      </p:cxnSp>
+      <p:sp>
+        <p:nvSpPr>
+          <p:cNvPr id="36" name="矩形 35">
+            <a:extLst>
+              <a:ext uri="{FF2B5EF4-FFF2-40B4-BE49-F238E27FC236}">
+                <a16:creationId xmlns:a16="http://schemas.microsoft.com/office/drawing/2014/main" id="{FCFFEAB5-9E21-014C-DBC9-864011CCB2CD}"/>
+              </a:ext>
+            </a:extLst>
+          </p:cNvPr>
+          <p:cNvSpPr/>
+          <p:nvPr/>
+        </p:nvSpPr>
+        <p:spPr>
+          <a:xfrm>
+            <a:off x="64654" y="211276"/>
+            <a:ext cx="2239819" cy="563418"/>
+          </a:xfrm>
+          <a:prstGeom prst="rect">
+            <a:avLst/>
+          </a:prstGeom>
+          <a:solidFill>
+            <a:schemeClr val="tx2">
+              <a:lumMod val="10000"/>
+              <a:lumOff val="90000"/>
+            </a:schemeClr>
+          </a:solidFill>
+          <a:ln>
+            <a:solidFill>
+              <a:schemeClr val="tx1"/>
+            </a:solidFill>
+          </a:ln>
+        </p:spPr>
+        <p:style>
+          <a:lnRef idx="2">
+            <a:schemeClr val="accent1">
+              <a:shade val="15000"/>
+            </a:schemeClr>
+          </a:lnRef>
+          <a:fillRef idx="1">
+            <a:schemeClr val="accent1"/>
+          </a:fillRef>
+          <a:effectRef idx="0">
+            <a:schemeClr val="accent1"/>
+          </a:effectRef>
+          <a:fontRef idx="minor">
+            <a:schemeClr val="lt1"/>
+          </a:fontRef>
+        </p:style>
+        <p:txBody>
+          <a:bodyPr rtlCol="0" anchor="ctr"/>
+          <a:lstStyle/>
+          <a:p>
+            <a:pPr algn="ctr"/>
+            <a:r>
+              <a:rPr lang="en-US" altLang="zh-CN" dirty="0" err="1">
+                <a:solidFill>
+                  <a:schemeClr val="tx1"/>
+                </a:solidFill>
+              </a:rPr>
+              <a:t>GenericUnitStandard</a:t>
+            </a:r>
+            <a:endParaRPr lang="zh-CN" altLang="en-US" dirty="0">
+              <a:solidFill>
+                <a:schemeClr val="tx1"/>
+              </a:solidFill>
+            </a:endParaRPr>
+          </a:p>
+        </p:txBody>
+      </p:sp>
+      <p:cxnSp>
+        <p:nvCxnSpPr>
+          <p:cNvPr id="38" name="连接符: 曲线 37">
+            <a:extLst>
+              <a:ext uri="{FF2B5EF4-FFF2-40B4-BE49-F238E27FC236}">
+                <a16:creationId xmlns:a16="http://schemas.microsoft.com/office/drawing/2014/main" id="{C3AC2627-20BA-AAE0-437D-1A96F6C02C62}"/>
+              </a:ext>
+            </a:extLst>
+          </p:cNvPr>
+          <p:cNvCxnSpPr>
+            <a:cxnSpLocks/>
+            <a:stCxn id="36" idx="2"/>
+            <a:endCxn id="26" idx="1"/>
+          </p:cNvCxnSpPr>
+          <p:nvPr/>
+        </p:nvCxnSpPr>
+        <p:spPr>
+          <a:xfrm rot="5400000">
+            <a:off x="639041" y="800673"/>
+            <a:ext cx="571502" cy="519545"/>
+          </a:xfrm>
+          <a:prstGeom prst="curvedConnector4">
+            <a:avLst>
+              <a:gd name="adj1" fmla="val 25354"/>
+              <a:gd name="adj2" fmla="val 144000"/>
+            </a:avLst>
+          </a:prstGeom>
+          <a:ln>
+            <a:solidFill>
+              <a:schemeClr val="tx1"/>
+            </a:solidFill>
+            <a:tailEnd type="triangle"/>
+          </a:ln>
+        </p:spPr>
+        <p:style>
+          <a:lnRef idx="2">
+            <a:schemeClr val="accent1"/>
+          </a:lnRef>
+          <a:fillRef idx="0">
+            <a:schemeClr val="accent1"/>
+          </a:fillRef>
+          <a:effectRef idx="1">
+            <a:schemeClr val="accent1"/>
+          </a:effectRef>
+          <a:fontRef idx="minor">
+            <a:schemeClr val="tx1"/>
+          </a:fontRef>
+        </p:style>
+      </p:cxnSp>
+      <p:cxnSp>
+        <p:nvCxnSpPr>
+          <p:cNvPr id="65" name="连接符: 曲线 64">
+            <a:extLst>
+              <a:ext uri="{FF2B5EF4-FFF2-40B4-BE49-F238E27FC236}">
+                <a16:creationId xmlns:a16="http://schemas.microsoft.com/office/drawing/2014/main" id="{60FE6744-64AD-2511-723A-D7BFAF32A292}"/>
+              </a:ext>
+            </a:extLst>
+          </p:cNvPr>
+          <p:cNvCxnSpPr>
+            <a:cxnSpLocks/>
+            <a:stCxn id="26" idx="3"/>
+            <a:endCxn id="87" idx="1"/>
+          </p:cNvCxnSpPr>
+          <p:nvPr/>
+        </p:nvCxnSpPr>
+        <p:spPr>
+          <a:xfrm flipV="1">
+            <a:off x="2685472" y="963117"/>
+            <a:ext cx="861789" cy="383079"/>
+          </a:xfrm>
+          <a:prstGeom prst="curvedConnector3">
+            <a:avLst>
+              <a:gd name="adj1" fmla="val 50000"/>
+            </a:avLst>
+          </a:prstGeom>
+          <a:ln>
+            <a:solidFill>
+              <a:schemeClr val="tx1"/>
+            </a:solidFill>
+            <a:tailEnd type="triangle"/>
+          </a:ln>
+        </p:spPr>
+        <p:style>
+          <a:lnRef idx="2">
+            <a:schemeClr val="accent1"/>
+          </a:lnRef>
+          <a:fillRef idx="0">
+            <a:schemeClr val="accent1"/>
+          </a:fillRef>
+          <a:effectRef idx="1">
+            <a:schemeClr val="accent1"/>
+          </a:effectRef>
+          <a:fontRef idx="minor">
+            <a:schemeClr val="tx1"/>
+          </a:fontRef>
+        </p:style>
+      </p:cxnSp>
+      <p:sp>
+        <p:nvSpPr>
+          <p:cNvPr id="71" name="矩形: 圆角 70">
+            <a:extLst>
+              <a:ext uri="{FF2B5EF4-FFF2-40B4-BE49-F238E27FC236}">
+                <a16:creationId xmlns:a16="http://schemas.microsoft.com/office/drawing/2014/main" id="{CBB70C40-E22E-609E-C9B5-4A4689C12AC2}"/>
+              </a:ext>
+            </a:extLst>
+          </p:cNvPr>
+          <p:cNvSpPr/>
+          <p:nvPr/>
+        </p:nvSpPr>
+        <p:spPr>
+          <a:xfrm>
+            <a:off x="2536575" y="3028641"/>
+            <a:ext cx="3535216" cy="656508"/>
+          </a:xfrm>
+          <a:prstGeom prst="roundRect">
+            <a:avLst/>
+          </a:prstGeom>
+          <a:solidFill>
+            <a:schemeClr val="bg1">
+              <a:lumMod val="95000"/>
+            </a:schemeClr>
+          </a:solidFill>
+          <a:ln>
+            <a:solidFill>
+              <a:schemeClr val="tx1"/>
+            </a:solidFill>
+          </a:ln>
+        </p:spPr>
+        <p:style>
+          <a:lnRef idx="2">
+            <a:schemeClr val="accent1">
+              <a:shade val="15000"/>
+            </a:schemeClr>
+          </a:lnRef>
+          <a:fillRef idx="1">
+            <a:schemeClr val="accent1"/>
+          </a:fillRef>
+          <a:effectRef idx="0">
+            <a:schemeClr val="accent1"/>
+          </a:effectRef>
+          <a:fontRef idx="minor">
+            <a:schemeClr val="lt1"/>
+          </a:fontRef>
+        </p:style>
+        <p:txBody>
+          <a:bodyPr rtlCol="0" anchor="ctr"/>
+          <a:lstStyle/>
+          <a:p>
+            <a:pPr algn="ctr"/>
+            <a:r>
+              <a:rPr lang="en-US" altLang="zh-CN" dirty="0">
+                <a:solidFill>
+                  <a:schemeClr val="tx1"/>
+                </a:solidFill>
+              </a:rPr>
+              <a:t>War3_DeadAnimationMacroUnit</a:t>
+            </a:r>
+            <a:endParaRPr lang="zh-CN" altLang="en-US" dirty="0">
+              <a:solidFill>
+                <a:schemeClr val="tx1"/>
+              </a:solidFill>
+            </a:endParaRPr>
+          </a:p>
+        </p:txBody>
+      </p:sp>
+      <p:cxnSp>
+        <p:nvCxnSpPr>
+          <p:cNvPr id="74" name="连接符: 曲线 73">
+            <a:extLst>
+              <a:ext uri="{FF2B5EF4-FFF2-40B4-BE49-F238E27FC236}">
+                <a16:creationId xmlns:a16="http://schemas.microsoft.com/office/drawing/2014/main" id="{FA6049BA-CC13-24EB-CBD6-65EBA2072DC3}"/>
+              </a:ext>
+            </a:extLst>
+          </p:cNvPr>
+          <p:cNvCxnSpPr>
+            <a:cxnSpLocks/>
+            <a:stCxn id="4" idx="3"/>
+            <a:endCxn id="71" idx="1"/>
+          </p:cNvCxnSpPr>
+          <p:nvPr/>
+        </p:nvCxnSpPr>
+        <p:spPr>
+          <a:xfrm flipV="1">
+            <a:off x="1739898" y="3356895"/>
+            <a:ext cx="796677" cy="963133"/>
+          </a:xfrm>
+          <a:prstGeom prst="curvedConnector3">
+            <a:avLst>
+              <a:gd name="adj1" fmla="val 50000"/>
+            </a:avLst>
+          </a:prstGeom>
+          <a:ln>
+            <a:solidFill>
+              <a:schemeClr val="tx1"/>
+            </a:solidFill>
+            <a:tailEnd type="triangle"/>
+          </a:ln>
+        </p:spPr>
+        <p:style>
+          <a:lnRef idx="2">
+            <a:schemeClr val="accent1"/>
+          </a:lnRef>
+          <a:fillRef idx="0">
+            <a:schemeClr val="accent1"/>
+          </a:fillRef>
+          <a:effectRef idx="1">
+            <a:schemeClr val="accent1"/>
+          </a:effectRef>
+          <a:fontRef idx="minor">
+            <a:schemeClr val="tx1"/>
+          </a:fontRef>
+        </p:style>
+      </p:cxnSp>
+      <p:sp>
+        <p:nvSpPr>
+          <p:cNvPr id="84" name="矩形 83">
+            <a:extLst>
+              <a:ext uri="{FF2B5EF4-FFF2-40B4-BE49-F238E27FC236}">
+                <a16:creationId xmlns:a16="http://schemas.microsoft.com/office/drawing/2014/main" id="{6A5D61CB-97B1-BC6D-D8D7-2B38FEAD2DDA}"/>
+              </a:ext>
+            </a:extLst>
+          </p:cNvPr>
+          <p:cNvSpPr/>
+          <p:nvPr/>
+        </p:nvSpPr>
+        <p:spPr>
+          <a:xfrm>
+            <a:off x="3209995" y="6071081"/>
+            <a:ext cx="2844799" cy="563418"/>
+          </a:xfrm>
+          <a:prstGeom prst="rect">
+            <a:avLst/>
+          </a:prstGeom>
+          <a:solidFill>
+            <a:schemeClr val="bg1">
+              <a:lumMod val="95000"/>
+            </a:schemeClr>
+          </a:solidFill>
+          <a:ln>
+            <a:solidFill>
+              <a:schemeClr val="tx1"/>
+            </a:solidFill>
+          </a:ln>
+        </p:spPr>
+        <p:style>
+          <a:lnRef idx="2">
+            <a:schemeClr val="accent1">
+              <a:shade val="15000"/>
+            </a:schemeClr>
+          </a:lnRef>
+          <a:fillRef idx="1">
+            <a:schemeClr val="accent1"/>
+          </a:fillRef>
+          <a:effectRef idx="0">
+            <a:schemeClr val="accent1"/>
+          </a:effectRef>
+          <a:fontRef idx="minor">
+            <a:schemeClr val="lt1"/>
+          </a:fontRef>
+        </p:style>
+        <p:txBody>
+          <a:bodyPr rtlCol="0" anchor="ctr"/>
+          <a:lstStyle/>
+          <a:p>
+            <a:pPr algn="ctr"/>
+            <a:r>
+              <a:rPr lang="en-US" altLang="zh-CN" dirty="0">
+                <a:solidFill>
+                  <a:schemeClr val="tx1"/>
+                </a:solidFill>
+              </a:rPr>
+              <a:t>War3_UnitDeathModelGL</a:t>
+            </a:r>
+            <a:endParaRPr lang="zh-CN" altLang="en-US" dirty="0">
+              <a:solidFill>
+                <a:schemeClr val="tx1"/>
+              </a:solidFill>
+            </a:endParaRPr>
+          </a:p>
+        </p:txBody>
+      </p:sp>
+      <p:cxnSp>
+        <p:nvCxnSpPr>
+          <p:cNvPr id="86" name="连接符: 曲线 85">
+            <a:extLst>
+              <a:ext uri="{FF2B5EF4-FFF2-40B4-BE49-F238E27FC236}">
+                <a16:creationId xmlns:a16="http://schemas.microsoft.com/office/drawing/2014/main" id="{296A83FD-5522-6E34-5E68-6EEBD58A07CB}"/>
+              </a:ext>
+            </a:extLst>
+          </p:cNvPr>
+          <p:cNvCxnSpPr>
+            <a:cxnSpLocks/>
+            <a:stCxn id="4" idx="3"/>
+            <a:endCxn id="84" idx="1"/>
+          </p:cNvCxnSpPr>
+          <p:nvPr/>
+        </p:nvCxnSpPr>
+        <p:spPr>
+          <a:xfrm>
+            <a:off x="1739898" y="4320028"/>
+            <a:ext cx="1470097" cy="2032762"/>
+          </a:xfrm>
+          <a:prstGeom prst="curvedConnector3">
+            <a:avLst>
+              <a:gd name="adj1" fmla="val 50000"/>
+            </a:avLst>
+          </a:prstGeom>
+          <a:ln>
+            <a:solidFill>
+              <a:schemeClr val="tx1"/>
+            </a:solidFill>
+            <a:tailEnd type="triangle"/>
+          </a:ln>
+        </p:spPr>
+        <p:style>
+          <a:lnRef idx="2">
+            <a:schemeClr val="accent1"/>
+          </a:lnRef>
+          <a:fillRef idx="0">
+            <a:schemeClr val="accent1"/>
+          </a:fillRef>
+          <a:effectRef idx="1">
+            <a:schemeClr val="accent1"/>
+          </a:effectRef>
+          <a:fontRef idx="minor">
+            <a:schemeClr val="tx1"/>
+          </a:fontRef>
+        </p:style>
+      </p:cxnSp>
+      <p:sp>
+        <p:nvSpPr>
+          <p:cNvPr id="92" name="文本框 91">
+            <a:extLst>
+              <a:ext uri="{FF2B5EF4-FFF2-40B4-BE49-F238E27FC236}">
+                <a16:creationId xmlns:a16="http://schemas.microsoft.com/office/drawing/2014/main" id="{298D42B1-D35A-9897-888C-C850A8CE63D1}"/>
+              </a:ext>
+            </a:extLst>
+          </p:cNvPr>
+          <p:cNvSpPr txBox="1"/>
+          <p:nvPr/>
+        </p:nvSpPr>
+        <p:spPr>
+          <a:xfrm>
+            <a:off x="2238900" y="4624199"/>
+            <a:ext cx="1212191" cy="253916"/>
+          </a:xfrm>
+          <a:prstGeom prst="rect">
+            <a:avLst/>
+          </a:prstGeom>
+          <a:noFill/>
+        </p:spPr>
+        <p:txBody>
+          <a:bodyPr wrap="none" rtlCol="0">
+            <a:spAutoFit/>
+          </a:bodyPr>
+          <a:lstStyle/>
+          <a:p>
+            <a:r>
+              <a:rPr lang="en-US" altLang="zh-CN" sz="1050" dirty="0" err="1"/>
+              <a:t>DeathActorModel</a:t>
+            </a:r>
+            <a:endParaRPr lang="zh-CN" altLang="en-US" sz="1050" dirty="0"/>
+          </a:p>
+        </p:txBody>
+      </p:sp>
+      <p:sp>
+        <p:nvSpPr>
+          <p:cNvPr id="93" name="文本框 92">
+            <a:extLst>
+              <a:ext uri="{FF2B5EF4-FFF2-40B4-BE49-F238E27FC236}">
+                <a16:creationId xmlns:a16="http://schemas.microsoft.com/office/drawing/2014/main" id="{5FB2DF5C-9468-E5B5-972E-F7DC662294DB}"/>
+              </a:ext>
+            </a:extLst>
+          </p:cNvPr>
+          <p:cNvSpPr txBox="1"/>
+          <p:nvPr/>
+        </p:nvSpPr>
+        <p:spPr>
+          <a:xfrm>
+            <a:off x="1682579" y="3583320"/>
+            <a:ext cx="551754" cy="253916"/>
+          </a:xfrm>
+          <a:prstGeom prst="rect">
+            <a:avLst/>
+          </a:prstGeom>
+          <a:noFill/>
+        </p:spPr>
+        <p:txBody>
+          <a:bodyPr wrap="none" rtlCol="0">
+            <a:spAutoFit/>
+          </a:bodyPr>
+          <a:lstStyle/>
+          <a:p>
+            <a:r>
+              <a:rPr lang="en-US" altLang="zh-CN" sz="1050" dirty="0"/>
+              <a:t>Macro</a:t>
+            </a:r>
+            <a:endParaRPr lang="zh-CN" altLang="en-US" sz="1050" dirty="0"/>
+          </a:p>
+        </p:txBody>
+      </p:sp>
+      <p:sp>
+        <p:nvSpPr>
+          <p:cNvPr id="94" name="文本框 93">
+            <a:extLst>
+              <a:ext uri="{FF2B5EF4-FFF2-40B4-BE49-F238E27FC236}">
+                <a16:creationId xmlns:a16="http://schemas.microsoft.com/office/drawing/2014/main" id="{63461938-2F6F-2A1B-6B07-EEEE6877C7B1}"/>
+              </a:ext>
+            </a:extLst>
+          </p:cNvPr>
+          <p:cNvSpPr txBox="1"/>
+          <p:nvPr/>
+        </p:nvSpPr>
+        <p:spPr>
+          <a:xfrm>
+            <a:off x="2823286" y="836159"/>
+            <a:ext cx="551754" cy="253916"/>
+          </a:xfrm>
+          <a:prstGeom prst="rect">
+            <a:avLst/>
+          </a:prstGeom>
+          <a:noFill/>
+        </p:spPr>
+        <p:txBody>
+          <a:bodyPr wrap="none" rtlCol="0">
+            <a:spAutoFit/>
+          </a:bodyPr>
+          <a:lstStyle/>
+          <a:p>
+            <a:r>
+              <a:rPr lang="en-US" altLang="zh-CN" sz="1050" dirty="0"/>
+              <a:t>Macro</a:t>
+            </a:r>
+            <a:endParaRPr lang="zh-CN" altLang="en-US" sz="1050" dirty="0"/>
+          </a:p>
+        </p:txBody>
+      </p:sp>
+      <p:sp>
+        <p:nvSpPr>
+          <p:cNvPr id="98" name="矩形: 圆角 97">
+            <a:extLst>
+              <a:ext uri="{FF2B5EF4-FFF2-40B4-BE49-F238E27FC236}">
+                <a16:creationId xmlns:a16="http://schemas.microsoft.com/office/drawing/2014/main" id="{18DBA4A5-3CD8-50F7-AB38-7AD91DC4DEBF}"/>
+              </a:ext>
+            </a:extLst>
+          </p:cNvPr>
+          <p:cNvSpPr/>
+          <p:nvPr/>
+        </p:nvSpPr>
+        <p:spPr>
+          <a:xfrm>
+            <a:off x="8425286" y="5301149"/>
+            <a:ext cx="2543460" cy="656508"/>
+          </a:xfrm>
+          <a:prstGeom prst="roundRect">
+            <a:avLst/>
+          </a:prstGeom>
+          <a:solidFill>
+            <a:schemeClr val="bg1">
+              <a:lumMod val="95000"/>
+            </a:schemeClr>
+          </a:solidFill>
+          <a:ln>
+            <a:solidFill>
+              <a:schemeClr val="tx1"/>
+            </a:solidFill>
+          </a:ln>
+        </p:spPr>
+        <p:style>
+          <a:lnRef idx="2">
+            <a:schemeClr val="accent1">
+              <a:shade val="15000"/>
+            </a:schemeClr>
+          </a:lnRef>
+          <a:fillRef idx="1">
+            <a:schemeClr val="accent1"/>
+          </a:fillRef>
+          <a:effectRef idx="0">
+            <a:schemeClr val="accent1"/>
+          </a:effectRef>
+          <a:fontRef idx="minor">
+            <a:schemeClr val="lt1"/>
+          </a:fontRef>
+        </p:style>
+        <p:txBody>
+          <a:bodyPr rtlCol="0" anchor="ctr"/>
+          <a:lstStyle/>
+          <a:p>
+            <a:pPr algn="ctr"/>
+            <a:r>
+              <a:rPr lang="en-US" altLang="zh-CN" dirty="0" err="1">
+                <a:solidFill>
+                  <a:schemeClr val="tx1"/>
+                </a:solidFill>
+              </a:rPr>
+              <a:t>DeadAnimationMacro</a:t>
+            </a:r>
+            <a:endParaRPr lang="zh-CN" altLang="en-US" dirty="0">
+              <a:solidFill>
+                <a:schemeClr val="tx1"/>
+              </a:solidFill>
+            </a:endParaRPr>
+          </a:p>
+        </p:txBody>
+      </p:sp>
+      <p:sp>
+        <p:nvSpPr>
+          <p:cNvPr id="111" name="矩形 110">
+            <a:extLst>
+              <a:ext uri="{FF2B5EF4-FFF2-40B4-BE49-F238E27FC236}">
+                <a16:creationId xmlns:a16="http://schemas.microsoft.com/office/drawing/2014/main" id="{3F3865F0-E345-6897-4C77-669060093782}"/>
+              </a:ext>
+            </a:extLst>
+          </p:cNvPr>
+          <p:cNvSpPr/>
+          <p:nvPr/>
+        </p:nvSpPr>
+        <p:spPr>
+          <a:xfrm>
+            <a:off x="4290330" y="5113360"/>
+            <a:ext cx="1824143" cy="563418"/>
+          </a:xfrm>
+          <a:prstGeom prst="rect">
+            <a:avLst/>
+          </a:prstGeom>
+          <a:solidFill>
+            <a:schemeClr val="bg1">
+              <a:lumMod val="95000"/>
+            </a:schemeClr>
+          </a:solidFill>
+          <a:ln>
+            <a:solidFill>
+              <a:schemeClr val="tx1"/>
+            </a:solidFill>
+          </a:ln>
+        </p:spPr>
+        <p:style>
+          <a:lnRef idx="2">
+            <a:schemeClr val="accent1">
+              <a:shade val="15000"/>
+            </a:schemeClr>
+          </a:lnRef>
+          <a:fillRef idx="1">
+            <a:schemeClr val="accent1"/>
+          </a:fillRef>
+          <a:effectRef idx="0">
+            <a:schemeClr val="accent1"/>
+          </a:effectRef>
+          <a:fontRef idx="minor">
+            <a:schemeClr val="lt1"/>
+          </a:fontRef>
+        </p:style>
+        <p:txBody>
+          <a:bodyPr rtlCol="0" anchor="ctr"/>
+          <a:lstStyle/>
+          <a:p>
+            <a:pPr algn="ctr"/>
+            <a:r>
+              <a:rPr lang="en-US" altLang="zh-CN" dirty="0" err="1">
+                <a:solidFill>
+                  <a:schemeClr val="tx1"/>
+                </a:solidFill>
+              </a:rPr>
+              <a:t>UnitDeathModel</a:t>
+            </a:r>
+            <a:endParaRPr lang="zh-CN" altLang="en-US" dirty="0">
+              <a:solidFill>
+                <a:schemeClr val="tx1"/>
+              </a:solidFill>
+            </a:endParaRPr>
+          </a:p>
+        </p:txBody>
+      </p:sp>
+      <p:cxnSp>
+        <p:nvCxnSpPr>
+          <p:cNvPr id="112" name="连接符: 曲线 111">
+            <a:extLst>
+              <a:ext uri="{FF2B5EF4-FFF2-40B4-BE49-F238E27FC236}">
+                <a16:creationId xmlns:a16="http://schemas.microsoft.com/office/drawing/2014/main" id="{0E3858D2-5EA0-D81C-E6B9-2490E5D3D37C}"/>
+              </a:ext>
+            </a:extLst>
+          </p:cNvPr>
+          <p:cNvCxnSpPr>
+            <a:cxnSpLocks/>
+            <a:stCxn id="84" idx="0"/>
+            <a:endCxn id="111" idx="2"/>
+          </p:cNvCxnSpPr>
+          <p:nvPr/>
+        </p:nvCxnSpPr>
+        <p:spPr>
+          <a:xfrm rot="5400000" flipH="1" flipV="1">
+            <a:off x="4720247" y="5588927"/>
+            <a:ext cx="394303" cy="570007"/>
+          </a:xfrm>
+          <a:prstGeom prst="curvedConnector3">
+            <a:avLst>
+              <a:gd name="adj1" fmla="val 50000"/>
+            </a:avLst>
+          </a:prstGeom>
+          <a:ln>
+            <a:solidFill>
+              <a:schemeClr val="tx1"/>
+            </a:solidFill>
+            <a:tailEnd type="triangle"/>
+          </a:ln>
+        </p:spPr>
+        <p:style>
+          <a:lnRef idx="2">
+            <a:schemeClr val="accent1"/>
+          </a:lnRef>
+          <a:fillRef idx="0">
+            <a:schemeClr val="accent1"/>
+          </a:fillRef>
+          <a:effectRef idx="1">
+            <a:schemeClr val="accent1"/>
+          </a:effectRef>
+          <a:fontRef idx="minor">
+            <a:schemeClr val="tx1"/>
+          </a:fontRef>
+        </p:style>
+      </p:cxnSp>
+      <p:cxnSp>
+        <p:nvCxnSpPr>
+          <p:cNvPr id="115" name="连接符: 曲线 114">
+            <a:extLst>
+              <a:ext uri="{FF2B5EF4-FFF2-40B4-BE49-F238E27FC236}">
+                <a16:creationId xmlns:a16="http://schemas.microsoft.com/office/drawing/2014/main" id="{F7EFFED2-F49B-C8AD-BCC3-24A53030BB91}"/>
+              </a:ext>
+            </a:extLst>
+          </p:cNvPr>
+          <p:cNvCxnSpPr>
+            <a:cxnSpLocks/>
+            <a:stCxn id="111" idx="3"/>
+            <a:endCxn id="98" idx="1"/>
+          </p:cNvCxnSpPr>
+          <p:nvPr/>
+        </p:nvCxnSpPr>
+        <p:spPr>
+          <a:xfrm>
+            <a:off x="6114473" y="5395069"/>
+            <a:ext cx="2310813" cy="234334"/>
+          </a:xfrm>
+          <a:prstGeom prst="curvedConnector3">
+            <a:avLst>
+              <a:gd name="adj1" fmla="val 50000"/>
+            </a:avLst>
+          </a:prstGeom>
+          <a:ln>
+            <a:solidFill>
+              <a:schemeClr val="tx1"/>
+            </a:solidFill>
+            <a:tailEnd type="triangle"/>
+          </a:ln>
+        </p:spPr>
+        <p:style>
+          <a:lnRef idx="2">
+            <a:schemeClr val="accent1"/>
+          </a:lnRef>
+          <a:fillRef idx="0">
+            <a:schemeClr val="accent1"/>
+          </a:fillRef>
+          <a:effectRef idx="1">
+            <a:schemeClr val="accent1"/>
+          </a:effectRef>
+          <a:fontRef idx="minor">
+            <a:schemeClr val="tx1"/>
+          </a:fontRef>
+        </p:style>
+      </p:cxnSp>
+      <p:sp>
+        <p:nvSpPr>
+          <p:cNvPr id="118" name="文本框 117">
+            <a:extLst>
+              <a:ext uri="{FF2B5EF4-FFF2-40B4-BE49-F238E27FC236}">
+                <a16:creationId xmlns:a16="http://schemas.microsoft.com/office/drawing/2014/main" id="{1A395651-0E88-3A4E-B973-BBA61BD17176}"/>
+              </a:ext>
+            </a:extLst>
+          </p:cNvPr>
+          <p:cNvSpPr txBox="1"/>
+          <p:nvPr/>
+        </p:nvSpPr>
+        <p:spPr>
+          <a:xfrm>
+            <a:off x="6379649" y="5340332"/>
+            <a:ext cx="551754" cy="253916"/>
+          </a:xfrm>
+          <a:prstGeom prst="rect">
+            <a:avLst/>
+          </a:prstGeom>
+          <a:noFill/>
+        </p:spPr>
+        <p:txBody>
+          <a:bodyPr wrap="none" rtlCol="0">
+            <a:spAutoFit/>
+          </a:bodyPr>
+          <a:lstStyle/>
+          <a:p>
+            <a:r>
+              <a:rPr lang="en-US" altLang="zh-CN" sz="1050" dirty="0"/>
+              <a:t>Macro</a:t>
+            </a:r>
+            <a:endParaRPr lang="zh-CN" altLang="en-US" sz="1050" dirty="0"/>
+          </a:p>
+        </p:txBody>
+      </p:sp>
+      <p:pic>
+        <p:nvPicPr>
+          <p:cNvPr id="126" name="图片 125">
+            <a:extLst>
+              <a:ext uri="{FF2B5EF4-FFF2-40B4-BE49-F238E27FC236}">
+                <a16:creationId xmlns:a16="http://schemas.microsoft.com/office/drawing/2014/main" id="{226F8132-B451-BC25-4791-19F86BC6211B}"/>
+              </a:ext>
+            </a:extLst>
+          </p:cNvPr>
+          <p:cNvPicPr>
+            <a:picLocks noChangeAspect="1"/>
+          </p:cNvPicPr>
+          <p:nvPr/>
+        </p:nvPicPr>
+        <p:blipFill>
+          <a:blip r:embed="rId2"/>
+          <a:stretch>
+            <a:fillRect/>
+          </a:stretch>
+        </p:blipFill>
+        <p:spPr>
+          <a:xfrm>
+            <a:off x="7654899" y="3423594"/>
+            <a:ext cx="4379335" cy="981575"/>
+          </a:xfrm>
+          <a:prstGeom prst="rect">
+            <a:avLst/>
+          </a:prstGeom>
+        </p:spPr>
+      </p:pic>
+      <p:cxnSp>
+        <p:nvCxnSpPr>
+          <p:cNvPr id="131" name="连接符: 曲线 130">
+            <a:extLst>
+              <a:ext uri="{FF2B5EF4-FFF2-40B4-BE49-F238E27FC236}">
+                <a16:creationId xmlns:a16="http://schemas.microsoft.com/office/drawing/2014/main" id="{BA9886D2-BBFE-446E-B700-5F7C351C64A0}"/>
+              </a:ext>
+            </a:extLst>
+          </p:cNvPr>
+          <p:cNvCxnSpPr>
+            <a:cxnSpLocks/>
+            <a:stCxn id="71" idx="3"/>
+            <a:endCxn id="126" idx="1"/>
+          </p:cNvCxnSpPr>
+          <p:nvPr/>
+        </p:nvCxnSpPr>
+        <p:spPr>
+          <a:xfrm>
+            <a:off x="6071791" y="3356895"/>
+            <a:ext cx="1583108" cy="557487"/>
+          </a:xfrm>
+          <a:prstGeom prst="curvedConnector3">
+            <a:avLst>
+              <a:gd name="adj1" fmla="val 50000"/>
+            </a:avLst>
+          </a:prstGeom>
+          <a:ln>
+            <a:solidFill>
+              <a:schemeClr val="tx1"/>
+            </a:solidFill>
+            <a:tailEnd type="triangle"/>
+          </a:ln>
+        </p:spPr>
+        <p:style>
+          <a:lnRef idx="2">
+            <a:schemeClr val="accent1"/>
+          </a:lnRef>
+          <a:fillRef idx="0">
+            <a:schemeClr val="accent1"/>
+          </a:fillRef>
+          <a:effectRef idx="1">
+            <a:schemeClr val="accent1"/>
+          </a:effectRef>
+          <a:fontRef idx="minor">
+            <a:schemeClr val="tx1"/>
+          </a:fontRef>
+        </p:style>
+      </p:cxnSp>
+      <p:pic>
+        <p:nvPicPr>
+          <p:cNvPr id="146" name="图片 145">
+            <a:extLst>
+              <a:ext uri="{FF2B5EF4-FFF2-40B4-BE49-F238E27FC236}">
+                <a16:creationId xmlns:a16="http://schemas.microsoft.com/office/drawing/2014/main" id="{907326C6-0D61-4D40-A597-E235B8F9B225}"/>
+              </a:ext>
+            </a:extLst>
+          </p:cNvPr>
+          <p:cNvPicPr>
+            <a:picLocks noChangeAspect="1"/>
+          </p:cNvPicPr>
+          <p:nvPr/>
+        </p:nvPicPr>
+        <p:blipFill>
+          <a:blip r:embed="rId3"/>
+          <a:stretch>
+            <a:fillRect/>
+          </a:stretch>
+        </p:blipFill>
+        <p:spPr>
+          <a:xfrm>
+            <a:off x="7932721" y="55527"/>
+            <a:ext cx="3980020" cy="2731060"/>
+          </a:xfrm>
+          <a:prstGeom prst="rect">
+            <a:avLst/>
+          </a:prstGeom>
+        </p:spPr>
+      </p:pic>
+      <p:cxnSp>
+        <p:nvCxnSpPr>
+          <p:cNvPr id="147" name="连接符: 曲线 146">
+            <a:extLst>
+              <a:ext uri="{FF2B5EF4-FFF2-40B4-BE49-F238E27FC236}">
+                <a16:creationId xmlns:a16="http://schemas.microsoft.com/office/drawing/2014/main" id="{0A87D882-9443-0FEF-05F6-D2A850755AF5}"/>
+              </a:ext>
+            </a:extLst>
+          </p:cNvPr>
+          <p:cNvCxnSpPr>
+            <a:cxnSpLocks/>
+            <a:stCxn id="87" idx="2"/>
+            <a:endCxn id="146" idx="1"/>
+          </p:cNvCxnSpPr>
+          <p:nvPr/>
+        </p:nvCxnSpPr>
+        <p:spPr>
+          <a:xfrm rot="16200000" flipH="1">
+            <a:off x="6460816" y="-50848"/>
+            <a:ext cx="129686" cy="2814124"/>
+          </a:xfrm>
+          <a:prstGeom prst="curvedConnector2">
+            <a:avLst/>
+          </a:prstGeom>
+          <a:ln>
+            <a:solidFill>
+              <a:schemeClr val="tx1"/>
+            </a:solidFill>
+            <a:tailEnd type="triangle"/>
+          </a:ln>
+        </p:spPr>
+        <p:style>
+          <a:lnRef idx="2">
+            <a:schemeClr val="accent1"/>
+          </a:lnRef>
+          <a:fillRef idx="0">
+            <a:schemeClr val="accent1"/>
+          </a:fillRef>
+          <a:effectRef idx="1">
+            <a:schemeClr val="accent1"/>
+          </a:effectRef>
+          <a:fontRef idx="minor">
+            <a:schemeClr val="tx1"/>
+          </a:fontRef>
+        </p:style>
+      </p:cxnSp>
+      <p:sp>
+        <p:nvSpPr>
+          <p:cNvPr id="154" name="文本框 153">
+            <a:extLst>
+              <a:ext uri="{FF2B5EF4-FFF2-40B4-BE49-F238E27FC236}">
+                <a16:creationId xmlns:a16="http://schemas.microsoft.com/office/drawing/2014/main" id="{FD0CB133-D829-1041-2192-E31AB6D8DD44}"/>
+              </a:ext>
+            </a:extLst>
+          </p:cNvPr>
+          <p:cNvSpPr txBox="1"/>
+          <p:nvPr/>
+        </p:nvSpPr>
+        <p:spPr>
+          <a:xfrm>
+            <a:off x="6525659" y="1466548"/>
+            <a:ext cx="1107996" cy="369332"/>
+          </a:xfrm>
+          <a:prstGeom prst="rect">
+            <a:avLst/>
+          </a:prstGeom>
+          <a:noFill/>
+        </p:spPr>
+        <p:txBody>
+          <a:bodyPr wrap="none" rtlCol="0">
+            <a:spAutoFit/>
+          </a:bodyPr>
+          <a:lstStyle/>
+          <a:p>
+            <a:r>
+              <a:rPr lang="zh-CN" altLang="en-US" dirty="0"/>
+              <a:t>发出信号</a:t>
+            </a:r>
+          </a:p>
+        </p:txBody>
+      </p:sp>
+      <p:sp>
+        <p:nvSpPr>
+          <p:cNvPr id="155" name="文本框 154">
+            <a:extLst>
+              <a:ext uri="{FF2B5EF4-FFF2-40B4-BE49-F238E27FC236}">
+                <a16:creationId xmlns:a16="http://schemas.microsoft.com/office/drawing/2014/main" id="{F4ECFB12-B3BA-A60C-D474-0D3415C8FE64}"/>
+              </a:ext>
+            </a:extLst>
+          </p:cNvPr>
+          <p:cNvSpPr txBox="1"/>
+          <p:nvPr/>
+        </p:nvSpPr>
+        <p:spPr>
+          <a:xfrm>
+            <a:off x="6302888" y="3077164"/>
+            <a:ext cx="1107996" cy="369332"/>
+          </a:xfrm>
+          <a:prstGeom prst="rect">
+            <a:avLst/>
+          </a:prstGeom>
+          <a:noFill/>
+        </p:spPr>
+        <p:txBody>
+          <a:bodyPr wrap="none" rtlCol="0">
+            <a:spAutoFit/>
+          </a:bodyPr>
+          <a:lstStyle/>
+          <a:p>
+            <a:r>
+              <a:rPr lang="zh-CN" altLang="en-US" dirty="0"/>
+              <a:t>接收信号</a:t>
+            </a:r>
+          </a:p>
+        </p:txBody>
+      </p:sp>
+      <p:sp>
+        <p:nvSpPr>
+          <p:cNvPr id="158" name="矩形 157">
+            <a:extLst>
+              <a:ext uri="{FF2B5EF4-FFF2-40B4-BE49-F238E27FC236}">
+                <a16:creationId xmlns:a16="http://schemas.microsoft.com/office/drawing/2014/main" id="{55EC139F-FEDD-9B06-AB67-C2C7461D9886}"/>
+              </a:ext>
+            </a:extLst>
+          </p:cNvPr>
+          <p:cNvSpPr/>
+          <p:nvPr/>
+        </p:nvSpPr>
+        <p:spPr>
+          <a:xfrm>
+            <a:off x="1026969" y="6219131"/>
+            <a:ext cx="837821" cy="509986"/>
+          </a:xfrm>
+          <a:prstGeom prst="rect">
+            <a:avLst/>
+          </a:prstGeom>
+          <a:solidFill>
+            <a:schemeClr val="bg1">
+              <a:lumMod val="95000"/>
+            </a:schemeClr>
+          </a:solidFill>
+          <a:ln>
+            <a:solidFill>
+              <a:schemeClr val="tx1"/>
+            </a:solidFill>
+          </a:ln>
+        </p:spPr>
+        <p:style>
+          <a:lnRef idx="2">
+            <a:schemeClr val="accent1">
+              <a:shade val="15000"/>
+            </a:schemeClr>
+          </a:lnRef>
+          <a:fillRef idx="1">
+            <a:schemeClr val="accent1"/>
+          </a:fillRef>
+          <a:effectRef idx="0">
+            <a:schemeClr val="accent1"/>
+          </a:effectRef>
+          <a:fontRef idx="minor">
+            <a:schemeClr val="lt1"/>
+          </a:fontRef>
+        </p:style>
+        <p:txBody>
+          <a:bodyPr rtlCol="0" anchor="ctr"/>
+          <a:lstStyle/>
+          <a:p>
+            <a:pPr algn="ctr"/>
+            <a:r>
+              <a:rPr lang="zh-CN" altLang="en-US">
+                <a:solidFill>
+                  <a:schemeClr val="tx1"/>
+                </a:solidFill>
+              </a:rPr>
+              <a:t>模型</a:t>
+            </a:r>
+            <a:endParaRPr lang="zh-CN" altLang="en-US" dirty="0">
+              <a:solidFill>
+                <a:schemeClr val="tx1"/>
+              </a:solidFill>
+            </a:endParaRPr>
+          </a:p>
+        </p:txBody>
+      </p:sp>
+      <p:cxnSp>
+        <p:nvCxnSpPr>
+          <p:cNvPr id="159" name="连接符: 曲线 158">
+            <a:extLst>
+              <a:ext uri="{FF2B5EF4-FFF2-40B4-BE49-F238E27FC236}">
+                <a16:creationId xmlns:a16="http://schemas.microsoft.com/office/drawing/2014/main" id="{2E5B4B3A-CDCA-97B8-4ADC-886332E2F2A7}"/>
+              </a:ext>
+            </a:extLst>
+          </p:cNvPr>
+          <p:cNvCxnSpPr>
+            <a:cxnSpLocks/>
+            <a:stCxn id="7" idx="2"/>
+            <a:endCxn id="158" idx="0"/>
+          </p:cNvCxnSpPr>
+          <p:nvPr/>
+        </p:nvCxnSpPr>
+        <p:spPr>
+          <a:xfrm rot="16200000" flipH="1">
+            <a:off x="909309" y="5682560"/>
+            <a:ext cx="522946" cy="550195"/>
+          </a:xfrm>
+          <a:prstGeom prst="curvedConnector3">
+            <a:avLst>
+              <a:gd name="adj1" fmla="val 50000"/>
+            </a:avLst>
+          </a:prstGeom>
+          <a:ln>
+            <a:solidFill>
+              <a:schemeClr val="tx1"/>
+            </a:solidFill>
+            <a:tailEnd type="triangle"/>
+          </a:ln>
+        </p:spPr>
+        <p:style>
+          <a:lnRef idx="2">
+            <a:schemeClr val="accent1"/>
+          </a:lnRef>
+          <a:fillRef idx="0">
+            <a:schemeClr val="accent1"/>
+          </a:fillRef>
+          <a:effectRef idx="1">
+            <a:schemeClr val="accent1"/>
+          </a:effectRef>
+          <a:fontRef idx="minor">
+            <a:schemeClr val="tx1"/>
+          </a:fontRef>
+        </p:style>
+      </p:cxnSp>
+      <p:pic>
+        <p:nvPicPr>
+          <p:cNvPr id="167" name="图片 166">
+            <a:extLst>
+              <a:ext uri="{FF2B5EF4-FFF2-40B4-BE49-F238E27FC236}">
+                <a16:creationId xmlns:a16="http://schemas.microsoft.com/office/drawing/2014/main" id="{5396A4D1-22C1-0033-DA2B-E0CF06D2B953}"/>
+              </a:ext>
+            </a:extLst>
+          </p:cNvPr>
+          <p:cNvPicPr>
+            <a:picLocks noChangeAspect="1"/>
+          </p:cNvPicPr>
+          <p:nvPr/>
+        </p:nvPicPr>
+        <p:blipFill>
+          <a:blip r:embed="rId4"/>
+          <a:stretch>
+            <a:fillRect/>
+          </a:stretch>
+        </p:blipFill>
+        <p:spPr>
+          <a:xfrm>
+            <a:off x="8281640" y="6071081"/>
+            <a:ext cx="3036025" cy="612433"/>
+          </a:xfrm>
+          <a:prstGeom prst="rect">
+            <a:avLst/>
+          </a:prstGeom>
+        </p:spPr>
+      </p:pic>
+      <p:sp>
+        <p:nvSpPr>
+          <p:cNvPr id="173" name="文本框 172">
+            <a:extLst>
+              <a:ext uri="{FF2B5EF4-FFF2-40B4-BE49-F238E27FC236}">
+                <a16:creationId xmlns:a16="http://schemas.microsoft.com/office/drawing/2014/main" id="{2EEAE151-E428-0197-261F-63049EB34E28}"/>
+              </a:ext>
+            </a:extLst>
+          </p:cNvPr>
+          <p:cNvSpPr txBox="1"/>
+          <p:nvPr/>
+        </p:nvSpPr>
+        <p:spPr>
+          <a:xfrm>
+            <a:off x="10452102" y="4906073"/>
+            <a:ext cx="1338828" cy="369332"/>
+          </a:xfrm>
+          <a:prstGeom prst="rect">
+            <a:avLst/>
+          </a:prstGeom>
+          <a:noFill/>
+        </p:spPr>
+        <p:txBody>
+          <a:bodyPr wrap="none" rtlCol="0">
+            <a:spAutoFit/>
+          </a:bodyPr>
+          <a:lstStyle/>
+          <a:p>
+            <a:r>
+              <a:rPr lang="zh-CN" altLang="en-US" dirty="0"/>
+              <a:t>布娃娃常用</a:t>
+            </a:r>
+          </a:p>
+        </p:txBody>
+      </p:sp>
+    </p:spTree>
+    <p:extLst>
+      <p:ext uri="{BB962C8B-B14F-4D97-AF65-F5344CB8AC3E}">
+        <p14:creationId xmlns:p14="http://schemas.microsoft.com/office/powerpoint/2010/main" val="3721345810"/>
       </p:ext>
     </p:extLst>
   </p:cSld>
